--- a/2017_09_26_Lero_Poster/LeroPoster_Riccardo_Orizio.pptx
+++ b/2017_09_26_Lero_Poster/LeroPoster_Riccardo_Orizio.pptx
@@ -1,19 +1,118 @@
 
 <file path=ppt/presentation.xml><?xml version="1.0" encoding="utf-8"?>
-<p:presentation xmlns:a="http://schemas.openxmlformats.org/drawingml/2006/main" xmlns:p="http://schemas.openxmlformats.org/presentationml/2006/main" xmlns:r="http://schemas.openxmlformats.org/officeDocument/2006/relationships" xmlns:p14="http://schemas.microsoft.com/office/powerpoint/2010/main" xmlns:p15="http://schemas.microsoft.com/office/powerpoint/2012/main" xmlns:mc="http://schemas.openxmlformats.org/markup-compatibility/2006">
+<p:presentation xmlns:a="http://schemas.openxmlformats.org/drawingml/2006/main" xmlns:r="http://schemas.openxmlformats.org/officeDocument/2006/relationships" xmlns:p="http://schemas.openxmlformats.org/presentationml/2006/main">
   <p:sldMasterIdLst>
-    <p:sldMasterId id="2147483648" r:id="rId2"/>
+    <p:sldMasterId id="2147483648" r:id="rId1"/>
   </p:sldMasterIdLst>
   <p:sldIdLst>
-    <p:sldId id="256" r:id="rId3"/>
+    <p:sldId id="256" r:id="rId2"/>
   </p:sldIdLst>
   <p:sldSz cx="21386800" cy="30279975"/>
   <p:notesSz cx="7772400" cy="10058400"/>
+  <p:defaultTextStyle>
+    <a:defPPr>
+      <a:defRPr lang="en-US"/>
+    </a:defPPr>
+    <a:lvl1pPr marL="0" algn="l" defTabSz="914400" rtl="0" eaLnBrk="1" latinLnBrk="0" hangingPunct="1">
+      <a:defRPr sz="1800" kern="1200">
+        <a:solidFill>
+          <a:schemeClr val="tx1"/>
+        </a:solidFill>
+        <a:latin typeface="+mn-lt"/>
+        <a:ea typeface="+mn-ea"/>
+        <a:cs typeface="+mn-cs"/>
+      </a:defRPr>
+    </a:lvl1pPr>
+    <a:lvl2pPr marL="457200" algn="l" defTabSz="914400" rtl="0" eaLnBrk="1" latinLnBrk="0" hangingPunct="1">
+      <a:defRPr sz="1800" kern="1200">
+        <a:solidFill>
+          <a:schemeClr val="tx1"/>
+        </a:solidFill>
+        <a:latin typeface="+mn-lt"/>
+        <a:ea typeface="+mn-ea"/>
+        <a:cs typeface="+mn-cs"/>
+      </a:defRPr>
+    </a:lvl2pPr>
+    <a:lvl3pPr marL="914400" algn="l" defTabSz="914400" rtl="0" eaLnBrk="1" latinLnBrk="0" hangingPunct="1">
+      <a:defRPr sz="1800" kern="1200">
+        <a:solidFill>
+          <a:schemeClr val="tx1"/>
+        </a:solidFill>
+        <a:latin typeface="+mn-lt"/>
+        <a:ea typeface="+mn-ea"/>
+        <a:cs typeface="+mn-cs"/>
+      </a:defRPr>
+    </a:lvl3pPr>
+    <a:lvl4pPr marL="1371600" algn="l" defTabSz="914400" rtl="0" eaLnBrk="1" latinLnBrk="0" hangingPunct="1">
+      <a:defRPr sz="1800" kern="1200">
+        <a:solidFill>
+          <a:schemeClr val="tx1"/>
+        </a:solidFill>
+        <a:latin typeface="+mn-lt"/>
+        <a:ea typeface="+mn-ea"/>
+        <a:cs typeface="+mn-cs"/>
+      </a:defRPr>
+    </a:lvl4pPr>
+    <a:lvl5pPr marL="1828800" algn="l" defTabSz="914400" rtl="0" eaLnBrk="1" latinLnBrk="0" hangingPunct="1">
+      <a:defRPr sz="1800" kern="1200">
+        <a:solidFill>
+          <a:schemeClr val="tx1"/>
+        </a:solidFill>
+        <a:latin typeface="+mn-lt"/>
+        <a:ea typeface="+mn-ea"/>
+        <a:cs typeface="+mn-cs"/>
+      </a:defRPr>
+    </a:lvl5pPr>
+    <a:lvl6pPr marL="2286000" algn="l" defTabSz="914400" rtl="0" eaLnBrk="1" latinLnBrk="0" hangingPunct="1">
+      <a:defRPr sz="1800" kern="1200">
+        <a:solidFill>
+          <a:schemeClr val="tx1"/>
+        </a:solidFill>
+        <a:latin typeface="+mn-lt"/>
+        <a:ea typeface="+mn-ea"/>
+        <a:cs typeface="+mn-cs"/>
+      </a:defRPr>
+    </a:lvl6pPr>
+    <a:lvl7pPr marL="2743200" algn="l" defTabSz="914400" rtl="0" eaLnBrk="1" latinLnBrk="0" hangingPunct="1">
+      <a:defRPr sz="1800" kern="1200">
+        <a:solidFill>
+          <a:schemeClr val="tx1"/>
+        </a:solidFill>
+        <a:latin typeface="+mn-lt"/>
+        <a:ea typeface="+mn-ea"/>
+        <a:cs typeface="+mn-cs"/>
+      </a:defRPr>
+    </a:lvl7pPr>
+    <a:lvl8pPr marL="3200400" algn="l" defTabSz="914400" rtl="0" eaLnBrk="1" latinLnBrk="0" hangingPunct="1">
+      <a:defRPr sz="1800" kern="1200">
+        <a:solidFill>
+          <a:schemeClr val="tx1"/>
+        </a:solidFill>
+        <a:latin typeface="+mn-lt"/>
+        <a:ea typeface="+mn-ea"/>
+        <a:cs typeface="+mn-cs"/>
+      </a:defRPr>
+    </a:lvl8pPr>
+    <a:lvl9pPr marL="3657600" algn="l" defTabSz="914400" rtl="0" eaLnBrk="1" latinLnBrk="0" hangingPunct="1">
+      <a:defRPr sz="1800" kern="1200">
+        <a:solidFill>
+          <a:schemeClr val="tx1"/>
+        </a:solidFill>
+        <a:latin typeface="+mn-lt"/>
+        <a:ea typeface="+mn-ea"/>
+        <a:cs typeface="+mn-cs"/>
+      </a:defRPr>
+    </a:lvl9pPr>
+  </p:defaultTextStyle>
 </p:presentation>
 </file>
 
+<file path=ppt/revisionInfo.xml><?xml version="1.0" encoding="utf-8"?>
+<p1510:revInfo xmlns:a="http://schemas.openxmlformats.org/drawingml/2006/main" xmlns:r="http://schemas.openxmlformats.org/officeDocument/2006/relationships" xmlns:p1510="http://schemas.microsoft.com/office/powerpoint/2015/10/main"/>
+</file>
+
 <file path=ppt/slideLayouts/slideLayout1.xml><?xml version="1.0" encoding="utf-8"?>
-<p:sldLayout xmlns:a="http://schemas.openxmlformats.org/drawingml/2006/main" xmlns:p="http://schemas.openxmlformats.org/presentationml/2006/main" xmlns:r="http://schemas.openxmlformats.org/officeDocument/2006/relationships" xmlns:p14="http://schemas.microsoft.com/office/powerpoint/2010/main" xmlns:p15="http://schemas.microsoft.com/office/powerpoint/2012/main" xmlns:mc="http://schemas.openxmlformats.org/markup-compatibility/2006" type="blank" preserve="1">
+<p:sldLayout xmlns:a="http://schemas.openxmlformats.org/drawingml/2006/main" xmlns:r="http://schemas.openxmlformats.org/officeDocument/2006/relationships" xmlns:p="http://schemas.openxmlformats.org/presentationml/2006/main" type="blank" preserve="1">
   <p:cSld name="Blank Slide">
     <p:spTree>
       <p:nvGrpSpPr>
@@ -31,11 +130,14 @@
       </p:grpSpPr>
     </p:spTree>
   </p:cSld>
+  <p:clrMapOvr>
+    <a:masterClrMapping/>
+  </p:clrMapOvr>
 </p:sldLayout>
 </file>
 
 <file path=ppt/slideLayouts/slideLayout10.xml><?xml version="1.0" encoding="utf-8"?>
-<p:sldLayout xmlns:a="http://schemas.openxmlformats.org/drawingml/2006/main" xmlns:p="http://schemas.openxmlformats.org/presentationml/2006/main" xmlns:r="http://schemas.openxmlformats.org/officeDocument/2006/relationships" xmlns:p14="http://schemas.microsoft.com/office/powerpoint/2010/main" xmlns:p15="http://schemas.microsoft.com/office/powerpoint/2012/main" xmlns:mc="http://schemas.openxmlformats.org/markup-compatibility/2006" type="objOverTx" preserve="1">
+<p:sldLayout xmlns:a="http://schemas.openxmlformats.org/drawingml/2006/main" xmlns:r="http://schemas.openxmlformats.org/officeDocument/2006/relationships" xmlns:p="http://schemas.openxmlformats.org/presentationml/2006/main" type="objOverTx" preserve="1">
   <p:cSld name="Title, Content over Content">
     <p:spTree>
       <p:nvGrpSpPr>
@@ -71,16 +173,17 @@
           </a:prstGeom>
         </p:spPr>
         <p:txBody>
-          <a:bodyPr lIns="0" rIns="0" tIns="0" bIns="0" anchor="ctr"/>
+          <a:bodyPr lIns="0" tIns="0" rIns="0" bIns="0" anchor="ctr"/>
+          <a:lstStyle/>
           <a:p>
             <a:pPr algn="ctr"/>
-            <a:endParaRPr b="0" lang="en-GB" sz="4400" spc="-1" strike="noStrike">
+            <a:endParaRPr lang="en-GB" sz="4400" b="0" strike="noStrike" spc="-1">
               <a:solidFill>
                 <a:srgbClr val="000000"/>
               </a:solidFill>
               <a:uFill>
                 <a:solidFill>
-                  <a:srgbClr val="ffffff"/>
+                  <a:srgbClr val="FFFFFF"/>
                 </a:solidFill>
               </a:uFill>
               <a:latin typeface="Arial"/>
@@ -108,15 +211,16 @@
           </a:prstGeom>
         </p:spPr>
         <p:txBody>
-          <a:bodyPr lIns="0" rIns="0" tIns="0" bIns="0"/>
-          <a:p>
-            <a:endParaRPr b="0" lang="en-GB" sz="3200" spc="-1" strike="noStrike">
+          <a:bodyPr lIns="0" tIns="0" rIns="0" bIns="0"/>
+          <a:lstStyle/>
+          <a:p>
+            <a:endParaRPr lang="en-GB" sz="3200" b="0" strike="noStrike" spc="-1">
               <a:solidFill>
                 <a:srgbClr val="000000"/>
               </a:solidFill>
               <a:uFill>
                 <a:solidFill>
-                  <a:srgbClr val="ffffff"/>
+                  <a:srgbClr val="FFFFFF"/>
                 </a:solidFill>
               </a:uFill>
               <a:latin typeface="Arial"/>
@@ -144,15 +248,16 @@
           </a:prstGeom>
         </p:spPr>
         <p:txBody>
-          <a:bodyPr lIns="0" rIns="0" tIns="0" bIns="0"/>
-          <a:p>
-            <a:endParaRPr b="0" lang="en-GB" sz="3200" spc="-1" strike="noStrike">
+          <a:bodyPr lIns="0" tIns="0" rIns="0" bIns="0"/>
+          <a:lstStyle/>
+          <a:p>
+            <a:endParaRPr lang="en-GB" sz="3200" b="0" strike="noStrike" spc="-1">
               <a:solidFill>
                 <a:srgbClr val="000000"/>
               </a:solidFill>
               <a:uFill>
                 <a:solidFill>
-                  <a:srgbClr val="ffffff"/>
+                  <a:srgbClr val="FFFFFF"/>
                 </a:solidFill>
               </a:uFill>
               <a:latin typeface="Arial"/>
@@ -162,11 +267,14 @@
       </p:sp>
     </p:spTree>
   </p:cSld>
+  <p:clrMapOvr>
+    <a:masterClrMapping/>
+  </p:clrMapOvr>
 </p:sldLayout>
 </file>
 
 <file path=ppt/slideLayouts/slideLayout11.xml><?xml version="1.0" encoding="utf-8"?>
-<p:sldLayout xmlns:a="http://schemas.openxmlformats.org/drawingml/2006/main" xmlns:p="http://schemas.openxmlformats.org/presentationml/2006/main" xmlns:r="http://schemas.openxmlformats.org/officeDocument/2006/relationships" xmlns:p14="http://schemas.microsoft.com/office/powerpoint/2010/main" xmlns:p15="http://schemas.microsoft.com/office/powerpoint/2012/main" xmlns:mc="http://schemas.openxmlformats.org/markup-compatibility/2006" type="fourObj" preserve="1">
+<p:sldLayout xmlns:a="http://schemas.openxmlformats.org/drawingml/2006/main" xmlns:r="http://schemas.openxmlformats.org/officeDocument/2006/relationships" xmlns:p="http://schemas.openxmlformats.org/presentationml/2006/main" type="fourObj" preserve="1">
   <p:cSld name="Title, 4 Content">
     <p:spTree>
       <p:nvGrpSpPr>
@@ -202,16 +310,17 @@
           </a:prstGeom>
         </p:spPr>
         <p:txBody>
-          <a:bodyPr lIns="0" rIns="0" tIns="0" bIns="0" anchor="ctr"/>
+          <a:bodyPr lIns="0" tIns="0" rIns="0" bIns="0" anchor="ctr"/>
+          <a:lstStyle/>
           <a:p>
             <a:pPr algn="ctr"/>
-            <a:endParaRPr b="0" lang="en-GB" sz="4400" spc="-1" strike="noStrike">
+            <a:endParaRPr lang="en-GB" sz="4400" b="0" strike="noStrike" spc="-1">
               <a:solidFill>
                 <a:srgbClr val="000000"/>
               </a:solidFill>
               <a:uFill>
                 <a:solidFill>
-                  <a:srgbClr val="ffffff"/>
+                  <a:srgbClr val="FFFFFF"/>
                 </a:solidFill>
               </a:uFill>
               <a:latin typeface="Arial"/>
@@ -239,15 +348,16 @@
           </a:prstGeom>
         </p:spPr>
         <p:txBody>
-          <a:bodyPr lIns="0" rIns="0" tIns="0" bIns="0"/>
-          <a:p>
-            <a:endParaRPr b="0" lang="en-GB" sz="3200" spc="-1" strike="noStrike">
+          <a:bodyPr lIns="0" tIns="0" rIns="0" bIns="0"/>
+          <a:lstStyle/>
+          <a:p>
+            <a:endParaRPr lang="en-GB" sz="3200" b="0" strike="noStrike" spc="-1">
               <a:solidFill>
                 <a:srgbClr val="000000"/>
               </a:solidFill>
               <a:uFill>
                 <a:solidFill>
-                  <a:srgbClr val="ffffff"/>
+                  <a:srgbClr val="FFFFFF"/>
                 </a:solidFill>
               </a:uFill>
               <a:latin typeface="Arial"/>
@@ -275,15 +385,16 @@
           </a:prstGeom>
         </p:spPr>
         <p:txBody>
-          <a:bodyPr lIns="0" rIns="0" tIns="0" bIns="0"/>
-          <a:p>
-            <a:endParaRPr b="0" lang="en-GB" sz="3200" spc="-1" strike="noStrike">
+          <a:bodyPr lIns="0" tIns="0" rIns="0" bIns="0"/>
+          <a:lstStyle/>
+          <a:p>
+            <a:endParaRPr lang="en-GB" sz="3200" b="0" strike="noStrike" spc="-1">
               <a:solidFill>
                 <a:srgbClr val="000000"/>
               </a:solidFill>
               <a:uFill>
                 <a:solidFill>
-                  <a:srgbClr val="ffffff"/>
+                  <a:srgbClr val="FFFFFF"/>
                 </a:solidFill>
               </a:uFill>
               <a:latin typeface="Arial"/>
@@ -311,15 +422,16 @@
           </a:prstGeom>
         </p:spPr>
         <p:txBody>
-          <a:bodyPr lIns="0" rIns="0" tIns="0" bIns="0"/>
-          <a:p>
-            <a:endParaRPr b="0" lang="en-GB" sz="3200" spc="-1" strike="noStrike">
+          <a:bodyPr lIns="0" tIns="0" rIns="0" bIns="0"/>
+          <a:lstStyle/>
+          <a:p>
+            <a:endParaRPr lang="en-GB" sz="3200" b="0" strike="noStrike" spc="-1">
               <a:solidFill>
                 <a:srgbClr val="000000"/>
               </a:solidFill>
               <a:uFill>
                 <a:solidFill>
-                  <a:srgbClr val="ffffff"/>
+                  <a:srgbClr val="FFFFFF"/>
                 </a:solidFill>
               </a:uFill>
               <a:latin typeface="Arial"/>
@@ -347,15 +459,16 @@
           </a:prstGeom>
         </p:spPr>
         <p:txBody>
-          <a:bodyPr lIns="0" rIns="0" tIns="0" bIns="0"/>
-          <a:p>
-            <a:endParaRPr b="0" lang="en-GB" sz="3200" spc="-1" strike="noStrike">
+          <a:bodyPr lIns="0" tIns="0" rIns="0" bIns="0"/>
+          <a:lstStyle/>
+          <a:p>
+            <a:endParaRPr lang="en-GB" sz="3200" b="0" strike="noStrike" spc="-1">
               <a:solidFill>
                 <a:srgbClr val="000000"/>
               </a:solidFill>
               <a:uFill>
                 <a:solidFill>
-                  <a:srgbClr val="ffffff"/>
+                  <a:srgbClr val="FFFFFF"/>
                 </a:solidFill>
               </a:uFill>
               <a:latin typeface="Arial"/>
@@ -365,11 +478,14 @@
       </p:sp>
     </p:spTree>
   </p:cSld>
+  <p:clrMapOvr>
+    <a:masterClrMapping/>
+  </p:clrMapOvr>
 </p:sldLayout>
 </file>
 
 <file path=ppt/slideLayouts/slideLayout12.xml><?xml version="1.0" encoding="utf-8"?>
-<p:sldLayout xmlns:a="http://schemas.openxmlformats.org/drawingml/2006/main" xmlns:p="http://schemas.openxmlformats.org/presentationml/2006/main" xmlns:r="http://schemas.openxmlformats.org/officeDocument/2006/relationships" xmlns:p14="http://schemas.microsoft.com/office/powerpoint/2010/main" xmlns:p15="http://schemas.microsoft.com/office/powerpoint/2012/main" xmlns:mc="http://schemas.openxmlformats.org/markup-compatibility/2006" type="blank" preserve="1">
+<p:sldLayout xmlns:a="http://schemas.openxmlformats.org/drawingml/2006/main" xmlns:r="http://schemas.openxmlformats.org/officeDocument/2006/relationships" xmlns:p="http://schemas.openxmlformats.org/presentationml/2006/main" type="blank" preserve="1">
   <p:cSld name="Title, 6 Content">
     <p:spTree>
       <p:nvGrpSpPr>
@@ -405,16 +521,17 @@
           </a:prstGeom>
         </p:spPr>
         <p:txBody>
-          <a:bodyPr lIns="0" rIns="0" tIns="0" bIns="0" anchor="ctr"/>
+          <a:bodyPr lIns="0" tIns="0" rIns="0" bIns="0" anchor="ctr"/>
+          <a:lstStyle/>
           <a:p>
             <a:pPr algn="ctr"/>
-            <a:endParaRPr b="0" lang="en-GB" sz="4400" spc="-1" strike="noStrike">
+            <a:endParaRPr lang="en-GB" sz="4400" b="0" strike="noStrike" spc="-1">
               <a:solidFill>
                 <a:srgbClr val="000000"/>
               </a:solidFill>
               <a:uFill>
                 <a:solidFill>
-                  <a:srgbClr val="ffffff"/>
+                  <a:srgbClr val="FFFFFF"/>
                 </a:solidFill>
               </a:uFill>
               <a:latin typeface="Arial"/>
@@ -442,15 +559,16 @@
           </a:prstGeom>
         </p:spPr>
         <p:txBody>
-          <a:bodyPr lIns="0" rIns="0" tIns="0" bIns="0"/>
-          <a:p>
-            <a:endParaRPr b="0" lang="en-GB" sz="3200" spc="-1" strike="noStrike">
+          <a:bodyPr lIns="0" tIns="0" rIns="0" bIns="0"/>
+          <a:lstStyle/>
+          <a:p>
+            <a:endParaRPr lang="en-GB" sz="3200" b="0" strike="noStrike" spc="-1">
               <a:solidFill>
                 <a:srgbClr val="000000"/>
               </a:solidFill>
               <a:uFill>
                 <a:solidFill>
-                  <a:srgbClr val="ffffff"/>
+                  <a:srgbClr val="FFFFFF"/>
                 </a:solidFill>
               </a:uFill>
               <a:latin typeface="Arial"/>
@@ -478,15 +596,16 @@
           </a:prstGeom>
         </p:spPr>
         <p:txBody>
-          <a:bodyPr lIns="0" rIns="0" tIns="0" bIns="0"/>
-          <a:p>
-            <a:endParaRPr b="0" lang="en-GB" sz="3200" spc="-1" strike="noStrike">
+          <a:bodyPr lIns="0" tIns="0" rIns="0" bIns="0"/>
+          <a:lstStyle/>
+          <a:p>
+            <a:endParaRPr lang="en-GB" sz="3200" b="0" strike="noStrike" spc="-1">
               <a:solidFill>
                 <a:srgbClr val="000000"/>
               </a:solidFill>
               <a:uFill>
                 <a:solidFill>
-                  <a:srgbClr val="ffffff"/>
+                  <a:srgbClr val="FFFFFF"/>
                 </a:solidFill>
               </a:uFill>
               <a:latin typeface="Arial"/>
@@ -496,7 +615,7 @@
       </p:sp>
       <p:pic>
         <p:nvPicPr>
-          <p:cNvPr id="37" name="" descr=""/>
+          <p:cNvPr id="37" name="Picture 36"/>
           <p:cNvPicPr/>
           <p:nvPr/>
         </p:nvPicPr>
@@ -519,12 +638,12 @@
       </p:pic>
       <p:pic>
         <p:nvPicPr>
-          <p:cNvPr id="38" name="" descr=""/>
+          <p:cNvPr id="38" name="Picture 37"/>
           <p:cNvPicPr/>
           <p:nvPr/>
         </p:nvPicPr>
         <p:blipFill>
-          <a:blip r:embed="rId3"/>
+          <a:blip r:embed="rId2"/>
           <a:stretch/>
         </p:blipFill>
         <p:spPr>
@@ -542,11 +661,14 @@
       </p:pic>
     </p:spTree>
   </p:cSld>
+  <p:clrMapOvr>
+    <a:masterClrMapping/>
+  </p:clrMapOvr>
 </p:sldLayout>
 </file>
 
 <file path=ppt/slideLayouts/slideLayout2.xml><?xml version="1.0" encoding="utf-8"?>
-<p:sldLayout xmlns:a="http://schemas.openxmlformats.org/drawingml/2006/main" xmlns:p="http://schemas.openxmlformats.org/presentationml/2006/main" xmlns:r="http://schemas.openxmlformats.org/officeDocument/2006/relationships" xmlns:p14="http://schemas.microsoft.com/office/powerpoint/2010/main" xmlns:p15="http://schemas.microsoft.com/office/powerpoint/2012/main" xmlns:mc="http://schemas.openxmlformats.org/markup-compatibility/2006" type="tx" preserve="1">
+<p:sldLayout xmlns:a="http://schemas.openxmlformats.org/drawingml/2006/main" xmlns:r="http://schemas.openxmlformats.org/officeDocument/2006/relationships" xmlns:p="http://schemas.openxmlformats.org/presentationml/2006/main" type="tx" preserve="1">
   <p:cSld name="Title Slide">
     <p:spTree>
       <p:nvGrpSpPr>
@@ -582,16 +704,17 @@
           </a:prstGeom>
         </p:spPr>
         <p:txBody>
-          <a:bodyPr lIns="0" rIns="0" tIns="0" bIns="0" anchor="ctr"/>
+          <a:bodyPr lIns="0" tIns="0" rIns="0" bIns="0" anchor="ctr"/>
+          <a:lstStyle/>
           <a:p>
             <a:pPr algn="ctr"/>
-            <a:endParaRPr b="0" lang="en-GB" sz="4400" spc="-1" strike="noStrike">
+            <a:endParaRPr lang="en-GB" sz="4400" b="0" strike="noStrike" spc="-1">
               <a:solidFill>
                 <a:srgbClr val="000000"/>
               </a:solidFill>
               <a:uFill>
                 <a:solidFill>
-                  <a:srgbClr val="ffffff"/>
+                  <a:srgbClr val="FFFFFF"/>
                 </a:solidFill>
               </a:uFill>
               <a:latin typeface="Arial"/>
@@ -619,16 +742,17 @@
           </a:prstGeom>
         </p:spPr>
         <p:txBody>
-          <a:bodyPr lIns="0" rIns="0" tIns="0" bIns="0" anchor="ctr"/>
+          <a:bodyPr lIns="0" tIns="0" rIns="0" bIns="0" anchor="ctr"/>
+          <a:lstStyle/>
           <a:p>
             <a:pPr algn="ctr"/>
-            <a:endParaRPr b="0" lang="en-GB" sz="3200" spc="-1" strike="noStrike">
+            <a:endParaRPr lang="en-GB" sz="3200" b="0" strike="noStrike" spc="-1">
               <a:solidFill>
                 <a:srgbClr val="000000"/>
               </a:solidFill>
               <a:uFill>
                 <a:solidFill>
-                  <a:srgbClr val="ffffff"/>
+                  <a:srgbClr val="FFFFFF"/>
                 </a:solidFill>
               </a:uFill>
               <a:latin typeface="Arial"/>
@@ -638,11 +762,14 @@
       </p:sp>
     </p:spTree>
   </p:cSld>
+  <p:clrMapOvr>
+    <a:masterClrMapping/>
+  </p:clrMapOvr>
 </p:sldLayout>
 </file>
 
 <file path=ppt/slideLayouts/slideLayout3.xml><?xml version="1.0" encoding="utf-8"?>
-<p:sldLayout xmlns:a="http://schemas.openxmlformats.org/drawingml/2006/main" xmlns:p="http://schemas.openxmlformats.org/presentationml/2006/main" xmlns:r="http://schemas.openxmlformats.org/officeDocument/2006/relationships" xmlns:p14="http://schemas.microsoft.com/office/powerpoint/2010/main" xmlns:p15="http://schemas.microsoft.com/office/powerpoint/2012/main" xmlns:mc="http://schemas.openxmlformats.org/markup-compatibility/2006" type="obj" preserve="1">
+<p:sldLayout xmlns:a="http://schemas.openxmlformats.org/drawingml/2006/main" xmlns:r="http://schemas.openxmlformats.org/officeDocument/2006/relationships" xmlns:p="http://schemas.openxmlformats.org/presentationml/2006/main" type="obj" preserve="1">
   <p:cSld name="Title, Content">
     <p:spTree>
       <p:nvGrpSpPr>
@@ -678,16 +805,17 @@
           </a:prstGeom>
         </p:spPr>
         <p:txBody>
-          <a:bodyPr lIns="0" rIns="0" tIns="0" bIns="0" anchor="ctr"/>
+          <a:bodyPr lIns="0" tIns="0" rIns="0" bIns="0" anchor="ctr"/>
+          <a:lstStyle/>
           <a:p>
             <a:pPr algn="ctr"/>
-            <a:endParaRPr b="0" lang="en-GB" sz="4400" spc="-1" strike="noStrike">
+            <a:endParaRPr lang="en-GB" sz="4400" b="0" strike="noStrike" spc="-1">
               <a:solidFill>
                 <a:srgbClr val="000000"/>
               </a:solidFill>
               <a:uFill>
                 <a:solidFill>
-                  <a:srgbClr val="ffffff"/>
+                  <a:srgbClr val="FFFFFF"/>
                 </a:solidFill>
               </a:uFill>
               <a:latin typeface="Arial"/>
@@ -715,15 +843,16 @@
           </a:prstGeom>
         </p:spPr>
         <p:txBody>
-          <a:bodyPr lIns="0" rIns="0" tIns="0" bIns="0"/>
-          <a:p>
-            <a:endParaRPr b="0" lang="en-GB" sz="3200" spc="-1" strike="noStrike">
+          <a:bodyPr lIns="0" tIns="0" rIns="0" bIns="0"/>
+          <a:lstStyle/>
+          <a:p>
+            <a:endParaRPr lang="en-GB" sz="3200" b="0" strike="noStrike" spc="-1">
               <a:solidFill>
                 <a:srgbClr val="000000"/>
               </a:solidFill>
               <a:uFill>
                 <a:solidFill>
-                  <a:srgbClr val="ffffff"/>
+                  <a:srgbClr val="FFFFFF"/>
                 </a:solidFill>
               </a:uFill>
               <a:latin typeface="Arial"/>
@@ -733,11 +862,14 @@
       </p:sp>
     </p:spTree>
   </p:cSld>
+  <p:clrMapOvr>
+    <a:masterClrMapping/>
+  </p:clrMapOvr>
 </p:sldLayout>
 </file>
 
 <file path=ppt/slideLayouts/slideLayout4.xml><?xml version="1.0" encoding="utf-8"?>
-<p:sldLayout xmlns:a="http://schemas.openxmlformats.org/drawingml/2006/main" xmlns:p="http://schemas.openxmlformats.org/presentationml/2006/main" xmlns:r="http://schemas.openxmlformats.org/officeDocument/2006/relationships" xmlns:p14="http://schemas.microsoft.com/office/powerpoint/2010/main" xmlns:p15="http://schemas.microsoft.com/office/powerpoint/2012/main" xmlns:mc="http://schemas.openxmlformats.org/markup-compatibility/2006" type="twoObj" preserve="1">
+<p:sldLayout xmlns:a="http://schemas.openxmlformats.org/drawingml/2006/main" xmlns:r="http://schemas.openxmlformats.org/officeDocument/2006/relationships" xmlns:p="http://schemas.openxmlformats.org/presentationml/2006/main" type="twoObj" preserve="1">
   <p:cSld name="Title, 2 Content">
     <p:spTree>
       <p:nvGrpSpPr>
@@ -773,16 +905,17 @@
           </a:prstGeom>
         </p:spPr>
         <p:txBody>
-          <a:bodyPr lIns="0" rIns="0" tIns="0" bIns="0" anchor="ctr"/>
+          <a:bodyPr lIns="0" tIns="0" rIns="0" bIns="0" anchor="ctr"/>
+          <a:lstStyle/>
           <a:p>
             <a:pPr algn="ctr"/>
-            <a:endParaRPr b="0" lang="en-GB" sz="4400" spc="-1" strike="noStrike">
+            <a:endParaRPr lang="en-GB" sz="4400" b="0" strike="noStrike" spc="-1">
               <a:solidFill>
                 <a:srgbClr val="000000"/>
               </a:solidFill>
               <a:uFill>
                 <a:solidFill>
-                  <a:srgbClr val="ffffff"/>
+                  <a:srgbClr val="FFFFFF"/>
                 </a:solidFill>
               </a:uFill>
               <a:latin typeface="Arial"/>
@@ -810,15 +943,16 @@
           </a:prstGeom>
         </p:spPr>
         <p:txBody>
-          <a:bodyPr lIns="0" rIns="0" tIns="0" bIns="0"/>
-          <a:p>
-            <a:endParaRPr b="0" lang="en-GB" sz="3200" spc="-1" strike="noStrike">
+          <a:bodyPr lIns="0" tIns="0" rIns="0" bIns="0"/>
+          <a:lstStyle/>
+          <a:p>
+            <a:endParaRPr lang="en-GB" sz="3200" b="0" strike="noStrike" spc="-1">
               <a:solidFill>
                 <a:srgbClr val="000000"/>
               </a:solidFill>
               <a:uFill>
                 <a:solidFill>
-                  <a:srgbClr val="ffffff"/>
+                  <a:srgbClr val="FFFFFF"/>
                 </a:solidFill>
               </a:uFill>
               <a:latin typeface="Arial"/>
@@ -846,15 +980,16 @@
           </a:prstGeom>
         </p:spPr>
         <p:txBody>
-          <a:bodyPr lIns="0" rIns="0" tIns="0" bIns="0"/>
-          <a:p>
-            <a:endParaRPr b="0" lang="en-GB" sz="3200" spc="-1" strike="noStrike">
+          <a:bodyPr lIns="0" tIns="0" rIns="0" bIns="0"/>
+          <a:lstStyle/>
+          <a:p>
+            <a:endParaRPr lang="en-GB" sz="3200" b="0" strike="noStrike" spc="-1">
               <a:solidFill>
                 <a:srgbClr val="000000"/>
               </a:solidFill>
               <a:uFill>
                 <a:solidFill>
-                  <a:srgbClr val="ffffff"/>
+                  <a:srgbClr val="FFFFFF"/>
                 </a:solidFill>
               </a:uFill>
               <a:latin typeface="Arial"/>
@@ -864,11 +999,14 @@
       </p:sp>
     </p:spTree>
   </p:cSld>
+  <p:clrMapOvr>
+    <a:masterClrMapping/>
+  </p:clrMapOvr>
 </p:sldLayout>
 </file>
 
 <file path=ppt/slideLayouts/slideLayout5.xml><?xml version="1.0" encoding="utf-8"?>
-<p:sldLayout xmlns:a="http://schemas.openxmlformats.org/drawingml/2006/main" xmlns:p="http://schemas.openxmlformats.org/presentationml/2006/main" xmlns:r="http://schemas.openxmlformats.org/officeDocument/2006/relationships" xmlns:p14="http://schemas.microsoft.com/office/powerpoint/2010/main" xmlns:p15="http://schemas.microsoft.com/office/powerpoint/2012/main" xmlns:mc="http://schemas.openxmlformats.org/markup-compatibility/2006" type="titleOnly" preserve="1">
+<p:sldLayout xmlns:a="http://schemas.openxmlformats.org/drawingml/2006/main" xmlns:r="http://schemas.openxmlformats.org/officeDocument/2006/relationships" xmlns:p="http://schemas.openxmlformats.org/presentationml/2006/main" type="titleOnly" preserve="1">
   <p:cSld name="Title Only">
     <p:spTree>
       <p:nvGrpSpPr>
@@ -904,16 +1042,17 @@
           </a:prstGeom>
         </p:spPr>
         <p:txBody>
-          <a:bodyPr lIns="0" rIns="0" tIns="0" bIns="0" anchor="ctr"/>
+          <a:bodyPr lIns="0" tIns="0" rIns="0" bIns="0" anchor="ctr"/>
+          <a:lstStyle/>
           <a:p>
             <a:pPr algn="ctr"/>
-            <a:endParaRPr b="0" lang="en-GB" sz="4400" spc="-1" strike="noStrike">
+            <a:endParaRPr lang="en-GB" sz="4400" b="0" strike="noStrike" spc="-1">
               <a:solidFill>
                 <a:srgbClr val="000000"/>
               </a:solidFill>
               <a:uFill>
                 <a:solidFill>
-                  <a:srgbClr val="ffffff"/>
+                  <a:srgbClr val="FFFFFF"/>
                 </a:solidFill>
               </a:uFill>
               <a:latin typeface="Arial"/>
@@ -923,11 +1062,14 @@
       </p:sp>
     </p:spTree>
   </p:cSld>
+  <p:clrMapOvr>
+    <a:masterClrMapping/>
+  </p:clrMapOvr>
 </p:sldLayout>
 </file>
 
 <file path=ppt/slideLayouts/slideLayout6.xml><?xml version="1.0" encoding="utf-8"?>
-<p:sldLayout xmlns:a="http://schemas.openxmlformats.org/drawingml/2006/main" xmlns:p="http://schemas.openxmlformats.org/presentationml/2006/main" xmlns:r="http://schemas.openxmlformats.org/officeDocument/2006/relationships" xmlns:p14="http://schemas.microsoft.com/office/powerpoint/2010/main" xmlns:p15="http://schemas.microsoft.com/office/powerpoint/2012/main" xmlns:mc="http://schemas.openxmlformats.org/markup-compatibility/2006" type="objOnly" preserve="1">
+<p:sldLayout xmlns:a="http://schemas.openxmlformats.org/drawingml/2006/main" xmlns:r="http://schemas.openxmlformats.org/officeDocument/2006/relationships" xmlns:p="http://schemas.openxmlformats.org/presentationml/2006/main" type="objOnly" preserve="1">
   <p:cSld name="Centered Text">
     <p:spTree>
       <p:nvGrpSpPr>
@@ -963,16 +1105,17 @@
           </a:prstGeom>
         </p:spPr>
         <p:txBody>
-          <a:bodyPr lIns="0" rIns="0" tIns="0" bIns="0" anchor="ctr"/>
+          <a:bodyPr lIns="0" tIns="0" rIns="0" bIns="0" anchor="ctr"/>
+          <a:lstStyle/>
           <a:p>
             <a:pPr algn="ctr"/>
-            <a:endParaRPr b="0" lang="en-GB" sz="3200" spc="-1" strike="noStrike">
+            <a:endParaRPr lang="en-GB" sz="3200" b="0" strike="noStrike" spc="-1">
               <a:solidFill>
                 <a:srgbClr val="000000"/>
               </a:solidFill>
               <a:uFill>
                 <a:solidFill>
-                  <a:srgbClr val="ffffff"/>
+                  <a:srgbClr val="FFFFFF"/>
                 </a:solidFill>
               </a:uFill>
               <a:latin typeface="Arial"/>
@@ -982,11 +1125,14 @@
       </p:sp>
     </p:spTree>
   </p:cSld>
+  <p:clrMapOvr>
+    <a:masterClrMapping/>
+  </p:clrMapOvr>
 </p:sldLayout>
 </file>
 
 <file path=ppt/slideLayouts/slideLayout7.xml><?xml version="1.0" encoding="utf-8"?>
-<p:sldLayout xmlns:a="http://schemas.openxmlformats.org/drawingml/2006/main" xmlns:p="http://schemas.openxmlformats.org/presentationml/2006/main" xmlns:r="http://schemas.openxmlformats.org/officeDocument/2006/relationships" xmlns:p14="http://schemas.microsoft.com/office/powerpoint/2010/main" xmlns:p15="http://schemas.microsoft.com/office/powerpoint/2012/main" xmlns:mc="http://schemas.openxmlformats.org/markup-compatibility/2006" type="twoObjAndObj" preserve="1">
+<p:sldLayout xmlns:a="http://schemas.openxmlformats.org/drawingml/2006/main" xmlns:r="http://schemas.openxmlformats.org/officeDocument/2006/relationships" xmlns:p="http://schemas.openxmlformats.org/presentationml/2006/main" type="twoObjAndObj" preserve="1">
   <p:cSld name="Title, 2 Content and Content">
     <p:spTree>
       <p:nvGrpSpPr>
@@ -1022,16 +1168,17 @@
           </a:prstGeom>
         </p:spPr>
         <p:txBody>
-          <a:bodyPr lIns="0" rIns="0" tIns="0" bIns="0" anchor="ctr"/>
+          <a:bodyPr lIns="0" tIns="0" rIns="0" bIns="0" anchor="ctr"/>
+          <a:lstStyle/>
           <a:p>
             <a:pPr algn="ctr"/>
-            <a:endParaRPr b="0" lang="en-GB" sz="4400" spc="-1" strike="noStrike">
+            <a:endParaRPr lang="en-GB" sz="4400" b="0" strike="noStrike" spc="-1">
               <a:solidFill>
                 <a:srgbClr val="000000"/>
               </a:solidFill>
               <a:uFill>
                 <a:solidFill>
-                  <a:srgbClr val="ffffff"/>
+                  <a:srgbClr val="FFFFFF"/>
                 </a:solidFill>
               </a:uFill>
               <a:latin typeface="Arial"/>
@@ -1059,15 +1206,16 @@
           </a:prstGeom>
         </p:spPr>
         <p:txBody>
-          <a:bodyPr lIns="0" rIns="0" tIns="0" bIns="0"/>
-          <a:p>
-            <a:endParaRPr b="0" lang="en-GB" sz="3200" spc="-1" strike="noStrike">
+          <a:bodyPr lIns="0" tIns="0" rIns="0" bIns="0"/>
+          <a:lstStyle/>
+          <a:p>
+            <a:endParaRPr lang="en-GB" sz="3200" b="0" strike="noStrike" spc="-1">
               <a:solidFill>
                 <a:srgbClr val="000000"/>
               </a:solidFill>
               <a:uFill>
                 <a:solidFill>
-                  <a:srgbClr val="ffffff"/>
+                  <a:srgbClr val="FFFFFF"/>
                 </a:solidFill>
               </a:uFill>
               <a:latin typeface="Arial"/>
@@ -1095,15 +1243,16 @@
           </a:prstGeom>
         </p:spPr>
         <p:txBody>
-          <a:bodyPr lIns="0" rIns="0" tIns="0" bIns="0"/>
-          <a:p>
-            <a:endParaRPr b="0" lang="en-GB" sz="3200" spc="-1" strike="noStrike">
+          <a:bodyPr lIns="0" tIns="0" rIns="0" bIns="0"/>
+          <a:lstStyle/>
+          <a:p>
+            <a:endParaRPr lang="en-GB" sz="3200" b="0" strike="noStrike" spc="-1">
               <a:solidFill>
                 <a:srgbClr val="000000"/>
               </a:solidFill>
               <a:uFill>
                 <a:solidFill>
-                  <a:srgbClr val="ffffff"/>
+                  <a:srgbClr val="FFFFFF"/>
                 </a:solidFill>
               </a:uFill>
               <a:latin typeface="Arial"/>
@@ -1131,15 +1280,16 @@
           </a:prstGeom>
         </p:spPr>
         <p:txBody>
-          <a:bodyPr lIns="0" rIns="0" tIns="0" bIns="0"/>
-          <a:p>
-            <a:endParaRPr b="0" lang="en-GB" sz="3200" spc="-1" strike="noStrike">
+          <a:bodyPr lIns="0" tIns="0" rIns="0" bIns="0"/>
+          <a:lstStyle/>
+          <a:p>
+            <a:endParaRPr lang="en-GB" sz="3200" b="0" strike="noStrike" spc="-1">
               <a:solidFill>
                 <a:srgbClr val="000000"/>
               </a:solidFill>
               <a:uFill>
                 <a:solidFill>
-                  <a:srgbClr val="ffffff"/>
+                  <a:srgbClr val="FFFFFF"/>
                 </a:solidFill>
               </a:uFill>
               <a:latin typeface="Arial"/>
@@ -1149,11 +1299,14 @@
       </p:sp>
     </p:spTree>
   </p:cSld>
+  <p:clrMapOvr>
+    <a:masterClrMapping/>
+  </p:clrMapOvr>
 </p:sldLayout>
 </file>
 
 <file path=ppt/slideLayouts/slideLayout8.xml><?xml version="1.0" encoding="utf-8"?>
-<p:sldLayout xmlns:a="http://schemas.openxmlformats.org/drawingml/2006/main" xmlns:p="http://schemas.openxmlformats.org/presentationml/2006/main" xmlns:r="http://schemas.openxmlformats.org/officeDocument/2006/relationships" xmlns:p14="http://schemas.microsoft.com/office/powerpoint/2010/main" xmlns:p15="http://schemas.microsoft.com/office/powerpoint/2012/main" xmlns:mc="http://schemas.openxmlformats.org/markup-compatibility/2006" type="objAndTwoObj" preserve="1">
+<p:sldLayout xmlns:a="http://schemas.openxmlformats.org/drawingml/2006/main" xmlns:r="http://schemas.openxmlformats.org/officeDocument/2006/relationships" xmlns:p="http://schemas.openxmlformats.org/presentationml/2006/main" type="objAndTwoObj" preserve="1">
   <p:cSld name="Title Content and 2 Content">
     <p:spTree>
       <p:nvGrpSpPr>
@@ -1189,16 +1342,17 @@
           </a:prstGeom>
         </p:spPr>
         <p:txBody>
-          <a:bodyPr lIns="0" rIns="0" tIns="0" bIns="0" anchor="ctr"/>
+          <a:bodyPr lIns="0" tIns="0" rIns="0" bIns="0" anchor="ctr"/>
+          <a:lstStyle/>
           <a:p>
             <a:pPr algn="ctr"/>
-            <a:endParaRPr b="0" lang="en-GB" sz="4400" spc="-1" strike="noStrike">
+            <a:endParaRPr lang="en-GB" sz="4400" b="0" strike="noStrike" spc="-1">
               <a:solidFill>
                 <a:srgbClr val="000000"/>
               </a:solidFill>
               <a:uFill>
                 <a:solidFill>
-                  <a:srgbClr val="ffffff"/>
+                  <a:srgbClr val="FFFFFF"/>
                 </a:solidFill>
               </a:uFill>
               <a:latin typeface="Arial"/>
@@ -1226,15 +1380,16 @@
           </a:prstGeom>
         </p:spPr>
         <p:txBody>
-          <a:bodyPr lIns="0" rIns="0" tIns="0" bIns="0"/>
-          <a:p>
-            <a:endParaRPr b="0" lang="en-GB" sz="3200" spc="-1" strike="noStrike">
+          <a:bodyPr lIns="0" tIns="0" rIns="0" bIns="0"/>
+          <a:lstStyle/>
+          <a:p>
+            <a:endParaRPr lang="en-GB" sz="3200" b="0" strike="noStrike" spc="-1">
               <a:solidFill>
                 <a:srgbClr val="000000"/>
               </a:solidFill>
               <a:uFill>
                 <a:solidFill>
-                  <a:srgbClr val="ffffff"/>
+                  <a:srgbClr val="FFFFFF"/>
                 </a:solidFill>
               </a:uFill>
               <a:latin typeface="Arial"/>
@@ -1262,15 +1417,16 @@
           </a:prstGeom>
         </p:spPr>
         <p:txBody>
-          <a:bodyPr lIns="0" rIns="0" tIns="0" bIns="0"/>
-          <a:p>
-            <a:endParaRPr b="0" lang="en-GB" sz="3200" spc="-1" strike="noStrike">
+          <a:bodyPr lIns="0" tIns="0" rIns="0" bIns="0"/>
+          <a:lstStyle/>
+          <a:p>
+            <a:endParaRPr lang="en-GB" sz="3200" b="0" strike="noStrike" spc="-1">
               <a:solidFill>
                 <a:srgbClr val="000000"/>
               </a:solidFill>
               <a:uFill>
                 <a:solidFill>
-                  <a:srgbClr val="ffffff"/>
+                  <a:srgbClr val="FFFFFF"/>
                 </a:solidFill>
               </a:uFill>
               <a:latin typeface="Arial"/>
@@ -1298,15 +1454,16 @@
           </a:prstGeom>
         </p:spPr>
         <p:txBody>
-          <a:bodyPr lIns="0" rIns="0" tIns="0" bIns="0"/>
-          <a:p>
-            <a:endParaRPr b="0" lang="en-GB" sz="3200" spc="-1" strike="noStrike">
+          <a:bodyPr lIns="0" tIns="0" rIns="0" bIns="0"/>
+          <a:lstStyle/>
+          <a:p>
+            <a:endParaRPr lang="en-GB" sz="3200" b="0" strike="noStrike" spc="-1">
               <a:solidFill>
                 <a:srgbClr val="000000"/>
               </a:solidFill>
               <a:uFill>
                 <a:solidFill>
-                  <a:srgbClr val="ffffff"/>
+                  <a:srgbClr val="FFFFFF"/>
                 </a:solidFill>
               </a:uFill>
               <a:latin typeface="Arial"/>
@@ -1316,11 +1473,14 @@
       </p:sp>
     </p:spTree>
   </p:cSld>
+  <p:clrMapOvr>
+    <a:masterClrMapping/>
+  </p:clrMapOvr>
 </p:sldLayout>
 </file>
 
 <file path=ppt/slideLayouts/slideLayout9.xml><?xml version="1.0" encoding="utf-8"?>
-<p:sldLayout xmlns:a="http://schemas.openxmlformats.org/drawingml/2006/main" xmlns:p="http://schemas.openxmlformats.org/presentationml/2006/main" xmlns:r="http://schemas.openxmlformats.org/officeDocument/2006/relationships" xmlns:p14="http://schemas.microsoft.com/office/powerpoint/2010/main" xmlns:p15="http://schemas.microsoft.com/office/powerpoint/2012/main" xmlns:mc="http://schemas.openxmlformats.org/markup-compatibility/2006" type="twoObjOverTx" preserve="1">
+<p:sldLayout xmlns:a="http://schemas.openxmlformats.org/drawingml/2006/main" xmlns:r="http://schemas.openxmlformats.org/officeDocument/2006/relationships" xmlns:p="http://schemas.openxmlformats.org/presentationml/2006/main" type="twoObjOverTx" preserve="1">
   <p:cSld name="Title, 2 Content over Content">
     <p:spTree>
       <p:nvGrpSpPr>
@@ -1356,16 +1516,17 @@
           </a:prstGeom>
         </p:spPr>
         <p:txBody>
-          <a:bodyPr lIns="0" rIns="0" tIns="0" bIns="0" anchor="ctr"/>
+          <a:bodyPr lIns="0" tIns="0" rIns="0" bIns="0" anchor="ctr"/>
+          <a:lstStyle/>
           <a:p>
             <a:pPr algn="ctr"/>
-            <a:endParaRPr b="0" lang="en-GB" sz="4400" spc="-1" strike="noStrike">
+            <a:endParaRPr lang="en-GB" sz="4400" b="0" strike="noStrike" spc="-1">
               <a:solidFill>
                 <a:srgbClr val="000000"/>
               </a:solidFill>
               <a:uFill>
                 <a:solidFill>
-                  <a:srgbClr val="ffffff"/>
+                  <a:srgbClr val="FFFFFF"/>
                 </a:solidFill>
               </a:uFill>
               <a:latin typeface="Arial"/>
@@ -1393,15 +1554,16 @@
           </a:prstGeom>
         </p:spPr>
         <p:txBody>
-          <a:bodyPr lIns="0" rIns="0" tIns="0" bIns="0"/>
-          <a:p>
-            <a:endParaRPr b="0" lang="en-GB" sz="3200" spc="-1" strike="noStrike">
+          <a:bodyPr lIns="0" tIns="0" rIns="0" bIns="0"/>
+          <a:lstStyle/>
+          <a:p>
+            <a:endParaRPr lang="en-GB" sz="3200" b="0" strike="noStrike" spc="-1">
               <a:solidFill>
                 <a:srgbClr val="000000"/>
               </a:solidFill>
               <a:uFill>
                 <a:solidFill>
-                  <a:srgbClr val="ffffff"/>
+                  <a:srgbClr val="FFFFFF"/>
                 </a:solidFill>
               </a:uFill>
               <a:latin typeface="Arial"/>
@@ -1429,15 +1591,16 @@
           </a:prstGeom>
         </p:spPr>
         <p:txBody>
-          <a:bodyPr lIns="0" rIns="0" tIns="0" bIns="0"/>
-          <a:p>
-            <a:endParaRPr b="0" lang="en-GB" sz="3200" spc="-1" strike="noStrike">
+          <a:bodyPr lIns="0" tIns="0" rIns="0" bIns="0"/>
+          <a:lstStyle/>
+          <a:p>
+            <a:endParaRPr lang="en-GB" sz="3200" b="0" strike="noStrike" spc="-1">
               <a:solidFill>
                 <a:srgbClr val="000000"/>
               </a:solidFill>
               <a:uFill>
                 <a:solidFill>
-                  <a:srgbClr val="ffffff"/>
+                  <a:srgbClr val="FFFFFF"/>
                 </a:solidFill>
               </a:uFill>
               <a:latin typeface="Arial"/>
@@ -1465,15 +1628,16 @@
           </a:prstGeom>
         </p:spPr>
         <p:txBody>
-          <a:bodyPr lIns="0" rIns="0" tIns="0" bIns="0"/>
-          <a:p>
-            <a:endParaRPr b="0" lang="en-GB" sz="3200" spc="-1" strike="noStrike">
+          <a:bodyPr lIns="0" tIns="0" rIns="0" bIns="0"/>
+          <a:lstStyle/>
+          <a:p>
+            <a:endParaRPr lang="en-GB" sz="3200" b="0" strike="noStrike" spc="-1">
               <a:solidFill>
                 <a:srgbClr val="000000"/>
               </a:solidFill>
               <a:uFill>
                 <a:solidFill>
-                  <a:srgbClr val="ffffff"/>
+                  <a:srgbClr val="FFFFFF"/>
                 </a:solidFill>
               </a:uFill>
               <a:latin typeface="Arial"/>
@@ -1483,17 +1647,21 @@
       </p:sp>
     </p:spTree>
   </p:cSld>
+  <p:clrMapOvr>
+    <a:masterClrMapping/>
+  </p:clrMapOvr>
 </p:sldLayout>
 </file>
 
 <file path=ppt/slideMasters/slideMaster1.xml><?xml version="1.0" encoding="utf-8"?>
-<p:sldMaster xmlns:a="http://schemas.openxmlformats.org/drawingml/2006/main" xmlns:p="http://schemas.openxmlformats.org/presentationml/2006/main" xmlns:r="http://schemas.openxmlformats.org/officeDocument/2006/relationships" xmlns:p14="http://schemas.microsoft.com/office/powerpoint/2010/main" xmlns:p15="http://schemas.microsoft.com/office/powerpoint/2012/main" xmlns:mc="http://schemas.openxmlformats.org/markup-compatibility/2006">
+<p:sldMaster xmlns:a="http://schemas.openxmlformats.org/drawingml/2006/main" xmlns:r="http://schemas.openxmlformats.org/officeDocument/2006/relationships" xmlns:p="http://schemas.openxmlformats.org/presentationml/2006/main">
   <p:cSld>
     <p:bg>
       <p:bgPr>
         <a:solidFill>
-          <a:srgbClr val="ffffff"/>
+          <a:srgbClr val="FFFFFF"/>
         </a:solidFill>
+        <a:effectLst/>
       </p:bgPr>
     </p:bg>
     <p:spTree>
@@ -1512,7 +1680,7 @@
       </p:grpSpPr>
       <p:sp>
         <p:nvSpPr>
-          <p:cNvPr id="0" name="CustomShape 1"/>
+          <p:cNvPr id="5" name="CustomShape 1"/>
           <p:cNvSpPr/>
           <p:nvPr/>
         </p:nvSpPr>
@@ -1530,13 +1698,20 @@
           </a:ln>
         </p:spPr>
         <p:style>
-          <a:lnRef idx="0"/>
-          <a:fillRef idx="0"/>
-          <a:effectRef idx="0"/>
+          <a:lnRef idx="0">
+            <a:scrgbClr r="0" g="0" b="0"/>
+          </a:lnRef>
+          <a:fillRef idx="0">
+            <a:scrgbClr r="0" g="0" b="0"/>
+          </a:fillRef>
+          <a:effectRef idx="0">
+            <a:scrgbClr r="0" g="0" b="0"/>
+          </a:effectRef>
           <a:fontRef idx="minor"/>
         </p:style>
         <p:txBody>
-          <a:bodyPr lIns="0" rIns="0" tIns="0" bIns="0"/>
+          <a:bodyPr lIns="0" tIns="0" rIns="0" bIns="0"/>
+          <a:lstStyle/>
           <a:p>
             <a:pPr algn="ctr">
               <a:lnSpc>
@@ -1544,13 +1719,13 @@
               </a:lnSpc>
             </a:pPr>
             <a:r>
-              <a:rPr b="0" lang="en-GB" sz="1400" spc="-1" strike="noStrike">
+              <a:rPr lang="en-GB" sz="1400" b="0" strike="noStrike" spc="-1">
                 <a:solidFill>
                   <a:srgbClr val="000000"/>
                 </a:solidFill>
                 <a:uFill>
                   <a:solidFill>
-                    <a:srgbClr val="ffffff"/>
+                    <a:srgbClr val="FFFFFF"/>
                   </a:solidFill>
                 </a:uFill>
                 <a:latin typeface="Times New Roman"/>
@@ -1558,13 +1733,13 @@
               </a:rPr>
               <a:t> </a:t>
             </a:r>
-            <a:endParaRPr b="0" lang="en-GB" sz="1800" spc="-1" strike="noStrike">
+            <a:endParaRPr lang="en-GB" sz="1800" b="0" strike="noStrike" spc="-1">
               <a:solidFill>
                 <a:srgbClr val="000000"/>
               </a:solidFill>
               <a:uFill>
                 <a:solidFill>
-                  <a:srgbClr val="ffffff"/>
+                  <a:srgbClr val="FFFFFF"/>
                 </a:solidFill>
               </a:uFill>
               <a:latin typeface="Arial"/>
@@ -1574,7 +1749,7 @@
       </p:sp>
       <p:sp>
         <p:nvSpPr>
-          <p:cNvPr id="1" name="CustomShape 2"/>
+          <p:cNvPr id="6" name="CustomShape 2"/>
           <p:cNvSpPr/>
           <p:nvPr/>
         </p:nvSpPr>
@@ -1592,13 +1767,20 @@
           </a:ln>
         </p:spPr>
         <p:style>
-          <a:lnRef idx="0"/>
-          <a:fillRef idx="0"/>
-          <a:effectRef idx="0"/>
+          <a:lnRef idx="0">
+            <a:scrgbClr r="0" g="0" b="0"/>
+          </a:lnRef>
+          <a:fillRef idx="0">
+            <a:scrgbClr r="0" g="0" b="0"/>
+          </a:fillRef>
+          <a:effectRef idx="0">
+            <a:scrgbClr r="0" g="0" b="0"/>
+          </a:effectRef>
           <a:fontRef idx="minor"/>
         </p:style>
         <p:txBody>
-          <a:bodyPr lIns="0" rIns="0" tIns="0" bIns="0"/>
+          <a:bodyPr lIns="0" tIns="0" rIns="0" bIns="0"/>
+          <a:lstStyle/>
           <a:p>
             <a:pPr algn="r">
               <a:lnSpc>
@@ -1606,27 +1788,27 @@
               </a:lnSpc>
             </a:pPr>
             <a:fld id="{1DAB6AE0-170A-4E44-ABD9-1CFEAD337EB8}" type="slidenum">
-              <a:rPr b="0" lang="en-GB" sz="1400" spc="-1" strike="noStrike">
+              <a:rPr lang="en-GB" sz="1400" b="0" strike="noStrike" spc="-1">
                 <a:solidFill>
                   <a:srgbClr val="000000"/>
                 </a:solidFill>
                 <a:uFill>
                   <a:solidFill>
-                    <a:srgbClr val="ffffff"/>
+                    <a:srgbClr val="FFFFFF"/>
                   </a:solidFill>
                 </a:uFill>
                 <a:latin typeface="Times New Roman"/>
                 <a:ea typeface="DejaVu Sans"/>
               </a:rPr>
-              <a:t>&lt;number&gt;</a:t>
+              <a:t>‹#›</a:t>
             </a:fld>
-            <a:endParaRPr b="0" lang="en-GB" sz="1800" spc="-1" strike="noStrike">
+            <a:endParaRPr lang="en-GB" sz="1800" b="0" strike="noStrike" spc="-1">
               <a:solidFill>
                 <a:srgbClr val="000000"/>
               </a:solidFill>
               <a:uFill>
                 <a:solidFill>
-                  <a:srgbClr val="ffffff"/>
+                  <a:srgbClr val="FFFFFF"/>
                 </a:solidFill>
               </a:uFill>
               <a:latin typeface="Arial"/>
@@ -1636,12 +1818,12 @@
       </p:sp>
       <p:pic>
         <p:nvPicPr>
-          <p:cNvPr id="2" name="" descr=""/>
+          <p:cNvPr id="2" name="Picture 1"/>
           <p:cNvPicPr/>
           <p:nvPr/>
         </p:nvPicPr>
         <p:blipFill>
-          <a:blip r:embed="rId2"/>
+          <a:blip r:embed="rId14"/>
           <a:stretch/>
         </p:blipFill>
         <p:spPr>
@@ -1677,34 +1859,24 @@
           </a:prstGeom>
         </p:spPr>
         <p:txBody>
-          <a:bodyPr lIns="0" rIns="0" tIns="0" bIns="0" anchor="ctr"/>
+          <a:bodyPr lIns="0" tIns="0" rIns="0" bIns="0" anchor="ctr"/>
+          <a:lstStyle/>
           <a:p>
             <a:pPr algn="ctr"/>
             <a:r>
-              <a:rPr b="0" lang="en-GB" sz="4400" spc="-1" strike="noStrike">
+              <a:rPr lang="en-GB" sz="4400" b="0" strike="noStrike" spc="-1">
                 <a:solidFill>
                   <a:srgbClr val="000000"/>
                 </a:solidFill>
                 <a:uFill>
                   <a:solidFill>
-                    <a:srgbClr val="ffffff"/>
+                    <a:srgbClr val="FFFFFF"/>
                   </a:solidFill>
                 </a:uFill>
                 <a:latin typeface="Arial"/>
               </a:rPr>
               <a:t>Click to edit the title text format</a:t>
             </a:r>
-            <a:endParaRPr b="0" lang="en-GB" sz="4400" spc="-1" strike="noStrike">
-              <a:solidFill>
-                <a:srgbClr val="000000"/>
-              </a:solidFill>
-              <a:uFill>
-                <a:solidFill>
-                  <a:srgbClr val="ffffff"/>
-                </a:solidFill>
-              </a:uFill>
-              <a:latin typeface="Arial"/>
-            </a:endParaRPr>
           </a:p>
         </p:txBody>
       </p:sp>
@@ -1728,7 +1900,8 @@
           </a:prstGeom>
         </p:spPr>
         <p:txBody>
-          <a:bodyPr lIns="0" rIns="0" tIns="0" bIns="0"/>
+          <a:bodyPr lIns="0" tIns="0" rIns="0" bIns="0"/>
+          <a:lstStyle/>
           <a:p>
             <a:pPr marL="432000" indent="-324000">
               <a:buClr>
@@ -1739,33 +1912,22 @@
               <a:buChar char=""/>
             </a:pPr>
             <a:r>
-              <a:rPr b="0" lang="en-GB" sz="3200" spc="-1" strike="noStrike">
+              <a:rPr lang="en-GB" sz="3200" b="0" strike="noStrike" spc="-1">
                 <a:solidFill>
                   <a:srgbClr val="000000"/>
                 </a:solidFill>
                 <a:uFill>
                   <a:solidFill>
-                    <a:srgbClr val="ffffff"/>
+                    <a:srgbClr val="FFFFFF"/>
                   </a:solidFill>
                 </a:uFill>
                 <a:latin typeface="Arial"/>
               </a:rPr>
               <a:t>Click to edit the outline text format</a:t>
             </a:r>
-            <a:endParaRPr b="0" lang="en-GB" sz="3200" spc="-1" strike="noStrike">
-              <a:solidFill>
-                <a:srgbClr val="000000"/>
-              </a:solidFill>
-              <a:uFill>
-                <a:solidFill>
-                  <a:srgbClr val="ffffff"/>
-                </a:solidFill>
-              </a:uFill>
-              <a:latin typeface="Arial"/>
-            </a:endParaRPr>
-          </a:p>
-          <a:p>
-            <a:pPr lvl="1" marL="864000" indent="-324000">
+          </a:p>
+          <a:p>
+            <a:pPr marL="864000" lvl="1" indent="-324000">
               <a:buClr>
                 <a:srgbClr val="000000"/>
               </a:buClr>
@@ -1774,33 +1936,22 @@
               <a:buChar char=""/>
             </a:pPr>
             <a:r>
-              <a:rPr b="0" lang="en-GB" sz="2800" spc="-1" strike="noStrike">
+              <a:rPr lang="en-GB" sz="2800" b="0" strike="noStrike" spc="-1">
                 <a:solidFill>
                   <a:srgbClr val="000000"/>
                 </a:solidFill>
                 <a:uFill>
                   <a:solidFill>
-                    <a:srgbClr val="ffffff"/>
+                    <a:srgbClr val="FFFFFF"/>
                   </a:solidFill>
                 </a:uFill>
                 <a:latin typeface="Arial"/>
               </a:rPr>
               <a:t>Second Outline Level</a:t>
             </a:r>
-            <a:endParaRPr b="0" lang="en-GB" sz="2800" spc="-1" strike="noStrike">
-              <a:solidFill>
-                <a:srgbClr val="000000"/>
-              </a:solidFill>
-              <a:uFill>
-                <a:solidFill>
-                  <a:srgbClr val="ffffff"/>
-                </a:solidFill>
-              </a:uFill>
-              <a:latin typeface="Arial"/>
-            </a:endParaRPr>
-          </a:p>
-          <a:p>
-            <a:pPr lvl="2" marL="1296000" indent="-288000">
+          </a:p>
+          <a:p>
+            <a:pPr marL="1296000" lvl="2" indent="-288000">
               <a:buClr>
                 <a:srgbClr val="000000"/>
               </a:buClr>
@@ -1809,33 +1960,22 @@
               <a:buChar char=""/>
             </a:pPr>
             <a:r>
-              <a:rPr b="0" lang="en-GB" sz="2400" spc="-1" strike="noStrike">
+              <a:rPr lang="en-GB" sz="2400" b="0" strike="noStrike" spc="-1">
                 <a:solidFill>
                   <a:srgbClr val="000000"/>
                 </a:solidFill>
                 <a:uFill>
                   <a:solidFill>
-                    <a:srgbClr val="ffffff"/>
+                    <a:srgbClr val="FFFFFF"/>
                   </a:solidFill>
                 </a:uFill>
                 <a:latin typeface="Arial"/>
               </a:rPr>
               <a:t>Third Outline Level</a:t>
             </a:r>
-            <a:endParaRPr b="0" lang="en-GB" sz="2400" spc="-1" strike="noStrike">
-              <a:solidFill>
-                <a:srgbClr val="000000"/>
-              </a:solidFill>
-              <a:uFill>
-                <a:solidFill>
-                  <a:srgbClr val="ffffff"/>
-                </a:solidFill>
-              </a:uFill>
-              <a:latin typeface="Arial"/>
-            </a:endParaRPr>
-          </a:p>
-          <a:p>
-            <a:pPr lvl="3" marL="1728000" indent="-216000">
+          </a:p>
+          <a:p>
+            <a:pPr marL="1728000" lvl="3" indent="-216000">
               <a:buClr>
                 <a:srgbClr val="000000"/>
               </a:buClr>
@@ -1844,33 +1984,22 @@
               <a:buChar char=""/>
             </a:pPr>
             <a:r>
-              <a:rPr b="0" lang="en-GB" sz="2000" spc="-1" strike="noStrike">
+              <a:rPr lang="en-GB" sz="2000" b="0" strike="noStrike" spc="-1">
                 <a:solidFill>
                   <a:srgbClr val="000000"/>
                 </a:solidFill>
                 <a:uFill>
                   <a:solidFill>
-                    <a:srgbClr val="ffffff"/>
+                    <a:srgbClr val="FFFFFF"/>
                   </a:solidFill>
                 </a:uFill>
                 <a:latin typeface="Arial"/>
               </a:rPr>
               <a:t>Fourth Outline Level</a:t>
             </a:r>
-            <a:endParaRPr b="0" lang="en-GB" sz="2000" spc="-1" strike="noStrike">
-              <a:solidFill>
-                <a:srgbClr val="000000"/>
-              </a:solidFill>
-              <a:uFill>
-                <a:solidFill>
-                  <a:srgbClr val="ffffff"/>
-                </a:solidFill>
-              </a:uFill>
-              <a:latin typeface="Arial"/>
-            </a:endParaRPr>
-          </a:p>
-          <a:p>
-            <a:pPr lvl="4" marL="2160000" indent="-216000">
+          </a:p>
+          <a:p>
+            <a:pPr marL="2160000" lvl="4" indent="-216000">
               <a:buClr>
                 <a:srgbClr val="000000"/>
               </a:buClr>
@@ -1879,33 +2008,22 @@
               <a:buChar char=""/>
             </a:pPr>
             <a:r>
-              <a:rPr b="0" lang="en-GB" sz="2000" spc="-1" strike="noStrike">
+              <a:rPr lang="en-GB" sz="2000" b="0" strike="noStrike" spc="-1">
                 <a:solidFill>
                   <a:srgbClr val="000000"/>
                 </a:solidFill>
                 <a:uFill>
                   <a:solidFill>
-                    <a:srgbClr val="ffffff"/>
+                    <a:srgbClr val="FFFFFF"/>
                   </a:solidFill>
                 </a:uFill>
                 <a:latin typeface="Arial"/>
               </a:rPr>
               <a:t>Fifth Outline Level</a:t>
             </a:r>
-            <a:endParaRPr b="0" lang="en-GB" sz="2000" spc="-1" strike="noStrike">
-              <a:solidFill>
-                <a:srgbClr val="000000"/>
-              </a:solidFill>
-              <a:uFill>
-                <a:solidFill>
-                  <a:srgbClr val="ffffff"/>
-                </a:solidFill>
-              </a:uFill>
-              <a:latin typeface="Arial"/>
-            </a:endParaRPr>
-          </a:p>
-          <a:p>
-            <a:pPr lvl="5" marL="2592000" indent="-216000">
+          </a:p>
+          <a:p>
+            <a:pPr marL="2592000" lvl="5" indent="-216000">
               <a:buClr>
                 <a:srgbClr val="000000"/>
               </a:buClr>
@@ -1914,33 +2032,22 @@
               <a:buChar char=""/>
             </a:pPr>
             <a:r>
-              <a:rPr b="0" lang="en-GB" sz="2000" spc="-1" strike="noStrike">
+              <a:rPr lang="en-GB" sz="2000" b="0" strike="noStrike" spc="-1">
                 <a:solidFill>
                   <a:srgbClr val="000000"/>
                 </a:solidFill>
                 <a:uFill>
                   <a:solidFill>
-                    <a:srgbClr val="ffffff"/>
+                    <a:srgbClr val="FFFFFF"/>
                   </a:solidFill>
                 </a:uFill>
                 <a:latin typeface="Arial"/>
               </a:rPr>
               <a:t>Sixth Outline Level</a:t>
             </a:r>
-            <a:endParaRPr b="0" lang="en-GB" sz="2000" spc="-1" strike="noStrike">
-              <a:solidFill>
-                <a:srgbClr val="000000"/>
-              </a:solidFill>
-              <a:uFill>
-                <a:solidFill>
-                  <a:srgbClr val="ffffff"/>
-                </a:solidFill>
-              </a:uFill>
-              <a:latin typeface="Arial"/>
-            </a:endParaRPr>
-          </a:p>
-          <a:p>
-            <a:pPr lvl="6" marL="3024000" indent="-216000">
+          </a:p>
+          <a:p>
+            <a:pPr marL="3024000" lvl="6" indent="-216000">
               <a:buClr>
                 <a:srgbClr val="000000"/>
               </a:buClr>
@@ -1949,55 +2056,324 @@
               <a:buChar char=""/>
             </a:pPr>
             <a:r>
-              <a:rPr b="0" lang="en-GB" sz="2000" spc="-1" strike="noStrike">
+              <a:rPr lang="en-GB" sz="2000" b="0" strike="noStrike" spc="-1">
                 <a:solidFill>
                   <a:srgbClr val="000000"/>
                 </a:solidFill>
                 <a:uFill>
                   <a:solidFill>
-                    <a:srgbClr val="ffffff"/>
+                    <a:srgbClr val="FFFFFF"/>
                   </a:solidFill>
                 </a:uFill>
                 <a:latin typeface="Arial"/>
               </a:rPr>
               <a:t>Seventh Outline Level</a:t>
             </a:r>
-            <a:endParaRPr b="0" lang="en-GB" sz="2000" spc="-1" strike="noStrike">
-              <a:solidFill>
-                <a:srgbClr val="000000"/>
-              </a:solidFill>
-              <a:uFill>
-                <a:solidFill>
-                  <a:srgbClr val="ffffff"/>
-                </a:solidFill>
-              </a:uFill>
-              <a:latin typeface="Arial"/>
-            </a:endParaRPr>
           </a:p>
         </p:txBody>
       </p:sp>
     </p:spTree>
   </p:cSld>
-  <p:clrMap bg1="lt1" bg2="lt2" tx1="dk1" tx2="dk2" accent1="accent1" accent2="accent2" accent3="accent3" accent4="accent4" accent5="accent5" accent6="accent6" hlink="hlink" folHlink="folHlink"/>
+  <p:clrMap bg1="lt1" tx1="dk1" bg2="lt2" tx2="dk2" accent1="accent1" accent2="accent2" accent3="accent3" accent4="accent4" accent5="accent5" accent6="accent6" hlink="hlink" folHlink="folHlink"/>
   <p:sldLayoutIdLst>
-    <p:sldLayoutId id="2147483649" r:id="rId3"/>
-    <p:sldLayoutId id="2147483650" r:id="rId4"/>
-    <p:sldLayoutId id="2147483651" r:id="rId5"/>
-    <p:sldLayoutId id="2147483652" r:id="rId6"/>
-    <p:sldLayoutId id="2147483653" r:id="rId7"/>
-    <p:sldLayoutId id="2147483654" r:id="rId8"/>
-    <p:sldLayoutId id="2147483655" r:id="rId9"/>
-    <p:sldLayoutId id="2147483656" r:id="rId10"/>
-    <p:sldLayoutId id="2147483657" r:id="rId11"/>
-    <p:sldLayoutId id="2147483658" r:id="rId12"/>
-    <p:sldLayoutId id="2147483659" r:id="rId13"/>
-    <p:sldLayoutId id="2147483660" r:id="rId14"/>
+    <p:sldLayoutId id="2147483649" r:id="rId1"/>
+    <p:sldLayoutId id="2147483650" r:id="rId2"/>
+    <p:sldLayoutId id="2147483651" r:id="rId3"/>
+    <p:sldLayoutId id="2147483652" r:id="rId4"/>
+    <p:sldLayoutId id="2147483653" r:id="rId5"/>
+    <p:sldLayoutId id="2147483654" r:id="rId6"/>
+    <p:sldLayoutId id="2147483655" r:id="rId7"/>
+    <p:sldLayoutId id="2147483656" r:id="rId8"/>
+    <p:sldLayoutId id="2147483657" r:id="rId9"/>
+    <p:sldLayoutId id="2147483658" r:id="rId10"/>
+    <p:sldLayoutId id="2147483659" r:id="rId11"/>
+    <p:sldLayoutId id="2147483660" r:id="rId12"/>
   </p:sldLayoutIdLst>
+  <p:txStyles>
+    <p:titleStyle>
+      <a:lvl1pPr algn="l" defTabSz="914400" rtl="0" eaLnBrk="1" latinLnBrk="0" hangingPunct="1">
+        <a:lnSpc>
+          <a:spcPct val="90000"/>
+        </a:lnSpc>
+        <a:spcBef>
+          <a:spcPct val="0"/>
+        </a:spcBef>
+        <a:buNone/>
+        <a:defRPr sz="4400" kern="1200">
+          <a:solidFill>
+            <a:schemeClr val="tx1"/>
+          </a:solidFill>
+          <a:latin typeface="+mj-lt"/>
+          <a:ea typeface="+mj-ea"/>
+          <a:cs typeface="+mj-cs"/>
+        </a:defRPr>
+      </a:lvl1pPr>
+    </p:titleStyle>
+    <p:bodyStyle>
+      <a:lvl1pPr marL="228600" indent="-228600" algn="l" defTabSz="914400" rtl="0" eaLnBrk="1" latinLnBrk="0" hangingPunct="1">
+        <a:lnSpc>
+          <a:spcPct val="90000"/>
+        </a:lnSpc>
+        <a:spcBef>
+          <a:spcPts val="1000"/>
+        </a:spcBef>
+        <a:buFont typeface="Arial" panose="020B0604020202020204" pitchFamily="34" charset="0"/>
+        <a:buChar char="•"/>
+        <a:defRPr sz="2800" kern="1200">
+          <a:solidFill>
+            <a:schemeClr val="tx1"/>
+          </a:solidFill>
+          <a:latin typeface="+mn-lt"/>
+          <a:ea typeface="+mn-ea"/>
+          <a:cs typeface="+mn-cs"/>
+        </a:defRPr>
+      </a:lvl1pPr>
+      <a:lvl2pPr marL="685800" indent="-228600" algn="l" defTabSz="914400" rtl="0" eaLnBrk="1" latinLnBrk="0" hangingPunct="1">
+        <a:lnSpc>
+          <a:spcPct val="90000"/>
+        </a:lnSpc>
+        <a:spcBef>
+          <a:spcPts val="500"/>
+        </a:spcBef>
+        <a:buFont typeface="Arial" panose="020B0604020202020204" pitchFamily="34" charset="0"/>
+        <a:buChar char="•"/>
+        <a:defRPr sz="2400" kern="1200">
+          <a:solidFill>
+            <a:schemeClr val="tx1"/>
+          </a:solidFill>
+          <a:latin typeface="+mn-lt"/>
+          <a:ea typeface="+mn-ea"/>
+          <a:cs typeface="+mn-cs"/>
+        </a:defRPr>
+      </a:lvl2pPr>
+      <a:lvl3pPr marL="1143000" indent="-228600" algn="l" defTabSz="914400" rtl="0" eaLnBrk="1" latinLnBrk="0" hangingPunct="1">
+        <a:lnSpc>
+          <a:spcPct val="90000"/>
+        </a:lnSpc>
+        <a:spcBef>
+          <a:spcPts val="500"/>
+        </a:spcBef>
+        <a:buFont typeface="Arial" panose="020B0604020202020204" pitchFamily="34" charset="0"/>
+        <a:buChar char="•"/>
+        <a:defRPr sz="2000" kern="1200">
+          <a:solidFill>
+            <a:schemeClr val="tx1"/>
+          </a:solidFill>
+          <a:latin typeface="+mn-lt"/>
+          <a:ea typeface="+mn-ea"/>
+          <a:cs typeface="+mn-cs"/>
+        </a:defRPr>
+      </a:lvl3pPr>
+      <a:lvl4pPr marL="1600200" indent="-228600" algn="l" defTabSz="914400" rtl="0" eaLnBrk="1" latinLnBrk="0" hangingPunct="1">
+        <a:lnSpc>
+          <a:spcPct val="90000"/>
+        </a:lnSpc>
+        <a:spcBef>
+          <a:spcPts val="500"/>
+        </a:spcBef>
+        <a:buFont typeface="Arial" panose="020B0604020202020204" pitchFamily="34" charset="0"/>
+        <a:buChar char="•"/>
+        <a:defRPr sz="1800" kern="1200">
+          <a:solidFill>
+            <a:schemeClr val="tx1"/>
+          </a:solidFill>
+          <a:latin typeface="+mn-lt"/>
+          <a:ea typeface="+mn-ea"/>
+          <a:cs typeface="+mn-cs"/>
+        </a:defRPr>
+      </a:lvl4pPr>
+      <a:lvl5pPr marL="2057400" indent="-228600" algn="l" defTabSz="914400" rtl="0" eaLnBrk="1" latinLnBrk="0" hangingPunct="1">
+        <a:lnSpc>
+          <a:spcPct val="90000"/>
+        </a:lnSpc>
+        <a:spcBef>
+          <a:spcPts val="500"/>
+        </a:spcBef>
+        <a:buFont typeface="Arial" panose="020B0604020202020204" pitchFamily="34" charset="0"/>
+        <a:buChar char="•"/>
+        <a:defRPr sz="1800" kern="1200">
+          <a:solidFill>
+            <a:schemeClr val="tx1"/>
+          </a:solidFill>
+          <a:latin typeface="+mn-lt"/>
+          <a:ea typeface="+mn-ea"/>
+          <a:cs typeface="+mn-cs"/>
+        </a:defRPr>
+      </a:lvl5pPr>
+      <a:lvl6pPr marL="2514600" indent="-228600" algn="l" defTabSz="914400" rtl="0" eaLnBrk="1" latinLnBrk="0" hangingPunct="1">
+        <a:lnSpc>
+          <a:spcPct val="90000"/>
+        </a:lnSpc>
+        <a:spcBef>
+          <a:spcPts val="500"/>
+        </a:spcBef>
+        <a:buFont typeface="Arial" panose="020B0604020202020204" pitchFamily="34" charset="0"/>
+        <a:buChar char="•"/>
+        <a:defRPr sz="1800" kern="1200">
+          <a:solidFill>
+            <a:schemeClr val="tx1"/>
+          </a:solidFill>
+          <a:latin typeface="+mn-lt"/>
+          <a:ea typeface="+mn-ea"/>
+          <a:cs typeface="+mn-cs"/>
+        </a:defRPr>
+      </a:lvl6pPr>
+      <a:lvl7pPr marL="2971800" indent="-228600" algn="l" defTabSz="914400" rtl="0" eaLnBrk="1" latinLnBrk="0" hangingPunct="1">
+        <a:lnSpc>
+          <a:spcPct val="90000"/>
+        </a:lnSpc>
+        <a:spcBef>
+          <a:spcPts val="500"/>
+        </a:spcBef>
+        <a:buFont typeface="Arial" panose="020B0604020202020204" pitchFamily="34" charset="0"/>
+        <a:buChar char="•"/>
+        <a:defRPr sz="1800" kern="1200">
+          <a:solidFill>
+            <a:schemeClr val="tx1"/>
+          </a:solidFill>
+          <a:latin typeface="+mn-lt"/>
+          <a:ea typeface="+mn-ea"/>
+          <a:cs typeface="+mn-cs"/>
+        </a:defRPr>
+      </a:lvl7pPr>
+      <a:lvl8pPr marL="3429000" indent="-228600" algn="l" defTabSz="914400" rtl="0" eaLnBrk="1" latinLnBrk="0" hangingPunct="1">
+        <a:lnSpc>
+          <a:spcPct val="90000"/>
+        </a:lnSpc>
+        <a:spcBef>
+          <a:spcPts val="500"/>
+        </a:spcBef>
+        <a:buFont typeface="Arial" panose="020B0604020202020204" pitchFamily="34" charset="0"/>
+        <a:buChar char="•"/>
+        <a:defRPr sz="1800" kern="1200">
+          <a:solidFill>
+            <a:schemeClr val="tx1"/>
+          </a:solidFill>
+          <a:latin typeface="+mn-lt"/>
+          <a:ea typeface="+mn-ea"/>
+          <a:cs typeface="+mn-cs"/>
+        </a:defRPr>
+      </a:lvl8pPr>
+      <a:lvl9pPr marL="3886200" indent="-228600" algn="l" defTabSz="914400" rtl="0" eaLnBrk="1" latinLnBrk="0" hangingPunct="1">
+        <a:lnSpc>
+          <a:spcPct val="90000"/>
+        </a:lnSpc>
+        <a:spcBef>
+          <a:spcPts val="500"/>
+        </a:spcBef>
+        <a:buFont typeface="Arial" panose="020B0604020202020204" pitchFamily="34" charset="0"/>
+        <a:buChar char="•"/>
+        <a:defRPr sz="1800" kern="1200">
+          <a:solidFill>
+            <a:schemeClr val="tx1"/>
+          </a:solidFill>
+          <a:latin typeface="+mn-lt"/>
+          <a:ea typeface="+mn-ea"/>
+          <a:cs typeface="+mn-cs"/>
+        </a:defRPr>
+      </a:lvl9pPr>
+    </p:bodyStyle>
+    <p:otherStyle>
+      <a:defPPr>
+        <a:defRPr lang="en-US"/>
+      </a:defPPr>
+      <a:lvl1pPr marL="0" algn="l" defTabSz="914400" rtl="0" eaLnBrk="1" latinLnBrk="0" hangingPunct="1">
+        <a:defRPr sz="1800" kern="1200">
+          <a:solidFill>
+            <a:schemeClr val="tx1"/>
+          </a:solidFill>
+          <a:latin typeface="+mn-lt"/>
+          <a:ea typeface="+mn-ea"/>
+          <a:cs typeface="+mn-cs"/>
+        </a:defRPr>
+      </a:lvl1pPr>
+      <a:lvl2pPr marL="457200" algn="l" defTabSz="914400" rtl="0" eaLnBrk="1" latinLnBrk="0" hangingPunct="1">
+        <a:defRPr sz="1800" kern="1200">
+          <a:solidFill>
+            <a:schemeClr val="tx1"/>
+          </a:solidFill>
+          <a:latin typeface="+mn-lt"/>
+          <a:ea typeface="+mn-ea"/>
+          <a:cs typeface="+mn-cs"/>
+        </a:defRPr>
+      </a:lvl2pPr>
+      <a:lvl3pPr marL="914400" algn="l" defTabSz="914400" rtl="0" eaLnBrk="1" latinLnBrk="0" hangingPunct="1">
+        <a:defRPr sz="1800" kern="1200">
+          <a:solidFill>
+            <a:schemeClr val="tx1"/>
+          </a:solidFill>
+          <a:latin typeface="+mn-lt"/>
+          <a:ea typeface="+mn-ea"/>
+          <a:cs typeface="+mn-cs"/>
+        </a:defRPr>
+      </a:lvl3pPr>
+      <a:lvl4pPr marL="1371600" algn="l" defTabSz="914400" rtl="0" eaLnBrk="1" latinLnBrk="0" hangingPunct="1">
+        <a:defRPr sz="1800" kern="1200">
+          <a:solidFill>
+            <a:schemeClr val="tx1"/>
+          </a:solidFill>
+          <a:latin typeface="+mn-lt"/>
+          <a:ea typeface="+mn-ea"/>
+          <a:cs typeface="+mn-cs"/>
+        </a:defRPr>
+      </a:lvl4pPr>
+      <a:lvl5pPr marL="1828800" algn="l" defTabSz="914400" rtl="0" eaLnBrk="1" latinLnBrk="0" hangingPunct="1">
+        <a:defRPr sz="1800" kern="1200">
+          <a:solidFill>
+            <a:schemeClr val="tx1"/>
+          </a:solidFill>
+          <a:latin typeface="+mn-lt"/>
+          <a:ea typeface="+mn-ea"/>
+          <a:cs typeface="+mn-cs"/>
+        </a:defRPr>
+      </a:lvl5pPr>
+      <a:lvl6pPr marL="2286000" algn="l" defTabSz="914400" rtl="0" eaLnBrk="1" latinLnBrk="0" hangingPunct="1">
+        <a:defRPr sz="1800" kern="1200">
+          <a:solidFill>
+            <a:schemeClr val="tx1"/>
+          </a:solidFill>
+          <a:latin typeface="+mn-lt"/>
+          <a:ea typeface="+mn-ea"/>
+          <a:cs typeface="+mn-cs"/>
+        </a:defRPr>
+      </a:lvl6pPr>
+      <a:lvl7pPr marL="2743200" algn="l" defTabSz="914400" rtl="0" eaLnBrk="1" latinLnBrk="0" hangingPunct="1">
+        <a:defRPr sz="1800" kern="1200">
+          <a:solidFill>
+            <a:schemeClr val="tx1"/>
+          </a:solidFill>
+          <a:latin typeface="+mn-lt"/>
+          <a:ea typeface="+mn-ea"/>
+          <a:cs typeface="+mn-cs"/>
+        </a:defRPr>
+      </a:lvl7pPr>
+      <a:lvl8pPr marL="3200400" algn="l" defTabSz="914400" rtl="0" eaLnBrk="1" latinLnBrk="0" hangingPunct="1">
+        <a:defRPr sz="1800" kern="1200">
+          <a:solidFill>
+            <a:schemeClr val="tx1"/>
+          </a:solidFill>
+          <a:latin typeface="+mn-lt"/>
+          <a:ea typeface="+mn-ea"/>
+          <a:cs typeface="+mn-cs"/>
+        </a:defRPr>
+      </a:lvl8pPr>
+      <a:lvl9pPr marL="3657600" algn="l" defTabSz="914400" rtl="0" eaLnBrk="1" latinLnBrk="0" hangingPunct="1">
+        <a:defRPr sz="1800" kern="1200">
+          <a:solidFill>
+            <a:schemeClr val="tx1"/>
+          </a:solidFill>
+          <a:latin typeface="+mn-lt"/>
+          <a:ea typeface="+mn-ea"/>
+          <a:cs typeface="+mn-cs"/>
+        </a:defRPr>
+      </a:lvl9pPr>
+    </p:otherStyle>
+  </p:txStyles>
 </p:sldMaster>
 </file>
 
 <file path=ppt/slides/slide1.xml><?xml version="1.0" encoding="utf-8"?>
-<p:sld xmlns:a="http://schemas.openxmlformats.org/drawingml/2006/main" xmlns:p="http://schemas.openxmlformats.org/presentationml/2006/main" xmlns:r="http://schemas.openxmlformats.org/officeDocument/2006/relationships" xmlns:p14="http://schemas.microsoft.com/office/powerpoint/2010/main" xmlns:p15="http://schemas.microsoft.com/office/powerpoint/2012/main" xmlns:mc="http://schemas.openxmlformats.org/markup-compatibility/2006">
+<p:sld xmlns:a="http://schemas.openxmlformats.org/drawingml/2006/main" xmlns:r="http://schemas.openxmlformats.org/officeDocument/2006/relationships" xmlns:p="http://schemas.openxmlformats.org/presentationml/2006/main">
   <p:cSld>
     <p:spTree>
       <p:nvGrpSpPr>
@@ -2013,15 +2389,2950 @@
           <a:chExt cx="0" cy="0"/>
         </a:xfrm>
       </p:grpSpPr>
+      <mc:AlternateContent xmlns:mc="http://schemas.openxmlformats.org/markup-compatibility/2006">
+        <mc:Choice xmlns:a14="http://schemas.microsoft.com/office/drawing/2010/main" Requires="a14">
+          <p:sp>
+            <p:nvSpPr>
+              <p:cNvPr id="39" name="CustomShape 1"/>
+              <p:cNvSpPr/>
+              <p:nvPr/>
+            </p:nvSpPr>
+            <p:spPr>
+              <a:xfrm>
+                <a:off x="972360" y="6629012"/>
+                <a:ext cx="9071280" cy="9285480"/>
+              </a:xfrm>
+              <a:prstGeom prst="rect">
+                <a:avLst/>
+              </a:prstGeom>
+              <a:noFill/>
+              <a:ln>
+                <a:noFill/>
+              </a:ln>
+            </p:spPr>
+            <p:style>
+              <a:lnRef idx="0">
+                <a:scrgbClr r="0" g="0" b="0"/>
+              </a:lnRef>
+              <a:fillRef idx="0">
+                <a:scrgbClr r="0" g="0" b="0"/>
+              </a:fillRef>
+              <a:effectRef idx="0">
+                <a:scrgbClr r="0" g="0" b="0"/>
+              </a:effectRef>
+              <a:fontRef idx="minor"/>
+            </p:style>
+            <p:txBody>
+              <a:bodyPr lIns="90000" tIns="45000" rIns="90000" bIns="45000"/>
+              <a:lstStyle/>
+              <a:p>
+                <a:pPr marL="378000" indent="-375120">
+                  <a:lnSpc>
+                    <a:spcPct val="100000"/>
+                  </a:lnSpc>
+                  <a:buClr>
+                    <a:srgbClr val="000000"/>
+                  </a:buClr>
+                  <a:buFont typeface="Wingdings" charset="2"/>
+                  <a:buChar char=""/>
+                </a:pPr>
+                <a:r>
+                  <a:rPr lang="en-GB" sz="3200" b="0" strike="noStrike" spc="-1" dirty="0">
+                    <a:solidFill>
+                      <a:srgbClr val="000000"/>
+                    </a:solidFill>
+                    <a:uFill>
+                      <a:solidFill>
+                        <a:srgbClr val="FFFFFF"/>
+                      </a:solidFill>
+                    </a:uFill>
+                    <a:latin typeface="Open Sans Semibold"/>
+                    <a:ea typeface="Open Sans Semibold"/>
+                  </a:rPr>
+                  <a:t> General Problem</a:t>
+                </a:r>
+              </a:p>
+              <a:p>
+                <a:pPr marL="378000" indent="-375120">
+                  <a:lnSpc>
+                    <a:spcPct val="100000"/>
+                  </a:lnSpc>
+                  <a:buClr>
+                    <a:srgbClr val="000000"/>
+                  </a:buClr>
+                  <a:buFont typeface="Wingdings" charset="2"/>
+                  <a:buChar char=""/>
+                </a:pPr>
+                <a:endParaRPr lang="en-GB" sz="2400" spc="-1" dirty="0">
+                  <a:solidFill>
+                    <a:srgbClr val="000000"/>
+                  </a:solidFill>
+                  <a:uFill>
+                    <a:solidFill>
+                      <a:srgbClr val="FFFFFF"/>
+                    </a:solidFill>
+                  </a:uFill>
+                  <a:latin typeface="Open Sans Semibold"/>
+                  <a:ea typeface="Open Sans Semibold"/>
+                </a:endParaRPr>
+              </a:p>
+              <a:p>
+                <a:pPr marL="345780" indent="-342900">
+                  <a:lnSpc>
+                    <a:spcPct val="100000"/>
+                  </a:lnSpc>
+                  <a:buClr>
+                    <a:srgbClr val="000000"/>
+                  </a:buClr>
+                  <a:buFont typeface="Arial" panose="020B0604020202020204" pitchFamily="34" charset="0"/>
+                  <a:buChar char="•"/>
+                </a:pPr>
+                <a:r>
+                  <a:rPr lang="en-GB" sz="2400" spc="-1" dirty="0">
+                    <a:solidFill>
+                      <a:srgbClr val="000000"/>
+                    </a:solidFill>
+                    <a:uFill>
+                      <a:solidFill>
+                        <a:srgbClr val="FFFFFF"/>
+                      </a:solidFill>
+                    </a:uFill>
+                    <a:latin typeface="Open Sans Semibold"/>
+                    <a:ea typeface="Open Sans Semibold"/>
+                  </a:rPr>
+                  <a:t>Complex systems are usually modelled through high-fidelity high-cost models, used mainly for simulations</a:t>
+                </a:r>
+              </a:p>
+              <a:p>
+                <a:pPr marL="345780" indent="-342900">
+                  <a:lnSpc>
+                    <a:spcPct val="100000"/>
+                  </a:lnSpc>
+                  <a:buClr>
+                    <a:srgbClr val="000000"/>
+                  </a:buClr>
+                  <a:buFont typeface="Arial" panose="020B0604020202020204" pitchFamily="34" charset="0"/>
+                  <a:buChar char="•"/>
+                </a:pPr>
+                <a:r>
+                  <a:rPr lang="en-GB" sz="2400" b="0" strike="noStrike" spc="-1" dirty="0">
+                    <a:solidFill>
+                      <a:srgbClr val="000000"/>
+                    </a:solidFill>
+                    <a:uFill>
+                      <a:solidFill>
+                        <a:srgbClr val="FFFFFF"/>
+                      </a:solidFill>
+                    </a:uFill>
+                    <a:latin typeface="Open Sans Semibold"/>
+                    <a:ea typeface="Open Sans Semibold"/>
+                  </a:rPr>
+                  <a:t>Each model recreates one behaviour of the system, also known as </a:t>
+                </a:r>
+                <a:r>
+                  <a:rPr lang="en-GB" sz="2400" b="1" strike="noStrike" spc="-1" dirty="0">
+                    <a:solidFill>
+                      <a:srgbClr val="000000"/>
+                    </a:solidFill>
+                    <a:uFill>
+                      <a:solidFill>
+                        <a:srgbClr val="FFFFFF"/>
+                      </a:solidFill>
+                    </a:uFill>
+                    <a:latin typeface="Open Sans Semibold"/>
+                    <a:ea typeface="Open Sans Semibold"/>
+                  </a:rPr>
+                  <a:t>mode</a:t>
+                </a:r>
+                <a:r>
+                  <a:rPr lang="en-GB" sz="2400" strike="noStrike" spc="-1" dirty="0">
+                    <a:solidFill>
+                      <a:srgbClr val="000000"/>
+                    </a:solidFill>
+                    <a:uFill>
+                      <a:solidFill>
+                        <a:srgbClr val="FFFFFF"/>
+                      </a:solidFill>
+                    </a:uFill>
+                    <a:latin typeface="Open Sans Semibold"/>
+                    <a:ea typeface="Open Sans Semibold"/>
+                  </a:rPr>
+                  <a:t>.</a:t>
+                </a:r>
+              </a:p>
+              <a:p>
+                <a:pPr marL="345780" indent="-342900">
+                  <a:lnSpc>
+                    <a:spcPct val="100000"/>
+                  </a:lnSpc>
+                  <a:buClr>
+                    <a:srgbClr val="000000"/>
+                  </a:buClr>
+                  <a:buFont typeface="Arial" panose="020B0604020202020204" pitchFamily="34" charset="0"/>
+                  <a:buChar char="•"/>
+                </a:pPr>
+                <a:r>
+                  <a:rPr lang="en-GB" sz="2400" b="0" spc="-1" dirty="0">
+                    <a:solidFill>
+                      <a:srgbClr val="000000"/>
+                    </a:solidFill>
+                    <a:uFill>
+                      <a:solidFill>
+                        <a:srgbClr val="FFFFFF"/>
+                      </a:solidFill>
+                    </a:uFill>
+                    <a:latin typeface="Open Sans Semibold"/>
+                    <a:ea typeface="Open Sans Semibold"/>
+                  </a:rPr>
+                  <a:t>A real system has many different operative modes.</a:t>
+                </a:r>
+                <a:br>
+                  <a:rPr lang="en-GB" sz="2400" b="0" spc="-1" dirty="0">
+                    <a:solidFill>
+                      <a:srgbClr val="000000"/>
+                    </a:solidFill>
+                    <a:uFill>
+                      <a:solidFill>
+                        <a:srgbClr val="FFFFFF"/>
+                      </a:solidFill>
+                    </a:uFill>
+                    <a:latin typeface="Open Sans Semibold"/>
+                    <a:ea typeface="Open Sans Semibold"/>
+                  </a:rPr>
+                </a:br>
+                <a:r>
+                  <a:rPr lang="en-GB" sz="2400" b="0" spc="-1" dirty="0">
+                    <a:solidFill>
+                      <a:srgbClr val="000000"/>
+                    </a:solidFill>
+                    <a:uFill>
+                      <a:solidFill>
+                        <a:srgbClr val="FFFFFF"/>
+                      </a:solidFill>
+                    </a:uFill>
+                    <a:latin typeface="Open Sans Semibold"/>
+                    <a:ea typeface="Open Sans Semibold"/>
+                  </a:rPr>
+                  <a:t>e.g. a drone’s modes: take</a:t>
+                </a:r>
+                <a:r>
+                  <a:rPr lang="en-GB" sz="2400" spc="-1" dirty="0">
+                    <a:solidFill>
+                      <a:srgbClr val="000000"/>
+                    </a:solidFill>
+                    <a:uFill>
+                      <a:solidFill>
+                        <a:srgbClr val="FFFFFF"/>
+                      </a:solidFill>
+                    </a:uFill>
+                    <a:latin typeface="Open Sans Semibold"/>
+                    <a:ea typeface="Open Sans Semibold"/>
+                  </a:rPr>
+                  <a:t>-off, landing, wandering, surface mapping, etc..</a:t>
+                </a:r>
+              </a:p>
+              <a:p>
+                <a:pPr marL="2880" algn="ctr">
+                  <a:lnSpc>
+                    <a:spcPct val="100000"/>
+                  </a:lnSpc>
+                  <a:buClr>
+                    <a:srgbClr val="000000"/>
+                  </a:buClr>
+                </a:pPr>
+                <a:r>
+                  <a:rPr lang="en-GB" sz="2400" spc="-1" dirty="0">
+                    <a:solidFill>
+                      <a:srgbClr val="000000"/>
+                    </a:solidFill>
+                    <a:uFill>
+                      <a:solidFill>
+                        <a:srgbClr val="FFFFFF"/>
+                      </a:solidFill>
+                    </a:uFill>
+                    <a:latin typeface="Open Sans Semibold"/>
+                    <a:ea typeface="Open Sans Semibold"/>
+                  </a:rPr>
+                  <a:t>Modes: </a:t>
+                </a:r>
+                <a14:m>
+                  <m:oMath xmlns:m="http://schemas.openxmlformats.org/officeDocument/2006/math">
+                    <m:d>
+                      <m:dPr>
+                        <m:begChr m:val="{"/>
+                        <m:endChr m:val=""/>
+                        <m:ctrlPr>
+                          <a:rPr lang="en-GB" sz="2400" i="1" spc="-1" smtClean="0">
+                            <a:solidFill>
+                              <a:srgbClr val="000000"/>
+                            </a:solidFill>
+                            <a:uFill>
+                              <a:solidFill>
+                                <a:srgbClr val="FFFFFF"/>
+                              </a:solidFill>
+                            </a:uFill>
+                            <a:latin typeface="Cambria Math" panose="02040503050406030204" pitchFamily="18" charset="0"/>
+                          </a:rPr>
+                        </m:ctrlPr>
+                      </m:dPr>
+                      <m:e>
+                        <m:eqArr>
+                          <m:eqArrPr>
+                            <m:ctrlPr>
+                              <a:rPr lang="en-GB" sz="2400" i="1" spc="-1" smtClean="0">
+                                <a:solidFill>
+                                  <a:srgbClr val="000000"/>
+                                </a:solidFill>
+                                <a:uFill>
+                                  <a:solidFill>
+                                    <a:srgbClr val="FFFFFF"/>
+                                  </a:solidFill>
+                                </a:uFill>
+                                <a:latin typeface="Cambria Math" panose="02040503050406030204" pitchFamily="18" charset="0"/>
+                              </a:rPr>
+                            </m:ctrlPr>
+                          </m:eqArrPr>
+                          <m:e>
+                            <m:sSub>
+                              <m:sSubPr>
+                                <m:ctrlPr>
+                                  <a:rPr lang="en-GB" sz="2400" b="0" i="1" spc="-1" smtClean="0">
+                                    <a:solidFill>
+                                      <a:srgbClr val="000000"/>
+                                    </a:solidFill>
+                                    <a:uFill>
+                                      <a:solidFill>
+                                        <a:srgbClr val="FFFFFF"/>
+                                      </a:solidFill>
+                                    </a:uFill>
+                                    <a:latin typeface="Cambria Math" panose="02040503050406030204" pitchFamily="18" charset="0"/>
+                                  </a:rPr>
+                                </m:ctrlPr>
+                              </m:sSubPr>
+                              <m:e>
+                                <m:r>
+                                  <a:rPr lang="en-GB" sz="2400" b="0" i="1" spc="-1" smtClean="0">
+                                    <a:solidFill>
+                                      <a:srgbClr val="000000"/>
+                                    </a:solidFill>
+                                    <a:uFill>
+                                      <a:solidFill>
+                                        <a:srgbClr val="FFFFFF"/>
+                                      </a:solidFill>
+                                    </a:uFill>
+                                    <a:latin typeface="Cambria Math" panose="02040503050406030204" pitchFamily="18" charset="0"/>
+                                  </a:rPr>
+                                  <m:t>𝑦</m:t>
+                                </m:r>
+                              </m:e>
+                              <m:sub>
+                                <m:sSub>
+                                  <m:sSubPr>
+                                    <m:ctrlPr>
+                                      <a:rPr lang="en-GB" sz="2400" b="0" i="1" spc="-1" smtClean="0">
+                                        <a:solidFill>
+                                          <a:srgbClr val="000000"/>
+                                        </a:solidFill>
+                                        <a:uFill>
+                                          <a:solidFill>
+                                            <a:srgbClr val="FFFFFF"/>
+                                          </a:solidFill>
+                                        </a:uFill>
+                                        <a:latin typeface="Cambria Math" panose="02040503050406030204" pitchFamily="18" charset="0"/>
+                                      </a:rPr>
+                                    </m:ctrlPr>
+                                  </m:sSubPr>
+                                  <m:e>
+                                    <m:r>
+                                      <a:rPr lang="en-GB" sz="2400" b="0" i="1" spc="-1" smtClean="0">
+                                        <a:solidFill>
+                                          <a:srgbClr val="000000"/>
+                                        </a:solidFill>
+                                        <a:uFill>
+                                          <a:solidFill>
+                                            <a:srgbClr val="FFFFFF"/>
+                                          </a:solidFill>
+                                        </a:uFill>
+                                        <a:latin typeface="Cambria Math" panose="02040503050406030204" pitchFamily="18" charset="0"/>
+                                      </a:rPr>
+                                      <m:t>𝑚</m:t>
+                                    </m:r>
+                                  </m:e>
+                                  <m:sub>
+                                    <m:r>
+                                      <a:rPr lang="en-GB" sz="2400" b="0" i="1" spc="-1" smtClean="0">
+                                        <a:solidFill>
+                                          <a:srgbClr val="000000"/>
+                                        </a:solidFill>
+                                        <a:uFill>
+                                          <a:solidFill>
+                                            <a:srgbClr val="FFFFFF"/>
+                                          </a:solidFill>
+                                        </a:uFill>
+                                        <a:latin typeface="Cambria Math" panose="02040503050406030204" pitchFamily="18" charset="0"/>
+                                      </a:rPr>
+                                      <m:t>1</m:t>
+                                    </m:r>
+                                  </m:sub>
+                                </m:sSub>
+                              </m:sub>
+                            </m:sSub>
+                            <m:r>
+                              <a:rPr lang="en-GB" sz="2400" b="0" i="1" spc="-1" smtClean="0">
+                                <a:solidFill>
+                                  <a:srgbClr val="000000"/>
+                                </a:solidFill>
+                                <a:uFill>
+                                  <a:solidFill>
+                                    <a:srgbClr val="FFFFFF"/>
+                                  </a:solidFill>
+                                </a:uFill>
+                                <a:latin typeface="Cambria Math" panose="02040503050406030204" pitchFamily="18" charset="0"/>
+                              </a:rPr>
+                              <m:t>=</m:t>
+                            </m:r>
+                            <m:sSub>
+                              <m:sSubPr>
+                                <m:ctrlPr>
+                                  <a:rPr lang="en-GB" sz="2400" b="0" i="1" spc="-1" smtClean="0">
+                                    <a:solidFill>
+                                      <a:srgbClr val="000000"/>
+                                    </a:solidFill>
+                                    <a:uFill>
+                                      <a:solidFill>
+                                        <a:srgbClr val="FFFFFF"/>
+                                      </a:solidFill>
+                                    </a:uFill>
+                                    <a:latin typeface="Cambria Math" panose="02040503050406030204" pitchFamily="18" charset="0"/>
+                                  </a:rPr>
+                                </m:ctrlPr>
+                              </m:sSubPr>
+                              <m:e>
+                                <m:r>
+                                  <a:rPr lang="en-GB" sz="2400" b="0" i="1" spc="-1" smtClean="0">
+                                    <a:solidFill>
+                                      <a:srgbClr val="000000"/>
+                                    </a:solidFill>
+                                    <a:uFill>
+                                      <a:solidFill>
+                                        <a:srgbClr val="FFFFFF"/>
+                                      </a:solidFill>
+                                    </a:uFill>
+                                    <a:latin typeface="Cambria Math" panose="02040503050406030204" pitchFamily="18" charset="0"/>
+                                  </a:rPr>
+                                  <m:t>𝑔</m:t>
+                                </m:r>
+                              </m:e>
+                              <m:sub>
+                                <m:r>
+                                  <a:rPr lang="en-GB" sz="2400" b="0" i="1" spc="-1" smtClean="0">
+                                    <a:solidFill>
+                                      <a:srgbClr val="000000"/>
+                                    </a:solidFill>
+                                    <a:uFill>
+                                      <a:solidFill>
+                                        <a:srgbClr val="FFFFFF"/>
+                                      </a:solidFill>
+                                    </a:uFill>
+                                    <a:latin typeface="Cambria Math" panose="02040503050406030204" pitchFamily="18" charset="0"/>
+                                  </a:rPr>
+                                  <m:t>1</m:t>
+                                </m:r>
+                              </m:sub>
+                            </m:sSub>
+                            <m:r>
+                              <a:rPr lang="en-GB" sz="2400" b="0" i="1" spc="-1" smtClean="0">
+                                <a:solidFill>
+                                  <a:srgbClr val="000000"/>
+                                </a:solidFill>
+                                <a:uFill>
+                                  <a:solidFill>
+                                    <a:srgbClr val="FFFFFF"/>
+                                  </a:solidFill>
+                                </a:uFill>
+                                <a:latin typeface="Cambria Math" panose="02040503050406030204" pitchFamily="18" charset="0"/>
+                              </a:rPr>
+                              <m:t>(</m:t>
+                            </m:r>
+                            <m:r>
+                              <a:rPr lang="en-GB" sz="2400" b="0" i="1" spc="-1" smtClean="0">
+                                <a:solidFill>
+                                  <a:srgbClr val="000000"/>
+                                </a:solidFill>
+                                <a:uFill>
+                                  <a:solidFill>
+                                    <a:srgbClr val="FFFFFF"/>
+                                  </a:solidFill>
+                                </a:uFill>
+                                <a:latin typeface="Cambria Math" panose="02040503050406030204" pitchFamily="18" charset="0"/>
+                              </a:rPr>
+                              <m:t>𝑥</m:t>
+                            </m:r>
+                            <m:r>
+                              <a:rPr lang="en-GB" sz="2400" b="0" i="1" spc="-1" smtClean="0">
+                                <a:solidFill>
+                                  <a:srgbClr val="000000"/>
+                                </a:solidFill>
+                                <a:uFill>
+                                  <a:solidFill>
+                                    <a:srgbClr val="FFFFFF"/>
+                                  </a:solidFill>
+                                </a:uFill>
+                                <a:latin typeface="Cambria Math" panose="02040503050406030204" pitchFamily="18" charset="0"/>
+                              </a:rPr>
+                              <m:t>)</m:t>
+                            </m:r>
+                          </m:e>
+                          <m:e>
+                            <m:r>
+                              <a:rPr lang="en-IE" sz="2400" i="1" smtClean="0">
+                                <a:latin typeface="Cambria Math" panose="02040503050406030204" pitchFamily="18" charset="0"/>
+                                <a:ea typeface="Cambria Math" panose="02040503050406030204" pitchFamily="18" charset="0"/>
+                              </a:rPr>
+                              <m:t>⋮</m:t>
+                            </m:r>
+                          </m:e>
+                          <m:e>
+                            <m:sSub>
+                              <m:sSubPr>
+                                <m:ctrlPr>
+                                  <a:rPr lang="en-IE" sz="2400" i="1" smtClean="0">
+                                    <a:latin typeface="Cambria Math" panose="02040503050406030204" pitchFamily="18" charset="0"/>
+                                  </a:rPr>
+                                </m:ctrlPr>
+                              </m:sSubPr>
+                              <m:e>
+                                <m:r>
+                                  <a:rPr lang="en-GB" sz="2400" b="0" i="1" smtClean="0">
+                                    <a:latin typeface="Cambria Math" panose="02040503050406030204" pitchFamily="18" charset="0"/>
+                                  </a:rPr>
+                                  <m:t>𝑦</m:t>
+                                </m:r>
+                              </m:e>
+                              <m:sub>
+                                <m:sSub>
+                                  <m:sSubPr>
+                                    <m:ctrlPr>
+                                      <a:rPr lang="en-IE" sz="2400" i="1" smtClean="0">
+                                        <a:latin typeface="Cambria Math" panose="02040503050406030204" pitchFamily="18" charset="0"/>
+                                      </a:rPr>
+                                    </m:ctrlPr>
+                                  </m:sSubPr>
+                                  <m:e>
+                                    <m:r>
+                                      <a:rPr lang="en-GB" sz="2400" b="0" i="1" smtClean="0">
+                                        <a:latin typeface="Cambria Math" panose="02040503050406030204" pitchFamily="18" charset="0"/>
+                                      </a:rPr>
+                                      <m:t>𝑚</m:t>
+                                    </m:r>
+                                  </m:e>
+                                  <m:sub>
+                                    <m:r>
+                                      <a:rPr lang="en-GB" sz="2400" b="0" i="1" smtClean="0">
+                                        <a:latin typeface="Cambria Math" panose="02040503050406030204" pitchFamily="18" charset="0"/>
+                                      </a:rPr>
+                                      <m:t>𝑖</m:t>
+                                    </m:r>
+                                  </m:sub>
+                                </m:sSub>
+                              </m:sub>
+                            </m:sSub>
+                            <m:r>
+                              <a:rPr lang="en-GB" sz="2400" i="1" spc="-1">
+                                <a:solidFill>
+                                  <a:srgbClr val="000000"/>
+                                </a:solidFill>
+                                <a:uFill>
+                                  <a:solidFill>
+                                    <a:srgbClr val="FFFFFF"/>
+                                  </a:solidFill>
+                                </a:uFill>
+                                <a:latin typeface="Cambria Math" panose="02040503050406030204" pitchFamily="18" charset="0"/>
+                              </a:rPr>
+                              <m:t>=</m:t>
+                            </m:r>
+                            <m:sSub>
+                              <m:sSubPr>
+                                <m:ctrlPr>
+                                  <a:rPr lang="en-GB" sz="2400" i="1" spc="-1" smtClean="0">
+                                    <a:solidFill>
+                                      <a:srgbClr val="000000"/>
+                                    </a:solidFill>
+                                    <a:uFill>
+                                      <a:solidFill>
+                                        <a:srgbClr val="FFFFFF"/>
+                                      </a:solidFill>
+                                    </a:uFill>
+                                    <a:latin typeface="Cambria Math" panose="02040503050406030204" pitchFamily="18" charset="0"/>
+                                  </a:rPr>
+                                </m:ctrlPr>
+                              </m:sSubPr>
+                              <m:e>
+                                <m:r>
+                                  <a:rPr lang="en-GB" sz="2400" b="0" i="1" spc="-1" smtClean="0">
+                                    <a:solidFill>
+                                      <a:srgbClr val="000000"/>
+                                    </a:solidFill>
+                                    <a:uFill>
+                                      <a:solidFill>
+                                        <a:srgbClr val="FFFFFF"/>
+                                      </a:solidFill>
+                                    </a:uFill>
+                                    <a:latin typeface="Cambria Math" panose="02040503050406030204" pitchFamily="18" charset="0"/>
+                                  </a:rPr>
+                                  <m:t>𝑔</m:t>
+                                </m:r>
+                              </m:e>
+                              <m:sub>
+                                <m:r>
+                                  <a:rPr lang="en-GB" sz="2400" b="0" i="1" spc="-1" smtClean="0">
+                                    <a:solidFill>
+                                      <a:srgbClr val="000000"/>
+                                    </a:solidFill>
+                                    <a:uFill>
+                                      <a:solidFill>
+                                        <a:srgbClr val="FFFFFF"/>
+                                      </a:solidFill>
+                                    </a:uFill>
+                                    <a:latin typeface="Cambria Math" panose="02040503050406030204" pitchFamily="18" charset="0"/>
+                                  </a:rPr>
+                                  <m:t>𝑖</m:t>
+                                </m:r>
+                              </m:sub>
+                            </m:sSub>
+                            <m:r>
+                              <a:rPr lang="en-GB" sz="2400" i="1" spc="-1">
+                                <a:solidFill>
+                                  <a:srgbClr val="000000"/>
+                                </a:solidFill>
+                                <a:uFill>
+                                  <a:solidFill>
+                                    <a:srgbClr val="FFFFFF"/>
+                                  </a:solidFill>
+                                </a:uFill>
+                                <a:latin typeface="Cambria Math" panose="02040503050406030204" pitchFamily="18" charset="0"/>
+                              </a:rPr>
+                              <m:t>(</m:t>
+                            </m:r>
+                            <m:r>
+                              <a:rPr lang="en-GB" sz="2400" i="1" spc="-1">
+                                <a:solidFill>
+                                  <a:srgbClr val="000000"/>
+                                </a:solidFill>
+                                <a:uFill>
+                                  <a:solidFill>
+                                    <a:srgbClr val="FFFFFF"/>
+                                  </a:solidFill>
+                                </a:uFill>
+                                <a:latin typeface="Cambria Math" panose="02040503050406030204" pitchFamily="18" charset="0"/>
+                              </a:rPr>
+                              <m:t>𝑥</m:t>
+                            </m:r>
+                            <m:r>
+                              <a:rPr lang="en-GB" sz="2400" i="1" spc="-1">
+                                <a:solidFill>
+                                  <a:srgbClr val="000000"/>
+                                </a:solidFill>
+                                <a:uFill>
+                                  <a:solidFill>
+                                    <a:srgbClr val="FFFFFF"/>
+                                  </a:solidFill>
+                                </a:uFill>
+                                <a:latin typeface="Cambria Math" panose="02040503050406030204" pitchFamily="18" charset="0"/>
+                              </a:rPr>
+                              <m:t>)</m:t>
+                            </m:r>
+                          </m:e>
+                        </m:eqArr>
+                      </m:e>
+                    </m:d>
+                  </m:oMath>
+                </a14:m>
+                <a:endParaRPr lang="en-GB" sz="2400" spc="-1" dirty="0">
+                  <a:solidFill>
+                    <a:srgbClr val="000000"/>
+                  </a:solidFill>
+                  <a:uFill>
+                    <a:solidFill>
+                      <a:srgbClr val="FFFFFF"/>
+                    </a:solidFill>
+                  </a:uFill>
+                  <a:latin typeface="Open Sans Semibold"/>
+                  <a:ea typeface="Open Sans Semibold"/>
+                </a:endParaRPr>
+              </a:p>
+              <a:p>
+                <a:pPr marL="345780" indent="-342900">
+                  <a:lnSpc>
+                    <a:spcPct val="100000"/>
+                  </a:lnSpc>
+                  <a:buClr>
+                    <a:srgbClr val="000000"/>
+                  </a:buClr>
+                  <a:buFont typeface="Arial" panose="020B0604020202020204" pitchFamily="34" charset="0"/>
+                  <a:buChar char="•"/>
+                </a:pPr>
+                <a:endParaRPr lang="en-GB" sz="2400" b="0" strike="noStrike" spc="-1" dirty="0">
+                  <a:solidFill>
+                    <a:srgbClr val="000000"/>
+                  </a:solidFill>
+                  <a:uFill>
+                    <a:solidFill>
+                      <a:srgbClr val="FFFFFF"/>
+                    </a:solidFill>
+                  </a:uFill>
+                  <a:latin typeface="Open Sans Semibold"/>
+                  <a:ea typeface="Open Sans Semibold"/>
+                </a:endParaRPr>
+              </a:p>
+              <a:p>
+                <a:pPr marL="345780" indent="-342900">
+                  <a:lnSpc>
+                    <a:spcPct val="100000"/>
+                  </a:lnSpc>
+                  <a:buClr>
+                    <a:srgbClr val="000000"/>
+                  </a:buClr>
+                  <a:buFont typeface="Wingdings" panose="05000000000000000000" pitchFamily="2" charset="2"/>
+                  <a:buChar char="Ø"/>
+                </a:pPr>
+                <a:r>
+                  <a:rPr lang="en-GB" sz="2400" b="0" strike="noStrike" spc="-1" dirty="0">
+                    <a:solidFill>
+                      <a:srgbClr val="000000"/>
+                    </a:solidFill>
+                    <a:uFill>
+                      <a:solidFill>
+                        <a:srgbClr val="FFFFFF"/>
+                      </a:solidFill>
+                    </a:uFill>
+                    <a:latin typeface="Open Sans Semibold"/>
+                    <a:ea typeface="Open Sans Semibold"/>
+                  </a:rPr>
+                  <a:t>Given a specific task, which allows multiple operating modes, create a simple model m, such that:</a:t>
+                </a:r>
+                <a:br>
+                  <a:rPr lang="en-GB" sz="2400" spc="-1" dirty="0">
+                    <a:solidFill>
+                      <a:srgbClr val="000000"/>
+                    </a:solidFill>
+                    <a:uFill>
+                      <a:solidFill>
+                        <a:srgbClr val="FFFFFF"/>
+                      </a:solidFill>
+                    </a:uFill>
+                    <a:latin typeface="Open Sans Semibold"/>
+                    <a:ea typeface="Open Sans Semibold"/>
+                  </a:rPr>
+                </a:br>
+                <a14:m>
+                  <m:oMath xmlns:m="http://schemas.openxmlformats.org/officeDocument/2006/math">
+                    <m:r>
+                      <a:rPr lang="en-GB" sz="2400" b="0" i="1" spc="-1" smtClean="0">
+                        <a:solidFill>
+                          <a:srgbClr val="000000"/>
+                        </a:solidFill>
+                        <a:uFill>
+                          <a:solidFill>
+                            <a:srgbClr val="FFFFFF"/>
+                          </a:solidFill>
+                        </a:uFill>
+                        <a:latin typeface="Cambria Math" panose="02040503050406030204" pitchFamily="18" charset="0"/>
+                        <a:ea typeface="Open Sans Semibold"/>
+                      </a:rPr>
+                      <m:t>𝑚</m:t>
+                    </m:r>
+                    <m:r>
+                      <a:rPr lang="en-GB" sz="2400" b="0" i="1" spc="-1" smtClean="0">
+                        <a:solidFill>
+                          <a:srgbClr val="000000"/>
+                        </a:solidFill>
+                        <a:uFill>
+                          <a:solidFill>
+                            <a:srgbClr val="FFFFFF"/>
+                          </a:solidFill>
+                        </a:uFill>
+                        <a:latin typeface="Cambria Math" panose="02040503050406030204" pitchFamily="18" charset="0"/>
+                        <a:ea typeface="Open Sans Semibold"/>
+                      </a:rPr>
+                      <m:t>=</m:t>
+                    </m:r>
+                    <m:func>
+                      <m:funcPr>
+                        <m:ctrlPr>
+                          <a:rPr lang="en-GB" sz="2400" b="0" i="1" spc="-1" smtClean="0">
+                            <a:solidFill>
+                              <a:srgbClr val="000000"/>
+                            </a:solidFill>
+                            <a:uFill>
+                              <a:solidFill>
+                                <a:srgbClr val="FFFFFF"/>
+                              </a:solidFill>
+                            </a:uFill>
+                            <a:latin typeface="Cambria Math" panose="02040503050406030204" pitchFamily="18" charset="0"/>
+                            <a:ea typeface="Open Sans Semibold"/>
+                          </a:rPr>
+                        </m:ctrlPr>
+                      </m:funcPr>
+                      <m:fName>
+                        <m:r>
+                          <a:rPr lang="en-GB" sz="2400" b="0" i="1" spc="-1" smtClean="0">
+                            <a:solidFill>
+                              <a:srgbClr val="000000"/>
+                            </a:solidFill>
+                            <a:uFill>
+                              <a:solidFill>
+                                <a:srgbClr val="FFFFFF"/>
+                              </a:solidFill>
+                            </a:uFill>
+                            <a:latin typeface="Cambria Math" panose="02040503050406030204" pitchFamily="18" charset="0"/>
+                            <a:ea typeface="Open Sans Semibold"/>
+                          </a:rPr>
+                          <m:t>𝑎𝑟𝑔</m:t>
+                        </m:r>
+                        <m:r>
+                          <a:rPr lang="en-GB" sz="2400" b="0" i="1" spc="-1" smtClean="0">
+                            <a:solidFill>
+                              <a:srgbClr val="000000"/>
+                            </a:solidFill>
+                            <a:uFill>
+                              <a:solidFill>
+                                <a:srgbClr val="FFFFFF"/>
+                              </a:solidFill>
+                            </a:uFill>
+                            <a:latin typeface="Cambria Math" panose="02040503050406030204" pitchFamily="18" charset="0"/>
+                            <a:ea typeface="Open Sans Semibold"/>
+                          </a:rPr>
+                          <m:t> </m:t>
+                        </m:r>
+                        <m:limLow>
+                          <m:limLowPr>
+                            <m:ctrlPr>
+                              <a:rPr lang="en-GB" sz="2400" b="0" i="1" spc="-1" smtClean="0">
+                                <a:solidFill>
+                                  <a:srgbClr val="000000"/>
+                                </a:solidFill>
+                                <a:uFill>
+                                  <a:solidFill>
+                                    <a:srgbClr val="FFFFFF"/>
+                                  </a:solidFill>
+                                </a:uFill>
+                                <a:latin typeface="Cambria Math" panose="02040503050406030204" pitchFamily="18" charset="0"/>
+                                <a:ea typeface="Open Sans Semibold"/>
+                              </a:rPr>
+                            </m:ctrlPr>
+                          </m:limLowPr>
+                          <m:e>
+                            <m:r>
+                              <m:rPr>
+                                <m:sty m:val="p"/>
+                              </m:rPr>
+                              <a:rPr lang="en-GB" sz="2400" b="0" i="0" spc="-1" smtClean="0">
+                                <a:solidFill>
+                                  <a:srgbClr val="000000"/>
+                                </a:solidFill>
+                                <a:uFill>
+                                  <a:solidFill>
+                                    <a:srgbClr val="FFFFFF"/>
+                                  </a:solidFill>
+                                </a:uFill>
+                                <a:latin typeface="Cambria Math" panose="02040503050406030204" pitchFamily="18" charset="0"/>
+                                <a:ea typeface="Open Sans Semibold"/>
+                              </a:rPr>
+                              <m:t>max</m:t>
+                            </m:r>
+                          </m:e>
+                          <m:lim>
+                            <m:sSub>
+                              <m:sSubPr>
+                                <m:ctrlPr>
+                                  <a:rPr lang="en-GB" sz="2400" b="0" i="1" spc="-1" smtClean="0">
+                                    <a:solidFill>
+                                      <a:srgbClr val="000000"/>
+                                    </a:solidFill>
+                                    <a:uFill>
+                                      <a:solidFill>
+                                        <a:srgbClr val="FFFFFF"/>
+                                      </a:solidFill>
+                                    </a:uFill>
+                                    <a:latin typeface="Cambria Math" panose="02040503050406030204" pitchFamily="18" charset="0"/>
+                                  </a:rPr>
+                                </m:ctrlPr>
+                              </m:sSubPr>
+                              <m:e>
+                                <m:r>
+                                  <a:rPr lang="en-GB" sz="2400" b="0" i="1" spc="-1" smtClean="0">
+                                    <a:solidFill>
+                                      <a:srgbClr val="000000"/>
+                                    </a:solidFill>
+                                    <a:uFill>
+                                      <a:solidFill>
+                                        <a:srgbClr val="FFFFFF"/>
+                                      </a:solidFill>
+                                    </a:uFill>
+                                    <a:latin typeface="Cambria Math" panose="02040503050406030204" pitchFamily="18" charset="0"/>
+                                  </a:rPr>
+                                  <m:t>𝑚</m:t>
+                                </m:r>
+                              </m:e>
+                              <m:sub>
+                                <m:r>
+                                  <a:rPr lang="en-GB" sz="2400" b="0" i="1" spc="-1" smtClean="0">
+                                    <a:solidFill>
+                                      <a:srgbClr val="000000"/>
+                                    </a:solidFill>
+                                    <a:uFill>
+                                      <a:solidFill>
+                                        <a:srgbClr val="FFFFFF"/>
+                                      </a:solidFill>
+                                    </a:uFill>
+                                    <a:latin typeface="Cambria Math" panose="02040503050406030204" pitchFamily="18" charset="0"/>
+                                  </a:rPr>
+                                  <m:t>𝑖</m:t>
+                                </m:r>
+                              </m:sub>
+                            </m:sSub>
+                            <m:r>
+                              <a:rPr lang="en-GB" sz="2400" b="0" i="1" spc="-1" baseline="-25000" smtClean="0">
+                                <a:solidFill>
+                                  <a:srgbClr val="000000"/>
+                                </a:solidFill>
+                                <a:uFill>
+                                  <a:solidFill>
+                                    <a:srgbClr val="FFFFFF"/>
+                                  </a:solidFill>
+                                </a:uFill>
+                                <a:latin typeface="Cambria Math" panose="02040503050406030204" pitchFamily="18" charset="0"/>
+                                <a:ea typeface="Open Sans Semibold"/>
+                              </a:rPr>
+                              <m:t> </m:t>
+                            </m:r>
+                            <m:r>
+                              <a:rPr lang="en-GB" sz="2400" b="0" i="1" spc="-1" smtClean="0">
+                                <a:solidFill>
+                                  <a:srgbClr val="000000"/>
+                                </a:solidFill>
+                                <a:uFill>
+                                  <a:solidFill>
+                                    <a:srgbClr val="FFFFFF"/>
+                                  </a:solidFill>
+                                </a:uFill>
+                                <a:latin typeface="Cambria Math" panose="02040503050406030204" pitchFamily="18" charset="0"/>
+                                <a:ea typeface="Cambria Math" panose="02040503050406030204" pitchFamily="18" charset="0"/>
+                              </a:rPr>
+                              <m:t>∈</m:t>
+                            </m:r>
+                            <m:r>
+                              <a:rPr lang="en-GB" sz="2400" b="0" i="1" spc="-1" smtClean="0">
+                                <a:solidFill>
+                                  <a:srgbClr val="000000"/>
+                                </a:solidFill>
+                                <a:uFill>
+                                  <a:solidFill>
+                                    <a:srgbClr val="FFFFFF"/>
+                                  </a:solidFill>
+                                </a:uFill>
+                                <a:latin typeface="Cambria Math" panose="02040503050406030204" pitchFamily="18" charset="0"/>
+                                <a:ea typeface="Cambria Math" panose="02040503050406030204" pitchFamily="18" charset="0"/>
+                              </a:rPr>
+                              <m:t>𝑀</m:t>
+                            </m:r>
+                          </m:lim>
+                        </m:limLow>
+                      </m:fName>
+                      <m:e>
+                        <m:r>
+                          <a:rPr lang="en-GB" sz="2400" b="0" i="1" spc="-1" smtClean="0">
+                            <a:solidFill>
+                              <a:srgbClr val="000000"/>
+                            </a:solidFill>
+                            <a:uFill>
+                              <a:solidFill>
+                                <a:srgbClr val="FFFFFF"/>
+                              </a:solidFill>
+                            </a:uFill>
+                            <a:latin typeface="Cambria Math" panose="02040503050406030204" pitchFamily="18" charset="0"/>
+                            <a:ea typeface="Open Sans Semibold"/>
+                          </a:rPr>
+                          <m:t>[</m:t>
+                        </m:r>
+                        <m:r>
+                          <a:rPr lang="en-GB" sz="2400" b="0" i="1" spc="-1" smtClean="0">
+                            <a:solidFill>
+                              <a:srgbClr val="000000"/>
+                            </a:solidFill>
+                            <a:uFill>
+                              <a:solidFill>
+                                <a:srgbClr val="FFFFFF"/>
+                              </a:solidFill>
+                            </a:uFill>
+                            <a:latin typeface="Cambria Math" panose="02040503050406030204" pitchFamily="18" charset="0"/>
+                            <a:ea typeface="Cambria Math" panose="02040503050406030204" pitchFamily="18" charset="0"/>
+                          </a:rPr>
+                          <m:t>𝛼</m:t>
+                        </m:r>
+                        <m:r>
+                          <a:rPr lang="en-GB" sz="2400" b="0" i="1" spc="-1" smtClean="0">
+                            <a:solidFill>
+                              <a:srgbClr val="000000"/>
+                            </a:solidFill>
+                            <a:uFill>
+                              <a:solidFill>
+                                <a:srgbClr val="FFFFFF"/>
+                              </a:solidFill>
+                            </a:uFill>
+                            <a:latin typeface="Cambria Math" panose="02040503050406030204" pitchFamily="18" charset="0"/>
+                            <a:ea typeface="Cambria Math" panose="02040503050406030204" pitchFamily="18" charset="0"/>
+                          </a:rPr>
+                          <m:t>∙</m:t>
+                        </m:r>
+                        <m:r>
+                          <a:rPr lang="en-GB" sz="2400" b="0" i="1" spc="-1" smtClean="0">
+                            <a:solidFill>
+                              <a:srgbClr val="000000"/>
+                            </a:solidFill>
+                            <a:uFill>
+                              <a:solidFill>
+                                <a:srgbClr val="FFFFFF"/>
+                              </a:solidFill>
+                            </a:uFill>
+                            <a:latin typeface="Cambria Math" panose="02040503050406030204" pitchFamily="18" charset="0"/>
+                            <a:ea typeface="Cambria Math" panose="02040503050406030204" pitchFamily="18" charset="0"/>
+                          </a:rPr>
+                          <m:t>𝐴𝑐𝑐𝑢𝑟𝑎𝑐𝑦</m:t>
+                        </m:r>
+                        <m:d>
+                          <m:dPr>
+                            <m:ctrlPr>
+                              <a:rPr lang="en-GB" sz="2400" b="0" i="1" spc="-1" smtClean="0">
+                                <a:solidFill>
+                                  <a:srgbClr val="000000"/>
+                                </a:solidFill>
+                                <a:uFill>
+                                  <a:solidFill>
+                                    <a:srgbClr val="FFFFFF"/>
+                                  </a:solidFill>
+                                </a:uFill>
+                                <a:latin typeface="Cambria Math" panose="02040503050406030204" pitchFamily="18" charset="0"/>
+                                <a:ea typeface="Cambria Math" panose="02040503050406030204" pitchFamily="18" charset="0"/>
+                              </a:rPr>
+                            </m:ctrlPr>
+                          </m:dPr>
+                          <m:e>
+                            <m:sSub>
+                              <m:sSubPr>
+                                <m:ctrlPr>
+                                  <a:rPr lang="en-GB" sz="2400" b="0" i="1" spc="-1" smtClean="0">
+                                    <a:solidFill>
+                                      <a:srgbClr val="000000"/>
+                                    </a:solidFill>
+                                    <a:uFill>
+                                      <a:solidFill>
+                                        <a:srgbClr val="FFFFFF"/>
+                                      </a:solidFill>
+                                    </a:uFill>
+                                    <a:latin typeface="Cambria Math" panose="02040503050406030204" pitchFamily="18" charset="0"/>
+                                    <a:ea typeface="Cambria Math" panose="02040503050406030204" pitchFamily="18" charset="0"/>
+                                  </a:rPr>
+                                </m:ctrlPr>
+                              </m:sSubPr>
+                              <m:e>
+                                <m:r>
+                                  <a:rPr lang="en-GB" sz="2400" b="0" i="1" spc="-1" smtClean="0">
+                                    <a:solidFill>
+                                      <a:srgbClr val="000000"/>
+                                    </a:solidFill>
+                                    <a:uFill>
+                                      <a:solidFill>
+                                        <a:srgbClr val="FFFFFF"/>
+                                      </a:solidFill>
+                                    </a:uFill>
+                                    <a:latin typeface="Cambria Math" panose="02040503050406030204" pitchFamily="18" charset="0"/>
+                                    <a:ea typeface="Cambria Math" panose="02040503050406030204" pitchFamily="18" charset="0"/>
+                                  </a:rPr>
+                                  <m:t>𝑚</m:t>
+                                </m:r>
+                              </m:e>
+                              <m:sub>
+                                <m:r>
+                                  <a:rPr lang="en-GB" sz="2400" b="0" i="1" spc="-1" smtClean="0">
+                                    <a:solidFill>
+                                      <a:srgbClr val="000000"/>
+                                    </a:solidFill>
+                                    <a:uFill>
+                                      <a:solidFill>
+                                        <a:srgbClr val="FFFFFF"/>
+                                      </a:solidFill>
+                                    </a:uFill>
+                                    <a:latin typeface="Cambria Math" panose="02040503050406030204" pitchFamily="18" charset="0"/>
+                                    <a:ea typeface="Cambria Math" panose="02040503050406030204" pitchFamily="18" charset="0"/>
+                                  </a:rPr>
+                                  <m:t>𝑖</m:t>
+                                </m:r>
+                              </m:sub>
+                            </m:sSub>
+                          </m:e>
+                        </m:d>
+                        <m:r>
+                          <a:rPr lang="en-GB" sz="2400" b="0" i="1" spc="-1" smtClean="0">
+                            <a:solidFill>
+                              <a:srgbClr val="000000"/>
+                            </a:solidFill>
+                            <a:uFill>
+                              <a:solidFill>
+                                <a:srgbClr val="FFFFFF"/>
+                              </a:solidFill>
+                            </a:uFill>
+                            <a:latin typeface="Cambria Math" panose="02040503050406030204" pitchFamily="18" charset="0"/>
+                            <a:ea typeface="Cambria Math" panose="02040503050406030204" pitchFamily="18" charset="0"/>
+                          </a:rPr>
+                          <m:t>+</m:t>
+                        </m:r>
+                        <m:r>
+                          <a:rPr lang="en-GB" sz="2400" b="0" i="1" spc="-1" smtClean="0">
+                            <a:solidFill>
+                              <a:srgbClr val="000000"/>
+                            </a:solidFill>
+                            <a:uFill>
+                              <a:solidFill>
+                                <a:srgbClr val="FFFFFF"/>
+                              </a:solidFill>
+                            </a:uFill>
+                            <a:latin typeface="Cambria Math" panose="02040503050406030204" pitchFamily="18" charset="0"/>
+                            <a:ea typeface="Cambria Math" panose="02040503050406030204" pitchFamily="18" charset="0"/>
+                          </a:rPr>
+                          <m:t>𝛽</m:t>
+                        </m:r>
+                        <m:r>
+                          <a:rPr lang="en-GB" sz="2400" b="0" i="1" spc="-1" smtClean="0">
+                            <a:solidFill>
+                              <a:srgbClr val="000000"/>
+                            </a:solidFill>
+                            <a:uFill>
+                              <a:solidFill>
+                                <a:srgbClr val="FFFFFF"/>
+                              </a:solidFill>
+                            </a:uFill>
+                            <a:latin typeface="Cambria Math" panose="02040503050406030204" pitchFamily="18" charset="0"/>
+                            <a:ea typeface="Cambria Math" panose="02040503050406030204" pitchFamily="18" charset="0"/>
+                          </a:rPr>
+                          <m:t>∙</m:t>
+                        </m:r>
+                        <m:r>
+                          <a:rPr lang="en-GB" sz="2400" b="0" i="1" spc="-1" smtClean="0">
+                            <a:solidFill>
+                              <a:srgbClr val="000000"/>
+                            </a:solidFill>
+                            <a:uFill>
+                              <a:solidFill>
+                                <a:srgbClr val="FFFFFF"/>
+                              </a:solidFill>
+                            </a:uFill>
+                            <a:latin typeface="Cambria Math" panose="02040503050406030204" pitchFamily="18" charset="0"/>
+                            <a:ea typeface="Cambria Math" panose="02040503050406030204" pitchFamily="18" charset="0"/>
+                          </a:rPr>
+                          <m:t>𝐶𝑜𝑠𝑡</m:t>
+                        </m:r>
+                        <m:d>
+                          <m:dPr>
+                            <m:ctrlPr>
+                              <a:rPr lang="en-GB" sz="2400" b="0" i="1" spc="-1" smtClean="0">
+                                <a:solidFill>
+                                  <a:srgbClr val="000000"/>
+                                </a:solidFill>
+                                <a:uFill>
+                                  <a:solidFill>
+                                    <a:srgbClr val="FFFFFF"/>
+                                  </a:solidFill>
+                                </a:uFill>
+                                <a:latin typeface="Cambria Math" panose="02040503050406030204" pitchFamily="18" charset="0"/>
+                                <a:ea typeface="Cambria Math" panose="02040503050406030204" pitchFamily="18" charset="0"/>
+                              </a:rPr>
+                            </m:ctrlPr>
+                          </m:dPr>
+                          <m:e>
+                            <m:sSub>
+                              <m:sSubPr>
+                                <m:ctrlPr>
+                                  <a:rPr lang="en-GB" sz="2400" b="0" i="1" spc="-1" smtClean="0">
+                                    <a:solidFill>
+                                      <a:srgbClr val="000000"/>
+                                    </a:solidFill>
+                                    <a:uFill>
+                                      <a:solidFill>
+                                        <a:srgbClr val="FFFFFF"/>
+                                      </a:solidFill>
+                                    </a:uFill>
+                                    <a:latin typeface="Cambria Math" panose="02040503050406030204" pitchFamily="18" charset="0"/>
+                                    <a:ea typeface="Cambria Math" panose="02040503050406030204" pitchFamily="18" charset="0"/>
+                                  </a:rPr>
+                                </m:ctrlPr>
+                              </m:sSubPr>
+                              <m:e>
+                                <m:r>
+                                  <a:rPr lang="en-GB" sz="2400" b="0" i="1" spc="-1" smtClean="0">
+                                    <a:solidFill>
+                                      <a:srgbClr val="000000"/>
+                                    </a:solidFill>
+                                    <a:uFill>
+                                      <a:solidFill>
+                                        <a:srgbClr val="FFFFFF"/>
+                                      </a:solidFill>
+                                    </a:uFill>
+                                    <a:latin typeface="Cambria Math" panose="02040503050406030204" pitchFamily="18" charset="0"/>
+                                    <a:ea typeface="Cambria Math" panose="02040503050406030204" pitchFamily="18" charset="0"/>
+                                  </a:rPr>
+                                  <m:t>𝑚</m:t>
+                                </m:r>
+                              </m:e>
+                              <m:sub>
+                                <m:r>
+                                  <a:rPr lang="en-GB" sz="2400" b="0" i="1" spc="-1" smtClean="0">
+                                    <a:solidFill>
+                                      <a:srgbClr val="000000"/>
+                                    </a:solidFill>
+                                    <a:uFill>
+                                      <a:solidFill>
+                                        <a:srgbClr val="FFFFFF"/>
+                                      </a:solidFill>
+                                    </a:uFill>
+                                    <a:latin typeface="Cambria Math" panose="02040503050406030204" pitchFamily="18" charset="0"/>
+                                    <a:ea typeface="Cambria Math" panose="02040503050406030204" pitchFamily="18" charset="0"/>
+                                  </a:rPr>
+                                  <m:t>𝑖</m:t>
+                                </m:r>
+                              </m:sub>
+                            </m:sSub>
+                          </m:e>
+                        </m:d>
+                        <m:r>
+                          <a:rPr lang="en-GB" sz="2400" b="0" i="1" spc="-1" smtClean="0">
+                            <a:solidFill>
+                              <a:srgbClr val="000000"/>
+                            </a:solidFill>
+                            <a:uFill>
+                              <a:solidFill>
+                                <a:srgbClr val="FFFFFF"/>
+                              </a:solidFill>
+                            </a:uFill>
+                            <a:latin typeface="Cambria Math" panose="02040503050406030204" pitchFamily="18" charset="0"/>
+                            <a:ea typeface="Cambria Math" panose="02040503050406030204" pitchFamily="18" charset="0"/>
+                          </a:rPr>
+                          <m:t>]</m:t>
+                        </m:r>
+                      </m:e>
+                    </m:func>
+                  </m:oMath>
+                </a14:m>
+                <a:endParaRPr lang="en-GB" sz="2400" b="0" strike="noStrike" spc="-1" dirty="0">
+                  <a:solidFill>
+                    <a:srgbClr val="000000"/>
+                  </a:solidFill>
+                  <a:uFill>
+                    <a:solidFill>
+                      <a:srgbClr val="FFFFFF"/>
+                    </a:solidFill>
+                  </a:uFill>
+                  <a:latin typeface="Open Sans Semibold"/>
+                  <a:ea typeface="Open Sans Semibold"/>
+                </a:endParaRPr>
+              </a:p>
+            </p:txBody>
+          </p:sp>
+        </mc:Choice>
+        <mc:Fallback>
+          <p:sp>
+            <p:nvSpPr>
+              <p:cNvPr id="39" name="CustomShape 1"/>
+              <p:cNvSpPr>
+                <a:spLocks noRot="1" noChangeAspect="1" noMove="1" noResize="1" noEditPoints="1" noAdjustHandles="1" noChangeArrowheads="1" noChangeShapeType="1" noTextEdit="1"/>
+              </p:cNvSpPr>
+              <p:nvPr/>
+            </p:nvSpPr>
+            <p:spPr>
+              <a:xfrm>
+                <a:off x="972360" y="6629012"/>
+                <a:ext cx="9071280" cy="9285480"/>
+              </a:xfrm>
+              <a:prstGeom prst="rect">
+                <a:avLst/>
+              </a:prstGeom>
+              <a:blipFill>
+                <a:blip r:embed="rId2"/>
+                <a:stretch>
+                  <a:fillRect l="-1478" t="-853" r="-672"/>
+                </a:stretch>
+              </a:blipFill>
+              <a:ln>
+                <a:noFill/>
+              </a:ln>
+            </p:spPr>
+            <p:txBody>
+              <a:bodyPr/>
+              <a:lstStyle/>
+              <a:p>
+                <a:r>
+                  <a:rPr lang="en-IE">
+                    <a:noFill/>
+                  </a:rPr>
+                  <a:t> </a:t>
+                </a:r>
+              </a:p>
+            </p:txBody>
+          </p:sp>
+        </mc:Fallback>
+      </mc:AlternateContent>
+      <mc:AlternateContent xmlns:mc="http://schemas.openxmlformats.org/markup-compatibility/2006">
+        <mc:Choice xmlns:a14="http://schemas.microsoft.com/office/drawing/2010/main" Requires="a14">
+          <p:sp>
+            <p:nvSpPr>
+              <p:cNvPr id="40" name="CustomShape 2"/>
+              <p:cNvSpPr/>
+              <p:nvPr/>
+            </p:nvSpPr>
+            <p:spPr>
+              <a:xfrm>
+                <a:off x="986428" y="17732160"/>
+                <a:ext cx="9071280" cy="9285480"/>
+              </a:xfrm>
+              <a:prstGeom prst="rect">
+                <a:avLst/>
+              </a:prstGeom>
+              <a:noFill/>
+              <a:ln>
+                <a:noFill/>
+              </a:ln>
+            </p:spPr>
+            <p:style>
+              <a:lnRef idx="0">
+                <a:scrgbClr r="0" g="0" b="0"/>
+              </a:lnRef>
+              <a:fillRef idx="0">
+                <a:scrgbClr r="0" g="0" b="0"/>
+              </a:fillRef>
+              <a:effectRef idx="0">
+                <a:scrgbClr r="0" g="0" b="0"/>
+              </a:effectRef>
+              <a:fontRef idx="minor"/>
+            </p:style>
+            <p:txBody>
+              <a:bodyPr lIns="90000" tIns="45000" rIns="90000" bIns="45000"/>
+              <a:lstStyle/>
+              <a:p>
+                <a:pPr marL="378000" indent="-375120">
+                  <a:lnSpc>
+                    <a:spcPct val="100000"/>
+                  </a:lnSpc>
+                  <a:buClr>
+                    <a:srgbClr val="000000"/>
+                  </a:buClr>
+                  <a:buFont typeface="Wingdings" charset="2"/>
+                  <a:buChar char=""/>
+                </a:pPr>
+                <a:r>
+                  <a:rPr lang="en-GB" sz="3200" b="0" strike="noStrike" spc="-1" dirty="0">
+                    <a:solidFill>
+                      <a:srgbClr val="000000"/>
+                    </a:solidFill>
+                    <a:uFill>
+                      <a:solidFill>
+                        <a:srgbClr val="FFFFFF"/>
+                      </a:solidFill>
+                    </a:uFill>
+                    <a:latin typeface="Open Sans Semibold"/>
+                    <a:ea typeface="Open Sans Semibold"/>
+                  </a:rPr>
+                  <a:t> Goals</a:t>
+                </a:r>
+                <a:endParaRPr lang="en-GB" sz="1800" b="0" strike="noStrike" spc="-1" dirty="0">
+                  <a:solidFill>
+                    <a:srgbClr val="000000"/>
+                  </a:solidFill>
+                  <a:uFill>
+                    <a:solidFill>
+                      <a:srgbClr val="FFFFFF"/>
+                    </a:solidFill>
+                  </a:uFill>
+                  <a:latin typeface="Arial"/>
+                </a:endParaRPr>
+              </a:p>
+              <a:p>
+                <a:pPr marL="2880">
+                  <a:lnSpc>
+                    <a:spcPct val="100000"/>
+                  </a:lnSpc>
+                  <a:buClr>
+                    <a:srgbClr val="000000"/>
+                  </a:buClr>
+                </a:pPr>
+                <a:endParaRPr lang="en-GB" sz="2400" b="0" strike="noStrike" spc="-1" dirty="0">
+                  <a:solidFill>
+                    <a:srgbClr val="000000"/>
+                  </a:solidFill>
+                  <a:uFill>
+                    <a:solidFill>
+                      <a:srgbClr val="FFFFFF"/>
+                    </a:solidFill>
+                  </a:uFill>
+                  <a:latin typeface="Open Sans Semibold"/>
+                  <a:ea typeface="Open Sans Semibold"/>
+                </a:endParaRPr>
+              </a:p>
+              <a:p>
+                <a:pPr marL="345780" indent="-342900">
+                  <a:lnSpc>
+                    <a:spcPct val="100000"/>
+                  </a:lnSpc>
+                  <a:buClr>
+                    <a:srgbClr val="000000"/>
+                  </a:buClr>
+                  <a:buFont typeface="Arial" panose="020B0604020202020204" pitchFamily="34" charset="0"/>
+                  <a:buChar char="•"/>
+                </a:pPr>
+                <a:r>
+                  <a:rPr lang="en-GB" sz="2400" b="1" spc="-1" dirty="0">
+                    <a:solidFill>
+                      <a:srgbClr val="000000"/>
+                    </a:solidFill>
+                    <a:uFill>
+                      <a:solidFill>
+                        <a:srgbClr val="FFFFFF"/>
+                      </a:solidFill>
+                    </a:uFill>
+                    <a:latin typeface="Open Sans Semibold"/>
+                    <a:ea typeface="Open Sans Semibold"/>
+                  </a:rPr>
+                  <a:t>Inverse inference:</a:t>
+                </a:r>
+                <a:br>
+                  <a:rPr lang="en-GB" sz="2400" b="1" spc="-1" dirty="0">
+                    <a:solidFill>
+                      <a:srgbClr val="000000"/>
+                    </a:solidFill>
+                    <a:uFill>
+                      <a:solidFill>
+                        <a:srgbClr val="FFFFFF"/>
+                      </a:solidFill>
+                    </a:uFill>
+                    <a:latin typeface="Open Sans Semibold"/>
+                    <a:ea typeface="Open Sans Semibold"/>
+                  </a:rPr>
+                </a:br>
+                <a:endParaRPr lang="en-GB" sz="2400" b="1" spc="-1" dirty="0">
+                  <a:solidFill>
+                    <a:srgbClr val="000000"/>
+                  </a:solidFill>
+                  <a:uFill>
+                    <a:solidFill>
+                      <a:srgbClr val="FFFFFF"/>
+                    </a:solidFill>
+                  </a:uFill>
+                  <a:latin typeface="Open Sans Semibold"/>
+                  <a:ea typeface="Open Sans Semibold"/>
+                </a:endParaRPr>
+              </a:p>
+              <a:p>
+                <a:pPr marL="2880" algn="ctr">
+                  <a:lnSpc>
+                    <a:spcPct val="100000"/>
+                  </a:lnSpc>
+                  <a:buClr>
+                    <a:srgbClr val="000000"/>
+                  </a:buClr>
+                </a:pPr>
+                <a:r>
+                  <a:rPr lang="en-GB" sz="2400" spc="-1" dirty="0">
+                    <a:solidFill>
+                      <a:srgbClr val="000000"/>
+                    </a:solidFill>
+                    <a:uFill>
+                      <a:solidFill>
+                        <a:srgbClr val="FFFFFF"/>
+                      </a:solidFill>
+                    </a:uFill>
+                    <a:latin typeface="Open Sans Semibold"/>
+                    <a:ea typeface="Open Sans Semibold"/>
+                  </a:rPr>
+                  <a:t>Forward: </a:t>
+                </a:r>
+                <a14:m>
+                  <m:oMath xmlns:m="http://schemas.openxmlformats.org/officeDocument/2006/math">
+                    <m:r>
+                      <a:rPr lang="en-GB" sz="2400" b="0" i="1" spc="-1" smtClean="0">
+                        <a:solidFill>
+                          <a:srgbClr val="000000"/>
+                        </a:solidFill>
+                        <a:uFill>
+                          <a:solidFill>
+                            <a:srgbClr val="FFFFFF"/>
+                          </a:solidFill>
+                        </a:uFill>
+                        <a:latin typeface="Cambria Math" panose="02040503050406030204" pitchFamily="18" charset="0"/>
+                        <a:ea typeface="Open Sans Semibold"/>
+                      </a:rPr>
+                      <m:t>𝑦</m:t>
+                    </m:r>
+                    <m:r>
+                      <a:rPr lang="en-GB" sz="2400" b="0" i="1" spc="-1" smtClean="0">
+                        <a:solidFill>
+                          <a:srgbClr val="000000"/>
+                        </a:solidFill>
+                        <a:uFill>
+                          <a:solidFill>
+                            <a:srgbClr val="FFFFFF"/>
+                          </a:solidFill>
+                        </a:uFill>
+                        <a:latin typeface="Cambria Math" panose="02040503050406030204" pitchFamily="18" charset="0"/>
+                        <a:ea typeface="Open Sans Semibold"/>
+                      </a:rPr>
+                      <m:t>=</m:t>
+                    </m:r>
+                    <m:r>
+                      <a:rPr lang="en-GB" sz="2400" b="0" i="1" spc="-1" smtClean="0">
+                        <a:solidFill>
+                          <a:srgbClr val="000000"/>
+                        </a:solidFill>
+                        <a:uFill>
+                          <a:solidFill>
+                            <a:srgbClr val="FFFFFF"/>
+                          </a:solidFill>
+                        </a:uFill>
+                        <a:latin typeface="Cambria Math" panose="02040503050406030204" pitchFamily="18" charset="0"/>
+                        <a:ea typeface="Open Sans Semibold"/>
+                      </a:rPr>
+                      <m:t>𝑔</m:t>
+                    </m:r>
+                    <m:d>
+                      <m:dPr>
+                        <m:ctrlPr>
+                          <a:rPr lang="en-GB" sz="2400" i="1" spc="-1" smtClean="0">
+                            <a:solidFill>
+                              <a:srgbClr val="000000"/>
+                            </a:solidFill>
+                            <a:uFill>
+                              <a:solidFill>
+                                <a:srgbClr val="FFFFFF"/>
+                              </a:solidFill>
+                            </a:uFill>
+                            <a:latin typeface="Cambria Math" panose="02040503050406030204" pitchFamily="18" charset="0"/>
+                            <a:ea typeface="Open Sans Semibold"/>
+                          </a:rPr>
+                        </m:ctrlPr>
+                      </m:dPr>
+                      <m:e>
+                        <m:r>
+                          <a:rPr lang="en-GB" sz="2400" b="0" i="1" spc="-1" smtClean="0">
+                            <a:solidFill>
+                              <a:srgbClr val="000000"/>
+                            </a:solidFill>
+                            <a:uFill>
+                              <a:solidFill>
+                                <a:srgbClr val="FFFFFF"/>
+                              </a:solidFill>
+                            </a:uFill>
+                            <a:latin typeface="Cambria Math" panose="02040503050406030204" pitchFamily="18" charset="0"/>
+                            <a:ea typeface="Open Sans Semibold"/>
+                          </a:rPr>
+                          <m:t>𝑥</m:t>
+                        </m:r>
+                      </m:e>
+                    </m:d>
+                  </m:oMath>
+                </a14:m>
+                <a:br>
+                  <a:rPr lang="en-GB" sz="2400" b="1" spc="-1" dirty="0">
+                    <a:solidFill>
+                      <a:srgbClr val="000000"/>
+                    </a:solidFill>
+                    <a:uFill>
+                      <a:solidFill>
+                        <a:srgbClr val="FFFFFF"/>
+                      </a:solidFill>
+                    </a:uFill>
+                    <a:latin typeface="Open Sans Semibold"/>
+                    <a:ea typeface="Open Sans Semibold"/>
+                  </a:rPr>
+                </a:br>
+                <a:endParaRPr lang="en-GB" sz="800" b="1" spc="-1" dirty="0">
+                  <a:solidFill>
+                    <a:srgbClr val="000000"/>
+                  </a:solidFill>
+                  <a:uFill>
+                    <a:solidFill>
+                      <a:srgbClr val="FFFFFF"/>
+                    </a:solidFill>
+                  </a:uFill>
+                  <a:latin typeface="Open Sans Semibold"/>
+                  <a:ea typeface="Open Sans Semibold"/>
+                </a:endParaRPr>
+              </a:p>
+              <a:p>
+                <a:pPr marL="2880" algn="ctr">
+                  <a:lnSpc>
+                    <a:spcPct val="100000"/>
+                  </a:lnSpc>
+                  <a:buClr>
+                    <a:srgbClr val="000000"/>
+                  </a:buClr>
+                </a:pPr>
+                <a:r>
+                  <a:rPr lang="en-GB" sz="2400" spc="-1" dirty="0">
+                    <a:solidFill>
+                      <a:srgbClr val="000000"/>
+                    </a:solidFill>
+                    <a:uFill>
+                      <a:solidFill>
+                        <a:srgbClr val="FFFFFF"/>
+                      </a:solidFill>
+                    </a:uFill>
+                    <a:latin typeface="Open Sans Semibold"/>
+                    <a:ea typeface="Open Sans Semibold"/>
+                  </a:rPr>
+                  <a:t>Inverse: </a:t>
+                </a:r>
+                <a14:m>
+                  <m:oMath xmlns:m="http://schemas.openxmlformats.org/officeDocument/2006/math">
+                    <m:r>
+                      <a:rPr lang="en-GB" sz="2400" b="0" i="1" spc="-1" smtClean="0">
+                        <a:solidFill>
+                          <a:srgbClr val="000000"/>
+                        </a:solidFill>
+                        <a:uFill>
+                          <a:solidFill>
+                            <a:srgbClr val="FFFFFF"/>
+                          </a:solidFill>
+                        </a:uFill>
+                        <a:latin typeface="Cambria Math" panose="02040503050406030204" pitchFamily="18" charset="0"/>
+                        <a:ea typeface="Open Sans Semibold"/>
+                      </a:rPr>
+                      <m:t>𝑥</m:t>
+                    </m:r>
+                    <m:r>
+                      <a:rPr lang="en-GB" sz="2400" b="0" i="1" spc="-1" smtClean="0">
+                        <a:solidFill>
+                          <a:srgbClr val="000000"/>
+                        </a:solidFill>
+                        <a:uFill>
+                          <a:solidFill>
+                            <a:srgbClr val="FFFFFF"/>
+                          </a:solidFill>
+                        </a:uFill>
+                        <a:latin typeface="Cambria Math" panose="02040503050406030204" pitchFamily="18" charset="0"/>
+                        <a:ea typeface="Open Sans Semibold"/>
+                      </a:rPr>
+                      <m:t>=</m:t>
+                    </m:r>
+                    <m:sSup>
+                      <m:sSupPr>
+                        <m:ctrlPr>
+                          <a:rPr lang="en-GB" sz="2400" b="0" i="1" spc="-1" smtClean="0">
+                            <a:solidFill>
+                              <a:srgbClr val="000000"/>
+                            </a:solidFill>
+                            <a:uFill>
+                              <a:solidFill>
+                                <a:srgbClr val="FFFFFF"/>
+                              </a:solidFill>
+                            </a:uFill>
+                            <a:latin typeface="Cambria Math" panose="02040503050406030204" pitchFamily="18" charset="0"/>
+                          </a:rPr>
+                        </m:ctrlPr>
+                      </m:sSupPr>
+                      <m:e>
+                        <m:r>
+                          <a:rPr lang="en-GB" sz="2400" b="0" i="1" spc="-1" smtClean="0">
+                            <a:solidFill>
+                              <a:srgbClr val="000000"/>
+                            </a:solidFill>
+                            <a:uFill>
+                              <a:solidFill>
+                                <a:srgbClr val="FFFFFF"/>
+                              </a:solidFill>
+                            </a:uFill>
+                            <a:latin typeface="Cambria Math" panose="02040503050406030204" pitchFamily="18" charset="0"/>
+                          </a:rPr>
+                          <m:t>𝑔</m:t>
+                        </m:r>
+                      </m:e>
+                      <m:sup>
+                        <m:r>
+                          <a:rPr lang="en-GB" sz="2400" b="0" i="1" spc="-1" smtClean="0">
+                            <a:solidFill>
+                              <a:srgbClr val="000000"/>
+                            </a:solidFill>
+                            <a:uFill>
+                              <a:solidFill>
+                                <a:srgbClr val="FFFFFF"/>
+                              </a:solidFill>
+                            </a:uFill>
+                            <a:latin typeface="Cambria Math" panose="02040503050406030204" pitchFamily="18" charset="0"/>
+                          </a:rPr>
+                          <m:t>−1</m:t>
+                        </m:r>
+                      </m:sup>
+                    </m:sSup>
+                    <m:r>
+                      <a:rPr lang="en-GB" sz="2400" b="0" i="1" spc="-1" smtClean="0">
+                        <a:solidFill>
+                          <a:srgbClr val="000000"/>
+                        </a:solidFill>
+                        <a:uFill>
+                          <a:solidFill>
+                            <a:srgbClr val="FFFFFF"/>
+                          </a:solidFill>
+                        </a:uFill>
+                        <a:latin typeface="Cambria Math" panose="02040503050406030204" pitchFamily="18" charset="0"/>
+                        <a:ea typeface="Open Sans Semibold"/>
+                      </a:rPr>
+                      <m:t>(</m:t>
+                    </m:r>
+                    <m:r>
+                      <a:rPr lang="en-GB" sz="2400" b="0" i="1" spc="-1" smtClean="0">
+                        <a:solidFill>
+                          <a:srgbClr val="000000"/>
+                        </a:solidFill>
+                        <a:uFill>
+                          <a:solidFill>
+                            <a:srgbClr val="FFFFFF"/>
+                          </a:solidFill>
+                        </a:uFill>
+                        <a:latin typeface="Cambria Math" panose="02040503050406030204" pitchFamily="18" charset="0"/>
+                        <a:ea typeface="Open Sans Semibold"/>
+                      </a:rPr>
+                      <m:t>𝑦</m:t>
+                    </m:r>
+                    <m:r>
+                      <a:rPr lang="en-GB" sz="2400" b="0" i="1" spc="-1" smtClean="0">
+                        <a:solidFill>
+                          <a:srgbClr val="000000"/>
+                        </a:solidFill>
+                        <a:uFill>
+                          <a:solidFill>
+                            <a:srgbClr val="FFFFFF"/>
+                          </a:solidFill>
+                        </a:uFill>
+                        <a:latin typeface="Cambria Math" panose="02040503050406030204" pitchFamily="18" charset="0"/>
+                        <a:ea typeface="Open Sans Semibold"/>
+                      </a:rPr>
+                      <m:t>)</m:t>
+                    </m:r>
+                  </m:oMath>
+                </a14:m>
+                <a:r>
+                  <a:rPr lang="en-GB" sz="2400" strike="noStrike" spc="-1" dirty="0">
+                    <a:solidFill>
+                      <a:srgbClr val="000000"/>
+                    </a:solidFill>
+                    <a:uFill>
+                      <a:solidFill>
+                        <a:srgbClr val="FFFFFF"/>
+                      </a:solidFill>
+                    </a:uFill>
+                    <a:latin typeface="Open Sans Semibold"/>
+                    <a:ea typeface="Open Sans Semibold"/>
+                  </a:rPr>
+                  <a:t> </a:t>
+                </a:r>
+              </a:p>
+              <a:p>
+                <a:pPr marL="2880" algn="ctr">
+                  <a:lnSpc>
+                    <a:spcPct val="100000"/>
+                  </a:lnSpc>
+                  <a:buClr>
+                    <a:srgbClr val="000000"/>
+                  </a:buClr>
+                </a:pPr>
+                <a:endParaRPr lang="en-GB" sz="1600" strike="noStrike" spc="-1" dirty="0">
+                  <a:solidFill>
+                    <a:srgbClr val="000000"/>
+                  </a:solidFill>
+                  <a:uFill>
+                    <a:solidFill>
+                      <a:srgbClr val="FFFFFF"/>
+                    </a:solidFill>
+                  </a:uFill>
+                  <a:latin typeface="Open Sans Semibold"/>
+                  <a:ea typeface="Open Sans Semibold"/>
+                </a:endParaRPr>
+              </a:p>
+              <a:p>
+                <a:pPr marL="460080" lvl="1">
+                  <a:buClr>
+                    <a:srgbClr val="000000"/>
+                  </a:buClr>
+                </a:pPr>
+                <a:r>
+                  <a:rPr lang="en-GB" sz="2400" b="0" spc="-1" dirty="0">
+                    <a:solidFill>
+                      <a:srgbClr val="000000"/>
+                    </a:solidFill>
+                    <a:uFill>
+                      <a:solidFill>
+                        <a:srgbClr val="FFFFFF"/>
+                      </a:solidFill>
+                    </a:uFill>
+                    <a:latin typeface="Open Sans Semibold"/>
+                  </a:rPr>
+                  <a:t>The inverse inference is difficult also when </a:t>
+                </a:r>
+                <a:r>
+                  <a:rPr lang="en-GB" sz="2400" b="0" i="1" spc="-1" dirty="0">
+                    <a:solidFill>
+                      <a:srgbClr val="000000"/>
+                    </a:solidFill>
+                    <a:uFill>
+                      <a:solidFill>
+                        <a:srgbClr val="FFFFFF"/>
+                      </a:solidFill>
+                    </a:uFill>
+                    <a:latin typeface="Open Sans Semibold"/>
+                  </a:rPr>
+                  <a:t>g</a:t>
+                </a:r>
+                <a:r>
+                  <a:rPr lang="en-GB" sz="2400" b="0" spc="-1" dirty="0">
+                    <a:solidFill>
+                      <a:srgbClr val="000000"/>
+                    </a:solidFill>
+                    <a:uFill>
+                      <a:solidFill>
+                        <a:srgbClr val="FFFFFF"/>
+                      </a:solidFill>
+                    </a:uFill>
+                    <a:latin typeface="Open Sans Semibold"/>
+                  </a:rPr>
+                  <a:t> is linear.</a:t>
+                </a:r>
+                <a:br>
+                  <a:rPr lang="en-GB" sz="2400" b="0" spc="-1" dirty="0">
+                    <a:solidFill>
+                      <a:srgbClr val="000000"/>
+                    </a:solidFill>
+                    <a:uFill>
+                      <a:solidFill>
+                        <a:srgbClr val="FFFFFF"/>
+                      </a:solidFill>
+                    </a:uFill>
+                    <a:latin typeface="Open Sans Semibold"/>
+                  </a:rPr>
+                </a:br>
+                <a:r>
+                  <a:rPr lang="en-GB" sz="2400" b="0" spc="-1" dirty="0">
+                    <a:solidFill>
+                      <a:srgbClr val="000000"/>
+                    </a:solidFill>
+                    <a:uFill>
+                      <a:solidFill>
+                        <a:srgbClr val="FFFFFF"/>
+                      </a:solidFill>
+                    </a:uFill>
+                    <a:latin typeface="Open Sans Semibold"/>
+                  </a:rPr>
+                  <a:t>In our problem </a:t>
+                </a:r>
+                <a:r>
+                  <a:rPr lang="en-GB" sz="2400" b="0" i="1" spc="-1" dirty="0">
+                    <a:solidFill>
+                      <a:srgbClr val="000000"/>
+                    </a:solidFill>
+                    <a:uFill>
+                      <a:solidFill>
+                        <a:srgbClr val="FFFFFF"/>
+                      </a:solidFill>
+                    </a:uFill>
+                    <a:latin typeface="Open Sans Semibold"/>
+                  </a:rPr>
+                  <a:t>g</a:t>
+                </a:r>
+                <a:r>
+                  <a:rPr lang="en-GB" sz="2400" spc="-1" dirty="0">
+                    <a:solidFill>
+                      <a:srgbClr val="000000"/>
+                    </a:solidFill>
+                    <a:uFill>
+                      <a:solidFill>
+                        <a:srgbClr val="FFFFFF"/>
+                      </a:solidFill>
+                    </a:uFill>
+                    <a:latin typeface="Open Sans Semibold"/>
+                  </a:rPr>
+                  <a:t> is most of the time non-linear, increasing even more the inverse inference complexity.</a:t>
+                </a:r>
+              </a:p>
+              <a:p>
+                <a:pPr marL="460080" lvl="1">
+                  <a:buClr>
+                    <a:srgbClr val="000000"/>
+                  </a:buClr>
+                </a:pPr>
+                <a:endParaRPr lang="en-GB" sz="2400" spc="-1" dirty="0">
+                  <a:solidFill>
+                    <a:srgbClr val="000000"/>
+                  </a:solidFill>
+                  <a:uFill>
+                    <a:solidFill>
+                      <a:srgbClr val="FFFFFF"/>
+                    </a:solidFill>
+                  </a:uFill>
+                  <a:latin typeface="Open Sans Semibold"/>
+                </a:endParaRPr>
+              </a:p>
+              <a:p>
+                <a:pPr marL="345780" indent="-342900">
+                  <a:buClr>
+                    <a:srgbClr val="000000"/>
+                  </a:buClr>
+                  <a:buFont typeface="Arial" panose="020B0604020202020204" pitchFamily="34" charset="0"/>
+                  <a:buChar char="•"/>
+                </a:pPr>
+                <a:r>
+                  <a:rPr lang="en-GB" sz="2400" b="1" spc="-1" dirty="0">
+                    <a:solidFill>
+                      <a:srgbClr val="000000"/>
+                    </a:solidFill>
+                    <a:uFill>
+                      <a:solidFill>
+                        <a:srgbClr val="FFFFFF"/>
+                      </a:solidFill>
+                    </a:uFill>
+                    <a:latin typeface="Open Sans Semibold"/>
+                  </a:rPr>
+                  <a:t>Multi active modes:</a:t>
+                </a:r>
+                <a:br>
+                  <a:rPr lang="en-GB" sz="2400" b="1" spc="-1" dirty="0">
+                    <a:solidFill>
+                      <a:srgbClr val="000000"/>
+                    </a:solidFill>
+                    <a:uFill>
+                      <a:solidFill>
+                        <a:srgbClr val="FFFFFF"/>
+                      </a:solidFill>
+                    </a:uFill>
+                    <a:latin typeface="Open Sans Semibold"/>
+                  </a:rPr>
+                </a:br>
+                <a:r>
+                  <a:rPr lang="en-GB" sz="2400" spc="-1" dirty="0">
+                    <a:solidFill>
+                      <a:srgbClr val="000000"/>
+                    </a:solidFill>
+                    <a:uFill>
+                      <a:solidFill>
+                        <a:srgbClr val="FFFFFF"/>
+                      </a:solidFill>
+                    </a:uFill>
+                    <a:latin typeface="Open Sans Semibold"/>
+                  </a:rPr>
+                  <a:t>Extending the forward simulation to include different modes at the same time.</a:t>
+                </a:r>
+              </a:p>
+              <a:p>
+                <a:pPr marL="345780" indent="-342900">
+                  <a:buClr>
+                    <a:srgbClr val="000000"/>
+                  </a:buClr>
+                  <a:buFont typeface="Arial" panose="020B0604020202020204" pitchFamily="34" charset="0"/>
+                  <a:buChar char="•"/>
+                </a:pPr>
+                <a:endParaRPr lang="en-GB" sz="2400" b="1" spc="-1" dirty="0">
+                  <a:solidFill>
+                    <a:srgbClr val="000000"/>
+                  </a:solidFill>
+                  <a:uFill>
+                    <a:solidFill>
+                      <a:srgbClr val="FFFFFF"/>
+                    </a:solidFill>
+                  </a:uFill>
+                  <a:latin typeface="Open Sans Semibold"/>
+                </a:endParaRPr>
+              </a:p>
+              <a:p>
+                <a:pPr marL="460080" lvl="1">
+                  <a:buClr>
+                    <a:srgbClr val="000000"/>
+                  </a:buClr>
+                </a:pPr>
+                <a14:m>
+                  <m:oMathPara xmlns:m="http://schemas.openxmlformats.org/officeDocument/2006/math">
+                    <m:oMathParaPr>
+                      <m:jc m:val="centerGroup"/>
+                    </m:oMathParaPr>
+                    <m:oMath xmlns:m="http://schemas.openxmlformats.org/officeDocument/2006/math">
+                      <m:d>
+                        <m:dPr>
+                          <m:begChr m:val=""/>
+                          <m:endChr m:val="}"/>
+                          <m:ctrlPr>
+                            <a:rPr lang="en-GB" sz="2400" i="1" spc="-1" smtClean="0">
+                              <a:solidFill>
+                                <a:srgbClr val="000000"/>
+                              </a:solidFill>
+                              <a:uFill>
+                                <a:solidFill>
+                                  <a:srgbClr val="FFFFFF"/>
+                                </a:solidFill>
+                              </a:uFill>
+                              <a:latin typeface="Cambria Math" panose="02040503050406030204" pitchFamily="18" charset="0"/>
+                            </a:rPr>
+                          </m:ctrlPr>
+                        </m:dPr>
+                        <m:e>
+                          <m:eqArr>
+                            <m:eqArrPr>
+                              <m:ctrlPr>
+                                <a:rPr lang="en-GB" sz="2400" i="1" spc="-1" smtClean="0">
+                                  <a:solidFill>
+                                    <a:srgbClr val="000000"/>
+                                  </a:solidFill>
+                                  <a:uFill>
+                                    <a:solidFill>
+                                      <a:srgbClr val="FFFFFF"/>
+                                    </a:solidFill>
+                                  </a:uFill>
+                                  <a:latin typeface="Cambria Math" panose="02040503050406030204" pitchFamily="18" charset="0"/>
+                                </a:rPr>
+                              </m:ctrlPr>
+                            </m:eqArrPr>
+                            <m:e>
+                              <m:sSub>
+                                <m:sSubPr>
+                                  <m:ctrlPr>
+                                    <a:rPr lang="en-GB" sz="2400" b="0" i="1" spc="-1" smtClean="0">
+                                      <a:solidFill>
+                                        <a:srgbClr val="000000"/>
+                                      </a:solidFill>
+                                      <a:uFill>
+                                        <a:solidFill>
+                                          <a:srgbClr val="FFFFFF"/>
+                                        </a:solidFill>
+                                      </a:uFill>
+                                      <a:latin typeface="Cambria Math" panose="02040503050406030204" pitchFamily="18" charset="0"/>
+                                    </a:rPr>
+                                  </m:ctrlPr>
+                                </m:sSubPr>
+                                <m:e>
+                                  <m:r>
+                                    <a:rPr lang="en-GB" sz="2400" b="0" i="1" spc="-1" smtClean="0">
+                                      <a:solidFill>
+                                        <a:srgbClr val="000000"/>
+                                      </a:solidFill>
+                                      <a:uFill>
+                                        <a:solidFill>
+                                          <a:srgbClr val="FFFFFF"/>
+                                        </a:solidFill>
+                                      </a:uFill>
+                                      <a:latin typeface="Cambria Math" panose="02040503050406030204" pitchFamily="18" charset="0"/>
+                                    </a:rPr>
+                                    <m:t>𝑦</m:t>
+                                  </m:r>
+                                </m:e>
+                                <m:sub>
+                                  <m:sSub>
+                                    <m:sSubPr>
+                                      <m:ctrlPr>
+                                        <a:rPr lang="en-GB" sz="2400" b="0" i="1" spc="-1" smtClean="0">
+                                          <a:solidFill>
+                                            <a:srgbClr val="000000"/>
+                                          </a:solidFill>
+                                          <a:uFill>
+                                            <a:solidFill>
+                                              <a:srgbClr val="FFFFFF"/>
+                                            </a:solidFill>
+                                          </a:uFill>
+                                          <a:latin typeface="Cambria Math" panose="02040503050406030204" pitchFamily="18" charset="0"/>
+                                        </a:rPr>
+                                      </m:ctrlPr>
+                                    </m:sSubPr>
+                                    <m:e>
+                                      <m:r>
+                                        <a:rPr lang="en-GB" sz="2400" b="0" i="1" spc="-1" smtClean="0">
+                                          <a:solidFill>
+                                            <a:srgbClr val="000000"/>
+                                          </a:solidFill>
+                                          <a:uFill>
+                                            <a:solidFill>
+                                              <a:srgbClr val="FFFFFF"/>
+                                            </a:solidFill>
+                                          </a:uFill>
+                                          <a:latin typeface="Cambria Math" panose="02040503050406030204" pitchFamily="18" charset="0"/>
+                                        </a:rPr>
+                                        <m:t>𝑚</m:t>
+                                      </m:r>
+                                    </m:e>
+                                    <m:sub>
+                                      <m:r>
+                                        <a:rPr lang="en-GB" sz="2400" b="0" i="1" spc="-1" smtClean="0">
+                                          <a:solidFill>
+                                            <a:srgbClr val="000000"/>
+                                          </a:solidFill>
+                                          <a:uFill>
+                                            <a:solidFill>
+                                              <a:srgbClr val="FFFFFF"/>
+                                            </a:solidFill>
+                                          </a:uFill>
+                                          <a:latin typeface="Cambria Math" panose="02040503050406030204" pitchFamily="18" charset="0"/>
+                                        </a:rPr>
+                                        <m:t>1</m:t>
+                                      </m:r>
+                                    </m:sub>
+                                  </m:sSub>
+                                </m:sub>
+                              </m:sSub>
+                              <m:r>
+                                <a:rPr lang="en-GB" sz="2400" b="0" i="1" spc="-1" smtClean="0">
+                                  <a:solidFill>
+                                    <a:srgbClr val="000000"/>
+                                  </a:solidFill>
+                                  <a:uFill>
+                                    <a:solidFill>
+                                      <a:srgbClr val="FFFFFF"/>
+                                    </a:solidFill>
+                                  </a:uFill>
+                                  <a:latin typeface="Cambria Math" panose="02040503050406030204" pitchFamily="18" charset="0"/>
+                                </a:rPr>
+                                <m:t>=</m:t>
+                              </m:r>
+                              <m:sSub>
+                                <m:sSubPr>
+                                  <m:ctrlPr>
+                                    <a:rPr lang="en-GB" sz="2400" b="0" i="1" spc="-1" smtClean="0">
+                                      <a:solidFill>
+                                        <a:srgbClr val="000000"/>
+                                      </a:solidFill>
+                                      <a:uFill>
+                                        <a:solidFill>
+                                          <a:srgbClr val="FFFFFF"/>
+                                        </a:solidFill>
+                                      </a:uFill>
+                                      <a:latin typeface="Cambria Math" panose="02040503050406030204" pitchFamily="18" charset="0"/>
+                                    </a:rPr>
+                                  </m:ctrlPr>
+                                </m:sSubPr>
+                                <m:e>
+                                  <m:r>
+                                    <a:rPr lang="en-GB" sz="2400" b="0" i="1" spc="-1" smtClean="0">
+                                      <a:solidFill>
+                                        <a:srgbClr val="000000"/>
+                                      </a:solidFill>
+                                      <a:uFill>
+                                        <a:solidFill>
+                                          <a:srgbClr val="FFFFFF"/>
+                                        </a:solidFill>
+                                      </a:uFill>
+                                      <a:latin typeface="Cambria Math" panose="02040503050406030204" pitchFamily="18" charset="0"/>
+                                    </a:rPr>
+                                    <m:t>𝑔</m:t>
+                                  </m:r>
+                                </m:e>
+                                <m:sub>
+                                  <m:r>
+                                    <a:rPr lang="en-GB" sz="2400" b="0" i="1" spc="-1" smtClean="0">
+                                      <a:solidFill>
+                                        <a:srgbClr val="000000"/>
+                                      </a:solidFill>
+                                      <a:uFill>
+                                        <a:solidFill>
+                                          <a:srgbClr val="FFFFFF"/>
+                                        </a:solidFill>
+                                      </a:uFill>
+                                      <a:latin typeface="Cambria Math" panose="02040503050406030204" pitchFamily="18" charset="0"/>
+                                    </a:rPr>
+                                    <m:t>1</m:t>
+                                  </m:r>
+                                </m:sub>
+                              </m:sSub>
+                              <m:r>
+                                <a:rPr lang="en-GB" sz="2400" b="0" i="1" spc="-1" smtClean="0">
+                                  <a:solidFill>
+                                    <a:srgbClr val="000000"/>
+                                  </a:solidFill>
+                                  <a:uFill>
+                                    <a:solidFill>
+                                      <a:srgbClr val="FFFFFF"/>
+                                    </a:solidFill>
+                                  </a:uFill>
+                                  <a:latin typeface="Cambria Math" panose="02040503050406030204" pitchFamily="18" charset="0"/>
+                                </a:rPr>
+                                <m:t>(</m:t>
+                              </m:r>
+                              <m:r>
+                                <a:rPr lang="en-GB" sz="2400" b="0" i="1" spc="-1" smtClean="0">
+                                  <a:solidFill>
+                                    <a:srgbClr val="000000"/>
+                                  </a:solidFill>
+                                  <a:uFill>
+                                    <a:solidFill>
+                                      <a:srgbClr val="FFFFFF"/>
+                                    </a:solidFill>
+                                  </a:uFill>
+                                  <a:latin typeface="Cambria Math" panose="02040503050406030204" pitchFamily="18" charset="0"/>
+                                </a:rPr>
+                                <m:t>𝑥</m:t>
+                              </m:r>
+                              <m:r>
+                                <a:rPr lang="en-GB" sz="2400" b="0" i="1" spc="-1" smtClean="0">
+                                  <a:solidFill>
+                                    <a:srgbClr val="000000"/>
+                                  </a:solidFill>
+                                  <a:uFill>
+                                    <a:solidFill>
+                                      <a:srgbClr val="FFFFFF"/>
+                                    </a:solidFill>
+                                  </a:uFill>
+                                  <a:latin typeface="Cambria Math" panose="02040503050406030204" pitchFamily="18" charset="0"/>
+                                </a:rPr>
+                                <m:t>)</m:t>
+                              </m:r>
+                            </m:e>
+                            <m:e>
+                              <m:r>
+                                <a:rPr lang="en-IE" sz="2400" i="1" smtClean="0">
+                                  <a:latin typeface="Cambria Math" panose="02040503050406030204" pitchFamily="18" charset="0"/>
+                                  <a:ea typeface="Cambria Math" panose="02040503050406030204" pitchFamily="18" charset="0"/>
+                                </a:rPr>
+                                <m:t>⋮</m:t>
+                              </m:r>
+                            </m:e>
+                            <m:e>
+                              <m:sSub>
+                                <m:sSubPr>
+                                  <m:ctrlPr>
+                                    <a:rPr lang="en-IE" sz="2400" i="1" smtClean="0">
+                                      <a:latin typeface="Cambria Math" panose="02040503050406030204" pitchFamily="18" charset="0"/>
+                                    </a:rPr>
+                                  </m:ctrlPr>
+                                </m:sSubPr>
+                                <m:e>
+                                  <m:r>
+                                    <a:rPr lang="en-GB" sz="2400" b="0" i="1" smtClean="0">
+                                      <a:latin typeface="Cambria Math" panose="02040503050406030204" pitchFamily="18" charset="0"/>
+                                    </a:rPr>
+                                    <m:t>𝑦</m:t>
+                                  </m:r>
+                                </m:e>
+                                <m:sub>
+                                  <m:sSub>
+                                    <m:sSubPr>
+                                      <m:ctrlPr>
+                                        <a:rPr lang="en-IE" sz="2400" i="1" smtClean="0">
+                                          <a:latin typeface="Cambria Math" panose="02040503050406030204" pitchFamily="18" charset="0"/>
+                                        </a:rPr>
+                                      </m:ctrlPr>
+                                    </m:sSubPr>
+                                    <m:e>
+                                      <m:r>
+                                        <a:rPr lang="en-GB" sz="2400" b="0" i="1" smtClean="0">
+                                          <a:latin typeface="Cambria Math" panose="02040503050406030204" pitchFamily="18" charset="0"/>
+                                        </a:rPr>
+                                        <m:t>𝑚</m:t>
+                                      </m:r>
+                                    </m:e>
+                                    <m:sub>
+                                      <m:r>
+                                        <a:rPr lang="en-GB" sz="2400" b="0" i="1" smtClean="0">
+                                          <a:latin typeface="Cambria Math" panose="02040503050406030204" pitchFamily="18" charset="0"/>
+                                        </a:rPr>
+                                        <m:t>𝑖</m:t>
+                                      </m:r>
+                                    </m:sub>
+                                  </m:sSub>
+                                </m:sub>
+                              </m:sSub>
+                              <m:r>
+                                <a:rPr lang="en-GB" sz="2400" i="1" spc="-1">
+                                  <a:solidFill>
+                                    <a:srgbClr val="000000"/>
+                                  </a:solidFill>
+                                  <a:uFill>
+                                    <a:solidFill>
+                                      <a:srgbClr val="FFFFFF"/>
+                                    </a:solidFill>
+                                  </a:uFill>
+                                  <a:latin typeface="Cambria Math" panose="02040503050406030204" pitchFamily="18" charset="0"/>
+                                </a:rPr>
+                                <m:t>=</m:t>
+                              </m:r>
+                              <m:sSub>
+                                <m:sSubPr>
+                                  <m:ctrlPr>
+                                    <a:rPr lang="en-GB" sz="2400" i="1" spc="-1" smtClean="0">
+                                      <a:solidFill>
+                                        <a:srgbClr val="000000"/>
+                                      </a:solidFill>
+                                      <a:uFill>
+                                        <a:solidFill>
+                                          <a:srgbClr val="FFFFFF"/>
+                                        </a:solidFill>
+                                      </a:uFill>
+                                      <a:latin typeface="Cambria Math" panose="02040503050406030204" pitchFamily="18" charset="0"/>
+                                    </a:rPr>
+                                  </m:ctrlPr>
+                                </m:sSubPr>
+                                <m:e>
+                                  <m:r>
+                                    <a:rPr lang="en-GB" sz="2400" b="0" i="1" spc="-1" smtClean="0">
+                                      <a:solidFill>
+                                        <a:srgbClr val="000000"/>
+                                      </a:solidFill>
+                                      <a:uFill>
+                                        <a:solidFill>
+                                          <a:srgbClr val="FFFFFF"/>
+                                        </a:solidFill>
+                                      </a:uFill>
+                                      <a:latin typeface="Cambria Math" panose="02040503050406030204" pitchFamily="18" charset="0"/>
+                                    </a:rPr>
+                                    <m:t>𝑔</m:t>
+                                  </m:r>
+                                </m:e>
+                                <m:sub>
+                                  <m:r>
+                                    <a:rPr lang="en-GB" sz="2400" b="0" i="1" spc="-1" smtClean="0">
+                                      <a:solidFill>
+                                        <a:srgbClr val="000000"/>
+                                      </a:solidFill>
+                                      <a:uFill>
+                                        <a:solidFill>
+                                          <a:srgbClr val="FFFFFF"/>
+                                        </a:solidFill>
+                                      </a:uFill>
+                                      <a:latin typeface="Cambria Math" panose="02040503050406030204" pitchFamily="18" charset="0"/>
+                                    </a:rPr>
+                                    <m:t>𝑖</m:t>
+                                  </m:r>
+                                </m:sub>
+                              </m:sSub>
+                              <m:r>
+                                <a:rPr lang="en-GB" sz="2400" i="1" spc="-1">
+                                  <a:solidFill>
+                                    <a:srgbClr val="000000"/>
+                                  </a:solidFill>
+                                  <a:uFill>
+                                    <a:solidFill>
+                                      <a:srgbClr val="FFFFFF"/>
+                                    </a:solidFill>
+                                  </a:uFill>
+                                  <a:latin typeface="Cambria Math" panose="02040503050406030204" pitchFamily="18" charset="0"/>
+                                </a:rPr>
+                                <m:t>(</m:t>
+                              </m:r>
+                              <m:r>
+                                <a:rPr lang="en-GB" sz="2400" i="1" spc="-1">
+                                  <a:solidFill>
+                                    <a:srgbClr val="000000"/>
+                                  </a:solidFill>
+                                  <a:uFill>
+                                    <a:solidFill>
+                                      <a:srgbClr val="FFFFFF"/>
+                                    </a:solidFill>
+                                  </a:uFill>
+                                  <a:latin typeface="Cambria Math" panose="02040503050406030204" pitchFamily="18" charset="0"/>
+                                </a:rPr>
+                                <m:t>𝑥</m:t>
+                              </m:r>
+                              <m:r>
+                                <a:rPr lang="en-GB" sz="2400" i="1" spc="-1">
+                                  <a:solidFill>
+                                    <a:srgbClr val="000000"/>
+                                  </a:solidFill>
+                                  <a:uFill>
+                                    <a:solidFill>
+                                      <a:srgbClr val="FFFFFF"/>
+                                    </a:solidFill>
+                                  </a:uFill>
+                                  <a:latin typeface="Cambria Math" panose="02040503050406030204" pitchFamily="18" charset="0"/>
+                                </a:rPr>
+                                <m:t>)</m:t>
+                              </m:r>
+                            </m:e>
+                          </m:eqArr>
+                        </m:e>
+                      </m:d>
+                      <m:r>
+                        <a:rPr lang="en-GB" sz="2400" b="0" i="1" spc="-1" smtClean="0">
+                          <a:solidFill>
+                            <a:srgbClr val="000000"/>
+                          </a:solidFill>
+                          <a:uFill>
+                            <a:solidFill>
+                              <a:srgbClr val="FFFFFF"/>
+                            </a:solidFill>
+                          </a:uFill>
+                          <a:latin typeface="Cambria Math" panose="02040503050406030204" pitchFamily="18" charset="0"/>
+                        </a:rPr>
+                        <m:t> </m:t>
+                      </m:r>
+                      <m:groupChr>
+                        <m:groupChrPr>
+                          <m:chr m:val="⇒"/>
+                          <m:vertJc m:val="bot"/>
+                          <m:ctrlPr>
+                            <a:rPr lang="en-GB" sz="2400" i="1" spc="-1" smtClean="0">
+                              <a:solidFill>
+                                <a:srgbClr val="000000"/>
+                              </a:solidFill>
+                              <a:uFill>
+                                <a:solidFill>
+                                  <a:srgbClr val="FFFFFF"/>
+                                </a:solidFill>
+                              </a:uFill>
+                              <a:latin typeface="Cambria Math" panose="02040503050406030204" pitchFamily="18" charset="0"/>
+                            </a:rPr>
+                          </m:ctrlPr>
+                        </m:groupChrPr>
+                        <m:e/>
+                      </m:groupChr>
+                      <m:r>
+                        <a:rPr lang="en-GB" sz="2400" b="0" i="0" spc="-1" smtClean="0">
+                          <a:solidFill>
+                            <a:srgbClr val="000000"/>
+                          </a:solidFill>
+                          <a:uFill>
+                            <a:solidFill>
+                              <a:srgbClr val="FFFFFF"/>
+                            </a:solidFill>
+                          </a:uFill>
+                          <a:latin typeface="Cambria Math" panose="02040503050406030204" pitchFamily="18" charset="0"/>
+                        </a:rPr>
+                        <m:t> </m:t>
+                      </m:r>
+                      <m:sSub>
+                        <m:sSubPr>
+                          <m:ctrlPr>
+                            <a:rPr lang="en-GB" sz="2400" b="0" i="1" spc="-1" smtClean="0">
+                              <a:solidFill>
+                                <a:srgbClr val="000000"/>
+                              </a:solidFill>
+                              <a:uFill>
+                                <a:solidFill>
+                                  <a:srgbClr val="FFFFFF"/>
+                                </a:solidFill>
+                              </a:uFill>
+                              <a:latin typeface="Cambria Math" panose="02040503050406030204" pitchFamily="18" charset="0"/>
+                            </a:rPr>
+                          </m:ctrlPr>
+                        </m:sSubPr>
+                        <m:e>
+                          <m:r>
+                            <a:rPr lang="en-GB" sz="2400" b="0" i="1" spc="-1" smtClean="0">
+                              <a:solidFill>
+                                <a:srgbClr val="000000"/>
+                              </a:solidFill>
+                              <a:uFill>
+                                <a:solidFill>
+                                  <a:srgbClr val="FFFFFF"/>
+                                </a:solidFill>
+                              </a:uFill>
+                              <a:latin typeface="Cambria Math" panose="02040503050406030204" pitchFamily="18" charset="0"/>
+                            </a:rPr>
+                            <m:t>𝑦</m:t>
+                          </m:r>
+                        </m:e>
+                        <m:sub>
+                          <m:sSub>
+                            <m:sSubPr>
+                              <m:ctrlPr>
+                                <a:rPr lang="en-GB" sz="2400" b="0" i="1" spc="-1" smtClean="0">
+                                  <a:solidFill>
+                                    <a:srgbClr val="000000"/>
+                                  </a:solidFill>
+                                  <a:uFill>
+                                    <a:solidFill>
+                                      <a:srgbClr val="FFFFFF"/>
+                                    </a:solidFill>
+                                  </a:uFill>
+                                  <a:latin typeface="Cambria Math" panose="02040503050406030204" pitchFamily="18" charset="0"/>
+                                </a:rPr>
+                              </m:ctrlPr>
+                            </m:sSubPr>
+                            <m:e>
+                              <m:r>
+                                <a:rPr lang="en-GB" sz="2400" b="0" i="1" spc="-1" smtClean="0">
+                                  <a:solidFill>
+                                    <a:srgbClr val="000000"/>
+                                  </a:solidFill>
+                                  <a:uFill>
+                                    <a:solidFill>
+                                      <a:srgbClr val="FFFFFF"/>
+                                    </a:solidFill>
+                                  </a:uFill>
+                                  <a:latin typeface="Cambria Math" panose="02040503050406030204" pitchFamily="18" charset="0"/>
+                                </a:rPr>
+                                <m:t>𝑚</m:t>
+                              </m:r>
+                            </m:e>
+                            <m:sub>
+                              <m:r>
+                                <a:rPr lang="en-GB" sz="2400" b="0" i="1" spc="-1" smtClean="0">
+                                  <a:solidFill>
+                                    <a:srgbClr val="000000"/>
+                                  </a:solidFill>
+                                  <a:uFill>
+                                    <a:solidFill>
+                                      <a:srgbClr val="FFFFFF"/>
+                                    </a:solidFill>
+                                  </a:uFill>
+                                  <a:latin typeface="Cambria Math" panose="02040503050406030204" pitchFamily="18" charset="0"/>
+                                </a:rPr>
+                                <m:t>𝑚</m:t>
+                              </m:r>
+                            </m:sub>
+                          </m:sSub>
+                        </m:sub>
+                      </m:sSub>
+                      <m:r>
+                        <a:rPr lang="en-GB" sz="2400" b="0" i="1" spc="-1" smtClean="0">
+                          <a:solidFill>
+                            <a:srgbClr val="000000"/>
+                          </a:solidFill>
+                          <a:uFill>
+                            <a:solidFill>
+                              <a:srgbClr val="FFFFFF"/>
+                            </a:solidFill>
+                          </a:uFill>
+                          <a:latin typeface="Cambria Math" panose="02040503050406030204" pitchFamily="18" charset="0"/>
+                        </a:rPr>
+                        <m:t>=</m:t>
+                      </m:r>
+                      <m:nary>
+                        <m:naryPr>
+                          <m:chr m:val="∑"/>
+                          <m:supHide m:val="on"/>
+                          <m:ctrlPr>
+                            <a:rPr lang="en-GB" sz="2400" b="0" i="1" spc="-1" smtClean="0">
+                              <a:solidFill>
+                                <a:srgbClr val="000000"/>
+                              </a:solidFill>
+                              <a:uFill>
+                                <a:solidFill>
+                                  <a:srgbClr val="FFFFFF"/>
+                                </a:solidFill>
+                              </a:uFill>
+                              <a:latin typeface="Cambria Math" panose="02040503050406030204" pitchFamily="18" charset="0"/>
+                            </a:rPr>
+                          </m:ctrlPr>
+                        </m:naryPr>
+                        <m:sub>
+                          <m:sSub>
+                            <m:sSubPr>
+                              <m:ctrlPr>
+                                <a:rPr lang="en-GB" sz="2400" b="0" i="1" spc="-1" smtClean="0">
+                                  <a:solidFill>
+                                    <a:srgbClr val="000000"/>
+                                  </a:solidFill>
+                                  <a:uFill>
+                                    <a:solidFill>
+                                      <a:srgbClr val="FFFFFF"/>
+                                    </a:solidFill>
+                                  </a:uFill>
+                                  <a:latin typeface="Cambria Math" panose="02040503050406030204" pitchFamily="18" charset="0"/>
+                                </a:rPr>
+                              </m:ctrlPr>
+                            </m:sSubPr>
+                            <m:e>
+                              <m:r>
+                                <a:rPr lang="en-GB" sz="2400" b="0" i="1" spc="-1" smtClean="0">
+                                  <a:solidFill>
+                                    <a:srgbClr val="000000"/>
+                                  </a:solidFill>
+                                  <a:uFill>
+                                    <a:solidFill>
+                                      <a:srgbClr val="FFFFFF"/>
+                                    </a:solidFill>
+                                  </a:uFill>
+                                  <a:latin typeface="Cambria Math" panose="02040503050406030204" pitchFamily="18" charset="0"/>
+                                </a:rPr>
+                                <m:t>𝑚</m:t>
+                              </m:r>
+                            </m:e>
+                            <m:sub>
+                              <m:r>
+                                <a:rPr lang="en-GB" sz="2400" b="0" i="1" spc="-1" smtClean="0">
+                                  <a:solidFill>
+                                    <a:srgbClr val="000000"/>
+                                  </a:solidFill>
+                                  <a:uFill>
+                                    <a:solidFill>
+                                      <a:srgbClr val="FFFFFF"/>
+                                    </a:solidFill>
+                                  </a:uFill>
+                                  <a:latin typeface="Cambria Math" panose="02040503050406030204" pitchFamily="18" charset="0"/>
+                                </a:rPr>
+                                <m:t>𝑖</m:t>
+                              </m:r>
+                            </m:sub>
+                          </m:sSub>
+                          <m:r>
+                            <m:rPr>
+                              <m:brk m:alnAt="7"/>
+                            </m:rPr>
+                            <a:rPr lang="en-GB" sz="2400" b="0" i="1" spc="-1" smtClean="0">
+                              <a:solidFill>
+                                <a:srgbClr val="000000"/>
+                              </a:solidFill>
+                              <a:uFill>
+                                <a:solidFill>
+                                  <a:srgbClr val="FFFFFF"/>
+                                </a:solidFill>
+                              </a:uFill>
+                              <a:latin typeface="Cambria Math" panose="02040503050406030204" pitchFamily="18" charset="0"/>
+                              <a:ea typeface="Cambria Math" panose="02040503050406030204" pitchFamily="18" charset="0"/>
+                            </a:rPr>
+                            <m:t>∈</m:t>
+                          </m:r>
+                          <m:r>
+                            <a:rPr lang="en-GB" sz="2400" b="0" i="1" spc="-1" smtClean="0">
+                              <a:solidFill>
+                                <a:srgbClr val="000000"/>
+                              </a:solidFill>
+                              <a:uFill>
+                                <a:solidFill>
+                                  <a:srgbClr val="FFFFFF"/>
+                                </a:solidFill>
+                              </a:uFill>
+                              <a:latin typeface="Cambria Math" panose="02040503050406030204" pitchFamily="18" charset="0"/>
+                              <a:ea typeface="Cambria Math" panose="02040503050406030204" pitchFamily="18" charset="0"/>
+                            </a:rPr>
+                            <m:t>𝑁</m:t>
+                          </m:r>
+                          <m:r>
+                            <a:rPr lang="en-GB" sz="2400" b="0" i="1" spc="-1" smtClean="0">
+                              <a:solidFill>
+                                <a:srgbClr val="000000"/>
+                              </a:solidFill>
+                              <a:uFill>
+                                <a:solidFill>
+                                  <a:srgbClr val="FFFFFF"/>
+                                </a:solidFill>
+                              </a:uFill>
+                              <a:latin typeface="Cambria Math" panose="02040503050406030204" pitchFamily="18" charset="0"/>
+                              <a:ea typeface="Cambria Math" panose="02040503050406030204" pitchFamily="18" charset="0"/>
+                            </a:rPr>
+                            <m:t>⊆</m:t>
+                          </m:r>
+                          <m:r>
+                            <a:rPr lang="en-GB" sz="2400" b="0" i="1" spc="-1" smtClean="0">
+                              <a:solidFill>
+                                <a:srgbClr val="000000"/>
+                              </a:solidFill>
+                              <a:uFill>
+                                <a:solidFill>
+                                  <a:srgbClr val="FFFFFF"/>
+                                </a:solidFill>
+                              </a:uFill>
+                              <a:latin typeface="Cambria Math" panose="02040503050406030204" pitchFamily="18" charset="0"/>
+                              <a:ea typeface="Cambria Math" panose="02040503050406030204" pitchFamily="18" charset="0"/>
+                            </a:rPr>
+                            <m:t>𝑀</m:t>
+                          </m:r>
+                        </m:sub>
+                        <m:sup/>
+                        <m:e>
+                          <m:sSub>
+                            <m:sSubPr>
+                              <m:ctrlPr>
+                                <a:rPr lang="en-GB" sz="2400" b="0" i="1" spc="-1" smtClean="0">
+                                  <a:solidFill>
+                                    <a:srgbClr val="000000"/>
+                                  </a:solidFill>
+                                  <a:uFill>
+                                    <a:solidFill>
+                                      <a:srgbClr val="FFFFFF"/>
+                                    </a:solidFill>
+                                  </a:uFill>
+                                  <a:latin typeface="Cambria Math" panose="02040503050406030204" pitchFamily="18" charset="0"/>
+                                </a:rPr>
+                              </m:ctrlPr>
+                            </m:sSubPr>
+                            <m:e>
+                              <m:r>
+                                <a:rPr lang="en-GB" sz="2400" b="0" i="1" spc="-1" smtClean="0">
+                                  <a:solidFill>
+                                    <a:srgbClr val="000000"/>
+                                  </a:solidFill>
+                                  <a:uFill>
+                                    <a:solidFill>
+                                      <a:srgbClr val="FFFFFF"/>
+                                    </a:solidFill>
+                                  </a:uFill>
+                                  <a:latin typeface="Cambria Math" panose="02040503050406030204" pitchFamily="18" charset="0"/>
+                                  <a:ea typeface="Cambria Math" panose="02040503050406030204" pitchFamily="18" charset="0"/>
+                                </a:rPr>
+                                <m:t>𝛼</m:t>
+                              </m:r>
+                            </m:e>
+                            <m:sub>
+                              <m:r>
+                                <a:rPr lang="en-GB" sz="2400" b="0" i="1" spc="-1" smtClean="0">
+                                  <a:solidFill>
+                                    <a:srgbClr val="000000"/>
+                                  </a:solidFill>
+                                  <a:uFill>
+                                    <a:solidFill>
+                                      <a:srgbClr val="FFFFFF"/>
+                                    </a:solidFill>
+                                  </a:uFill>
+                                  <a:latin typeface="Cambria Math" panose="02040503050406030204" pitchFamily="18" charset="0"/>
+                                </a:rPr>
+                                <m:t>𝑖</m:t>
+                              </m:r>
+                            </m:sub>
+                          </m:sSub>
+                          <m:r>
+                            <a:rPr lang="en-GB" sz="2400" b="0" i="1" spc="-1" smtClean="0">
+                              <a:solidFill>
+                                <a:srgbClr val="000000"/>
+                              </a:solidFill>
+                              <a:uFill>
+                                <a:solidFill>
+                                  <a:srgbClr val="FFFFFF"/>
+                                </a:solidFill>
+                              </a:uFill>
+                              <a:latin typeface="Cambria Math" panose="02040503050406030204" pitchFamily="18" charset="0"/>
+                              <a:ea typeface="Cambria Math" panose="02040503050406030204" pitchFamily="18" charset="0"/>
+                            </a:rPr>
+                            <m:t>∙</m:t>
+                          </m:r>
+                          <m:sSub>
+                            <m:sSubPr>
+                              <m:ctrlPr>
+                                <a:rPr lang="en-GB" sz="2400" b="0" i="1" spc="-1" smtClean="0">
+                                  <a:solidFill>
+                                    <a:srgbClr val="000000"/>
+                                  </a:solidFill>
+                                  <a:uFill>
+                                    <a:solidFill>
+                                      <a:srgbClr val="FFFFFF"/>
+                                    </a:solidFill>
+                                  </a:uFill>
+                                  <a:latin typeface="Cambria Math" panose="02040503050406030204" pitchFamily="18" charset="0"/>
+                                  <a:ea typeface="Cambria Math" panose="02040503050406030204" pitchFamily="18" charset="0"/>
+                                </a:rPr>
+                              </m:ctrlPr>
+                            </m:sSubPr>
+                            <m:e>
+                              <m:r>
+                                <a:rPr lang="en-GB" sz="2400" b="0" i="1" spc="-1" smtClean="0">
+                                  <a:solidFill>
+                                    <a:srgbClr val="000000"/>
+                                  </a:solidFill>
+                                  <a:uFill>
+                                    <a:solidFill>
+                                      <a:srgbClr val="FFFFFF"/>
+                                    </a:solidFill>
+                                  </a:uFill>
+                                  <a:latin typeface="Cambria Math" panose="02040503050406030204" pitchFamily="18" charset="0"/>
+                                  <a:ea typeface="Cambria Math" panose="02040503050406030204" pitchFamily="18" charset="0"/>
+                                </a:rPr>
+                                <m:t>𝑦</m:t>
+                              </m:r>
+                            </m:e>
+                            <m:sub>
+                              <m:sSub>
+                                <m:sSubPr>
+                                  <m:ctrlPr>
+                                    <a:rPr lang="en-GB" sz="2400" b="0" i="1" spc="-1" smtClean="0">
+                                      <a:solidFill>
+                                        <a:srgbClr val="000000"/>
+                                      </a:solidFill>
+                                      <a:uFill>
+                                        <a:solidFill>
+                                          <a:srgbClr val="FFFFFF"/>
+                                        </a:solidFill>
+                                      </a:uFill>
+                                      <a:latin typeface="Cambria Math" panose="02040503050406030204" pitchFamily="18" charset="0"/>
+                                      <a:ea typeface="Cambria Math" panose="02040503050406030204" pitchFamily="18" charset="0"/>
+                                    </a:rPr>
+                                  </m:ctrlPr>
+                                </m:sSubPr>
+                                <m:e>
+                                  <m:r>
+                                    <a:rPr lang="en-GB" sz="2400" b="0" i="1" spc="-1" smtClean="0">
+                                      <a:solidFill>
+                                        <a:srgbClr val="000000"/>
+                                      </a:solidFill>
+                                      <a:uFill>
+                                        <a:solidFill>
+                                          <a:srgbClr val="FFFFFF"/>
+                                        </a:solidFill>
+                                      </a:uFill>
+                                      <a:latin typeface="Cambria Math" panose="02040503050406030204" pitchFamily="18" charset="0"/>
+                                      <a:ea typeface="Cambria Math" panose="02040503050406030204" pitchFamily="18" charset="0"/>
+                                    </a:rPr>
+                                    <m:t>𝑚</m:t>
+                                  </m:r>
+                                </m:e>
+                                <m:sub>
+                                  <m:r>
+                                    <a:rPr lang="en-GB" sz="2400" b="0" i="1" spc="-1" smtClean="0">
+                                      <a:solidFill>
+                                        <a:srgbClr val="000000"/>
+                                      </a:solidFill>
+                                      <a:uFill>
+                                        <a:solidFill>
+                                          <a:srgbClr val="FFFFFF"/>
+                                        </a:solidFill>
+                                      </a:uFill>
+                                      <a:latin typeface="Cambria Math" panose="02040503050406030204" pitchFamily="18" charset="0"/>
+                                      <a:ea typeface="Cambria Math" panose="02040503050406030204" pitchFamily="18" charset="0"/>
+                                    </a:rPr>
+                                    <m:t>𝑖</m:t>
+                                  </m:r>
+                                </m:sub>
+                              </m:sSub>
+                            </m:sub>
+                          </m:sSub>
+                        </m:e>
+                      </m:nary>
+                    </m:oMath>
+                  </m:oMathPara>
+                </a14:m>
+                <a:endParaRPr lang="en-GB" sz="2400" b="0" spc="-1" dirty="0">
+                  <a:solidFill>
+                    <a:srgbClr val="000000"/>
+                  </a:solidFill>
+                  <a:uFill>
+                    <a:solidFill>
+                      <a:srgbClr val="FFFFFF"/>
+                    </a:solidFill>
+                  </a:uFill>
+                  <a:latin typeface="Arial"/>
+                </a:endParaRPr>
+              </a:p>
+              <a:p>
+                <a:pPr marL="460080" lvl="1">
+                  <a:buClr>
+                    <a:srgbClr val="000000"/>
+                  </a:buClr>
+                </a:pPr>
+                <a:endParaRPr lang="en-GB" sz="2400" b="0" strike="noStrike" spc="-1" dirty="0">
+                  <a:solidFill>
+                    <a:srgbClr val="000000"/>
+                  </a:solidFill>
+                  <a:uFill>
+                    <a:solidFill>
+                      <a:srgbClr val="FFFFFF"/>
+                    </a:solidFill>
+                  </a:uFill>
+                  <a:latin typeface="Arial"/>
+                </a:endParaRPr>
+              </a:p>
+              <a:p>
+                <a:pPr marL="345780" indent="-342900">
+                  <a:buClr>
+                    <a:srgbClr val="000000"/>
+                  </a:buClr>
+                  <a:buFont typeface="Arial" panose="020B0604020202020204" pitchFamily="34" charset="0"/>
+                  <a:buChar char="•"/>
+                </a:pPr>
+                <a:r>
+                  <a:rPr lang="en-GB" sz="2400" b="1" spc="-1" dirty="0">
+                    <a:solidFill>
+                      <a:srgbClr val="000000"/>
+                    </a:solidFill>
+                    <a:uFill>
+                      <a:solidFill>
+                        <a:srgbClr val="FFFFFF"/>
+                      </a:solidFill>
+                    </a:uFill>
+                    <a:latin typeface="Open Sans Semibold"/>
+                  </a:rPr>
+                  <a:t>Inverse inference on multi active nodes:</a:t>
+                </a:r>
+                <a:br>
+                  <a:rPr lang="en-GB" sz="2400" b="1" spc="-1" dirty="0">
+                    <a:solidFill>
+                      <a:srgbClr val="000000"/>
+                    </a:solidFill>
+                    <a:uFill>
+                      <a:solidFill>
+                        <a:srgbClr val="FFFFFF"/>
+                      </a:solidFill>
+                    </a:uFill>
+                    <a:latin typeface="Open Sans Semibold"/>
+                  </a:rPr>
+                </a:br>
+                <a:r>
+                  <a:rPr lang="en-GB" sz="2400" spc="-1" dirty="0">
+                    <a:solidFill>
+                      <a:srgbClr val="000000"/>
+                    </a:solidFill>
+                    <a:uFill>
+                      <a:solidFill>
+                        <a:srgbClr val="FFFFFF"/>
+                      </a:solidFill>
+                    </a:uFill>
+                    <a:latin typeface="Open Sans Semibold"/>
+                  </a:rPr>
+                  <a:t>Extending the inverse inference to a multi active modes scenario, increasing the process difficulties due to eventual synergies between modes.</a:t>
+                </a:r>
+                <a:endParaRPr lang="en-GB" sz="2400" b="1" spc="-1" dirty="0">
+                  <a:solidFill>
+                    <a:srgbClr val="000000"/>
+                  </a:solidFill>
+                  <a:uFill>
+                    <a:solidFill>
+                      <a:srgbClr val="FFFFFF"/>
+                    </a:solidFill>
+                  </a:uFill>
+                  <a:latin typeface="Open Sans Semibold"/>
+                </a:endParaRPr>
+              </a:p>
+            </p:txBody>
+          </p:sp>
+        </mc:Choice>
+        <mc:Fallback>
+          <p:sp>
+            <p:nvSpPr>
+              <p:cNvPr id="40" name="CustomShape 2"/>
+              <p:cNvSpPr>
+                <a:spLocks noRot="1" noChangeAspect="1" noMove="1" noResize="1" noEditPoints="1" noAdjustHandles="1" noChangeArrowheads="1" noChangeShapeType="1" noTextEdit="1"/>
+              </p:cNvSpPr>
+              <p:nvPr/>
+            </p:nvSpPr>
+            <p:spPr>
+              <a:xfrm>
+                <a:off x="986428" y="17732160"/>
+                <a:ext cx="9071280" cy="9285480"/>
+              </a:xfrm>
+              <a:prstGeom prst="rect">
+                <a:avLst/>
+              </a:prstGeom>
+              <a:blipFill>
+                <a:blip r:embed="rId3"/>
+                <a:stretch>
+                  <a:fillRect l="-1478" t="-854" r="-874"/>
+                </a:stretch>
+              </a:blipFill>
+              <a:ln>
+                <a:noFill/>
+              </a:ln>
+            </p:spPr>
+            <p:txBody>
+              <a:bodyPr/>
+              <a:lstStyle/>
+              <a:p>
+                <a:r>
+                  <a:rPr lang="en-IE">
+                    <a:noFill/>
+                  </a:rPr>
+                  <a:t> </a:t>
+                </a:r>
+              </a:p>
+            </p:txBody>
+          </p:sp>
+        </mc:Fallback>
+      </mc:AlternateContent>
       <p:sp>
         <p:nvSpPr>
-          <p:cNvPr id="39" name="CustomShape 1"/>
+          <p:cNvPr id="41" name="CustomShape 3"/>
           <p:cNvSpPr/>
           <p:nvPr/>
         </p:nvSpPr>
         <p:spPr>
           <a:xfrm>
-            <a:off x="972360" y="6643080"/>
+            <a:off x="11457720" y="6601292"/>
             <a:ext cx="9071280" cy="9285480"/>
           </a:xfrm>
           <a:prstGeom prst="rect">
@@ -2033,13 +5344,20 @@
           </a:ln>
         </p:spPr>
         <p:style>
-          <a:lnRef idx="0"/>
-          <a:fillRef idx="0"/>
-          <a:effectRef idx="0"/>
+          <a:lnRef idx="0">
+            <a:scrgbClr r="0" g="0" b="0"/>
+          </a:lnRef>
+          <a:fillRef idx="0">
+            <a:scrgbClr r="0" g="0" b="0"/>
+          </a:fillRef>
+          <a:effectRef idx="0">
+            <a:scrgbClr r="0" g="0" b="0"/>
+          </a:effectRef>
           <a:fontRef idx="minor"/>
         </p:style>
         <p:txBody>
-          <a:bodyPr lIns="90000" rIns="90000" tIns="45000" bIns="45000"/>
+          <a:bodyPr lIns="90000" tIns="45000" rIns="90000" bIns="45000"/>
+          <a:lstStyle/>
           <a:p>
             <a:pPr marL="378000" indent="-375120">
               <a:lnSpc>
@@ -2052,156 +5370,406 @@
               <a:buChar char=""/>
             </a:pPr>
             <a:r>
-              <a:rPr b="0" lang="en-GB" sz="3200" spc="-1" strike="noStrike">
+              <a:rPr lang="en-GB" sz="3200" b="0" strike="noStrike" spc="-1" dirty="0">
                 <a:solidFill>
                   <a:srgbClr val="000000"/>
                 </a:solidFill>
                 <a:uFill>
                   <a:solidFill>
-                    <a:srgbClr val="ffffff"/>
+                    <a:srgbClr val="FFFFFF"/>
                   </a:solidFill>
                 </a:uFill>
                 <a:latin typeface="Open Sans Semibold"/>
                 <a:ea typeface="Open Sans Semibold"/>
               </a:rPr>
-              <a:t> </a:t>
+              <a:t> State of art</a:t>
             </a:r>
-            <a:r>
-              <a:rPr b="0" lang="en-GB" sz="3200" spc="-1" strike="noStrike">
-                <a:solidFill>
-                  <a:srgbClr val="000000"/>
-                </a:solidFill>
-                <a:uFill>
-                  <a:solidFill>
-                    <a:srgbClr val="ffffff"/>
-                  </a:solidFill>
-                </a:uFill>
-                <a:latin typeface="Open Sans Semibold"/>
-                <a:ea typeface="Open Sans Semibold"/>
-              </a:rPr>
-              <a:t>General Problem</a:t>
-            </a:r>
-            <a:endParaRPr b="0" lang="en-GB" sz="1800" spc="-1" strike="noStrike">
-              <a:solidFill>
-                <a:srgbClr val="000000"/>
-              </a:solidFill>
-              <a:uFill>
-                <a:solidFill>
-                  <a:srgbClr val="ffffff"/>
-                </a:solidFill>
-              </a:uFill>
-              <a:latin typeface="Arial"/>
-            </a:endParaRPr>
-          </a:p>
-          <a:p>
-            <a:pPr marL="378000" indent="-375120">
+          </a:p>
+          <a:p>
+            <a:pPr marL="2880">
               <a:lnSpc>
                 <a:spcPct val="100000"/>
               </a:lnSpc>
               <a:buClr>
                 <a:srgbClr val="000000"/>
               </a:buClr>
-              <a:buFont typeface="Wingdings" charset="2"/>
-              <a:buChar char=""/>
             </a:pPr>
-            <a:r>
-              <a:rPr b="0" lang="en-GB" sz="3200" spc="-1" strike="noStrike">
-                <a:solidFill>
-                  <a:srgbClr val="000000"/>
-                </a:solidFill>
-                <a:uFill>
-                  <a:solidFill>
-                    <a:srgbClr val="ffffff"/>
-                  </a:solidFill>
-                </a:uFill>
-                <a:latin typeface="Open Sans Semibold"/>
-                <a:ea typeface="Open Sans Semibold"/>
-              </a:rPr>
-              <a:t> </a:t>
-            </a:r>
-            <a:endParaRPr b="0" lang="en-GB" sz="1800" spc="-1" strike="noStrike">
+            <a:endParaRPr lang="en-GB" sz="2400" spc="-1" dirty="0">
               <a:solidFill>
                 <a:srgbClr val="000000"/>
               </a:solidFill>
               <a:uFill>
                 <a:solidFill>
-                  <a:srgbClr val="ffffff"/>
+                  <a:srgbClr val="FFFFFF"/>
                 </a:solidFill>
               </a:uFill>
-              <a:latin typeface="Arial"/>
+              <a:latin typeface="Open Sans Semibold"/>
             </a:endParaRPr>
           </a:p>
           <a:p>
-            <a:pPr marL="378000" indent="-375480">
+            <a:pPr marL="2880">
               <a:lnSpc>
                 <a:spcPct val="100000"/>
               </a:lnSpc>
               <a:buClr>
                 <a:srgbClr val="000000"/>
               </a:buClr>
-              <a:buFont typeface="Wingdings" charset="2"/>
-              <a:buChar char=""/>
             </a:pPr>
-            <a:r>
-              <a:rPr b="0" lang="en-GB" sz="2400" spc="-1" strike="noStrike">
-                <a:solidFill>
-                  <a:srgbClr val="000000"/>
-                </a:solidFill>
-                <a:uFill>
-                  <a:solidFill>
-                    <a:srgbClr val="ffffff"/>
-                  </a:solidFill>
-                </a:uFill>
-                <a:latin typeface="Open Sans Semibold"/>
-                <a:ea typeface="Open Sans Semibold"/>
-              </a:rPr>
-              <a:t>Current complex systems models have high computational costs, some even require days before results could be calculated, which is the case for weather forecasts for example.</a:t>
-            </a:r>
-            <a:endParaRPr b="0" lang="en-GB" sz="1800" spc="-1" strike="noStrike">
+            <a:endParaRPr lang="en-GB" sz="2400" spc="-1" dirty="0">
               <a:solidFill>
                 <a:srgbClr val="000000"/>
               </a:solidFill>
               <a:uFill>
                 <a:solidFill>
-                  <a:srgbClr val="ffffff"/>
+                  <a:srgbClr val="FFFFFF"/>
                 </a:solidFill>
               </a:uFill>
-              <a:latin typeface="Arial"/>
+              <a:latin typeface="Open Sans Semibold"/>
             </a:endParaRPr>
           </a:p>
           <a:p>
-            <a:pPr marL="378000" indent="-375480">
+            <a:pPr marL="2880">
               <a:lnSpc>
                 <a:spcPct val="100000"/>
               </a:lnSpc>
               <a:buClr>
                 <a:srgbClr val="000000"/>
               </a:buClr>
-              <a:buFont typeface="Wingdings" charset="2"/>
-              <a:buChar char=""/>
             </a:pPr>
             <a:r>
-              <a:rPr b="0" lang="en-GB" sz="2400" spc="-1" strike="noStrike">
+              <a:rPr lang="en-GB" sz="2400" spc="-1" dirty="0">
                 <a:solidFill>
                   <a:srgbClr val="000000"/>
                 </a:solidFill>
                 <a:uFill>
                   <a:solidFill>
-                    <a:srgbClr val="ffffff"/>
+                    <a:srgbClr val="FFFFFF"/>
                   </a:solidFill>
                 </a:uFill>
                 <a:latin typeface="Open Sans Semibold"/>
-                <a:ea typeface="Open Sans Semibold"/>
               </a:rPr>
-              <a:t>For this reason, given a specific task and its requirements, we need to find a procedure able to build a model balanced between its accuracy and the computational costs required to run it.</a:t>
+              <a:t>Currently the problem is approached through:</a:t>
             </a:r>
-            <a:endParaRPr b="0" lang="en-GB" sz="1800" spc="-1" strike="noStrike">
+          </a:p>
+          <a:p>
+            <a:pPr marL="2880">
+              <a:lnSpc>
+                <a:spcPct val="100000"/>
+              </a:lnSpc>
+              <a:buClr>
+                <a:srgbClr val="000000"/>
+              </a:buClr>
+            </a:pPr>
+            <a:endParaRPr lang="en-GB" sz="2400" spc="-1" dirty="0">
               <a:solidFill>
                 <a:srgbClr val="000000"/>
               </a:solidFill>
               <a:uFill>
                 <a:solidFill>
-                  <a:srgbClr val="ffffff"/>
+                  <a:srgbClr val="FFFFFF"/>
+                </a:solidFill>
+              </a:uFill>
+              <a:latin typeface="Open Sans Semibold"/>
+            </a:endParaRPr>
+          </a:p>
+          <a:p>
+            <a:pPr marL="345780" indent="-342900">
+              <a:lnSpc>
+                <a:spcPct val="100000"/>
+              </a:lnSpc>
+              <a:buClr>
+                <a:srgbClr val="000000"/>
+              </a:buClr>
+              <a:buFont typeface="Arial" panose="020B0604020202020204" pitchFamily="34" charset="0"/>
+              <a:buChar char="•"/>
+            </a:pPr>
+            <a:r>
+              <a:rPr lang="en-GB" sz="2400" b="1" strike="noStrike" spc="-1" dirty="0">
+                <a:solidFill>
+                  <a:srgbClr val="000000"/>
+                </a:solidFill>
+                <a:uFill>
+                  <a:solidFill>
+                    <a:srgbClr val="FFFFFF"/>
+                  </a:solidFill>
+                </a:uFill>
+                <a:latin typeface="Open Sans Semibold"/>
+              </a:rPr>
+              <a:t>Surrogate models:</a:t>
+            </a:r>
+            <a:br>
+              <a:rPr lang="en-GB" sz="2400" b="1" strike="noStrike" spc="-1" dirty="0">
+                <a:solidFill>
+                  <a:srgbClr val="000000"/>
+                </a:solidFill>
+                <a:uFill>
+                  <a:solidFill>
+                    <a:srgbClr val="FFFFFF"/>
+                  </a:solidFill>
+                </a:uFill>
+                <a:latin typeface="Open Sans Semibold"/>
+              </a:rPr>
+            </a:br>
+            <a:r>
+              <a:rPr lang="en-GB" sz="2400" strike="noStrike" spc="-1" dirty="0">
+                <a:solidFill>
+                  <a:srgbClr val="000000"/>
+                </a:solidFill>
+                <a:uFill>
+                  <a:solidFill>
+                    <a:srgbClr val="FFFFFF"/>
+                  </a:solidFill>
+                </a:uFill>
+                <a:latin typeface="Open Sans Semibold"/>
+              </a:rPr>
+              <a:t>Data-driven approach to extract a simpler model of one mode of th</a:t>
+            </a:r>
+            <a:r>
+              <a:rPr lang="en-GB" sz="2400" spc="-1" dirty="0">
+                <a:solidFill>
+                  <a:srgbClr val="000000"/>
+                </a:solidFill>
+                <a:uFill>
+                  <a:solidFill>
+                    <a:srgbClr val="FFFFFF"/>
+                  </a:solidFill>
+                </a:uFill>
+                <a:latin typeface="Open Sans Semibold"/>
+              </a:rPr>
+              <a:t>e system.</a:t>
+            </a:r>
+          </a:p>
+          <a:p>
+            <a:pPr marL="345780" indent="-342900">
+              <a:lnSpc>
+                <a:spcPct val="100000"/>
+              </a:lnSpc>
+              <a:buClr>
+                <a:srgbClr val="000000"/>
+              </a:buClr>
+              <a:buFont typeface="Arial" panose="020B0604020202020204" pitchFamily="34" charset="0"/>
+              <a:buChar char="•"/>
+            </a:pPr>
+            <a:endParaRPr lang="en-GB" sz="2400" spc="-1" dirty="0">
+              <a:solidFill>
+                <a:srgbClr val="000000"/>
+              </a:solidFill>
+              <a:uFill>
+                <a:solidFill>
+                  <a:srgbClr val="FFFFFF"/>
+                </a:solidFill>
+              </a:uFill>
+              <a:latin typeface="Open Sans Semibold"/>
+            </a:endParaRPr>
+          </a:p>
+          <a:p>
+            <a:pPr marL="345780" indent="-342900">
+              <a:lnSpc>
+                <a:spcPct val="100000"/>
+              </a:lnSpc>
+              <a:buClr>
+                <a:srgbClr val="000000"/>
+              </a:buClr>
+              <a:buFont typeface="Arial" panose="020B0604020202020204" pitchFamily="34" charset="0"/>
+              <a:buChar char="•"/>
+            </a:pPr>
+            <a:endParaRPr lang="en-GB" sz="2400" spc="-1" dirty="0">
+              <a:solidFill>
+                <a:srgbClr val="000000"/>
+              </a:solidFill>
+              <a:uFill>
+                <a:solidFill>
+                  <a:srgbClr val="FFFFFF"/>
+                </a:solidFill>
+              </a:uFill>
+              <a:latin typeface="Open Sans Semibold"/>
+            </a:endParaRPr>
+          </a:p>
+          <a:p>
+            <a:pPr marL="345780" indent="-342900">
+              <a:lnSpc>
+                <a:spcPct val="100000"/>
+              </a:lnSpc>
+              <a:buClr>
+                <a:srgbClr val="000000"/>
+              </a:buClr>
+              <a:buFont typeface="Arial" panose="020B0604020202020204" pitchFamily="34" charset="0"/>
+              <a:buChar char="•"/>
+            </a:pPr>
+            <a:r>
+              <a:rPr lang="en-GB" sz="2400" b="1" spc="-1" dirty="0">
+                <a:solidFill>
+                  <a:srgbClr val="000000"/>
+                </a:solidFill>
+                <a:uFill>
+                  <a:solidFill>
+                    <a:srgbClr val="FFFFFF"/>
+                  </a:solidFill>
+                </a:uFill>
+                <a:latin typeface="Open Sans Semibold"/>
+              </a:rPr>
+              <a:t>Ensemble of models:</a:t>
+            </a:r>
+            <a:br>
+              <a:rPr lang="en-GB" sz="2400" b="1" spc="-1" dirty="0">
+                <a:solidFill>
+                  <a:srgbClr val="000000"/>
+                </a:solidFill>
+                <a:uFill>
+                  <a:solidFill>
+                    <a:srgbClr val="FFFFFF"/>
+                  </a:solidFill>
+                </a:uFill>
+                <a:latin typeface="Open Sans Semibold"/>
+              </a:rPr>
+            </a:br>
+            <a:r>
+              <a:rPr lang="en-GB" sz="2400" spc="-1" dirty="0">
+                <a:solidFill>
+                  <a:srgbClr val="000000"/>
+                </a:solidFill>
+                <a:uFill>
+                  <a:solidFill>
+                    <a:srgbClr val="FFFFFF"/>
+                  </a:solidFill>
+                </a:uFill>
+                <a:latin typeface="Open Sans Semibold"/>
+              </a:rPr>
+              <a:t>Optimisation of surrogate models to achieve higher accuracy using a small amount of high-fidelity model data.</a:t>
+            </a:r>
+          </a:p>
+          <a:p>
+            <a:pPr marL="345780" indent="-342900">
+              <a:lnSpc>
+                <a:spcPct val="100000"/>
+              </a:lnSpc>
+              <a:buClr>
+                <a:srgbClr val="000000"/>
+              </a:buClr>
+              <a:buFont typeface="Arial" panose="020B0604020202020204" pitchFamily="34" charset="0"/>
+              <a:buChar char="•"/>
+            </a:pPr>
+            <a:endParaRPr lang="en-GB" sz="2400" spc="-1" dirty="0">
+              <a:solidFill>
+                <a:srgbClr val="000000"/>
+              </a:solidFill>
+              <a:uFill>
+                <a:solidFill>
+                  <a:srgbClr val="FFFFFF"/>
+                </a:solidFill>
+              </a:uFill>
+              <a:latin typeface="Open Sans Semibold"/>
+            </a:endParaRPr>
+          </a:p>
+          <a:p>
+            <a:pPr marL="345780" indent="-342900">
+              <a:lnSpc>
+                <a:spcPct val="100000"/>
+              </a:lnSpc>
+              <a:buClr>
+                <a:srgbClr val="000000"/>
+              </a:buClr>
+              <a:buFont typeface="Arial" panose="020B0604020202020204" pitchFamily="34" charset="0"/>
+              <a:buChar char="•"/>
+            </a:pPr>
+            <a:endParaRPr lang="en-GB" sz="2400" spc="-1" dirty="0">
+              <a:solidFill>
+                <a:srgbClr val="000000"/>
+              </a:solidFill>
+              <a:uFill>
+                <a:solidFill>
+                  <a:srgbClr val="FFFFFF"/>
+                </a:solidFill>
+              </a:uFill>
+              <a:latin typeface="Open Sans Semibold"/>
+            </a:endParaRPr>
+          </a:p>
+          <a:p>
+            <a:pPr marL="345780" indent="-342900">
+              <a:lnSpc>
+                <a:spcPct val="100000"/>
+              </a:lnSpc>
+              <a:buClr>
+                <a:srgbClr val="000000"/>
+              </a:buClr>
+              <a:buFont typeface="Arial" panose="020B0604020202020204" pitchFamily="34" charset="0"/>
+              <a:buChar char="•"/>
+            </a:pPr>
+            <a:r>
+              <a:rPr lang="en-GB" sz="2400" b="1" strike="noStrike" spc="-1" dirty="0">
+                <a:solidFill>
+                  <a:srgbClr val="000000"/>
+                </a:solidFill>
+                <a:uFill>
+                  <a:solidFill>
+                    <a:srgbClr val="FFFFFF"/>
+                  </a:solidFill>
+                </a:uFill>
+                <a:latin typeface="Open Sans Semibold"/>
+              </a:rPr>
+              <a:t>Forward simulation on single independent modes:</a:t>
+            </a:r>
+            <a:br>
+              <a:rPr lang="en-GB" sz="2400" b="1" strike="noStrike" spc="-1" dirty="0">
+                <a:solidFill>
+                  <a:srgbClr val="000000"/>
+                </a:solidFill>
+                <a:uFill>
+                  <a:solidFill>
+                    <a:srgbClr val="FFFFFF"/>
+                  </a:solidFill>
+                </a:uFill>
+                <a:latin typeface="Open Sans Semibold"/>
+              </a:rPr>
+            </a:br>
+            <a:r>
+              <a:rPr lang="en-GB" sz="2400" strike="noStrike" spc="-1" dirty="0">
+                <a:solidFill>
+                  <a:srgbClr val="000000"/>
+                </a:solidFill>
+                <a:uFill>
+                  <a:solidFill>
+                    <a:srgbClr val="FFFFFF"/>
+                  </a:solidFill>
+                </a:uFill>
+                <a:latin typeface="Open Sans Semibold"/>
+              </a:rPr>
+              <a:t>Data prediction of a known mode.</a:t>
+            </a:r>
+            <a:br>
+              <a:rPr lang="en-GB" sz="2400" strike="noStrike" spc="-1" dirty="0">
+                <a:solidFill>
+                  <a:srgbClr val="000000"/>
+                </a:solidFill>
+                <a:uFill>
+                  <a:solidFill>
+                    <a:srgbClr val="FFFFFF"/>
+                  </a:solidFill>
+                </a:uFill>
+                <a:latin typeface="Open Sans Semibold"/>
+              </a:rPr>
+            </a:br>
+            <a:r>
+              <a:rPr lang="en-GB" sz="2400" strike="noStrike" spc="-1" dirty="0">
+                <a:solidFill>
+                  <a:srgbClr val="000000"/>
+                </a:solidFill>
+                <a:uFill>
+                  <a:solidFill>
+                    <a:srgbClr val="FFFFFF"/>
+                  </a:solidFill>
+                </a:uFill>
+                <a:latin typeface="Open Sans Semibold"/>
+              </a:rPr>
+              <a:t>Focused on studying the effects of a single active mode per simulation.</a:t>
+            </a:r>
+            <a:endParaRPr lang="en-GB" sz="1800" strike="noStrike" spc="-1" dirty="0">
+              <a:solidFill>
+                <a:srgbClr val="000000"/>
+              </a:solidFill>
+              <a:uFill>
+                <a:solidFill>
+                  <a:srgbClr val="FFFFFF"/>
                 </a:solidFill>
               </a:uFill>
               <a:latin typeface="Arial"/>
@@ -2211,13 +5779,13 @@
       </p:sp>
       <p:sp>
         <p:nvSpPr>
-          <p:cNvPr id="40" name="CustomShape 2"/>
+          <p:cNvPr id="42" name="CustomShape 4"/>
           <p:cNvSpPr/>
           <p:nvPr/>
         </p:nvSpPr>
         <p:spPr>
           <a:xfrm>
-            <a:off x="972360" y="17732160"/>
+            <a:off x="11557440" y="17202962"/>
             <a:ext cx="9071280" cy="9285480"/>
           </a:xfrm>
           <a:prstGeom prst="rect">
@@ -2229,13 +5797,20 @@
           </a:ln>
         </p:spPr>
         <p:style>
-          <a:lnRef idx="0"/>
-          <a:fillRef idx="0"/>
-          <a:effectRef idx="0"/>
+          <a:lnRef idx="0">
+            <a:scrgbClr r="0" g="0" b="0"/>
+          </a:lnRef>
+          <a:fillRef idx="0">
+            <a:scrgbClr r="0" g="0" b="0"/>
+          </a:fillRef>
+          <a:effectRef idx="0">
+            <a:scrgbClr r="0" g="0" b="0"/>
+          </a:effectRef>
           <a:fontRef idx="minor"/>
         </p:style>
         <p:txBody>
-          <a:bodyPr lIns="90000" rIns="90000" tIns="45000" bIns="45000"/>
+          <a:bodyPr lIns="90000" tIns="45000" rIns="90000" bIns="45000"/>
+          <a:lstStyle/>
           <a:p>
             <a:pPr marL="378000" indent="-375120">
               <a:lnSpc>
@@ -2248,1759 +5823,552 @@
               <a:buChar char=""/>
             </a:pPr>
             <a:r>
-              <a:rPr b="0" lang="en-GB" sz="3200" spc="-1" strike="noStrike">
+              <a:rPr lang="en-GB" sz="3200" b="0" strike="noStrike" spc="-1" dirty="0">
                 <a:solidFill>
                   <a:srgbClr val="000000"/>
                 </a:solidFill>
                 <a:uFill>
                   <a:solidFill>
-                    <a:srgbClr val="ffffff"/>
+                    <a:srgbClr val="FFFFFF"/>
                   </a:solidFill>
                 </a:uFill>
                 <a:latin typeface="Open Sans Semibold"/>
                 <a:ea typeface="Open Sans Semibold"/>
               </a:rPr>
-              <a:t> </a:t>
+              <a:t> Achievements</a:t>
             </a:r>
+          </a:p>
+          <a:p>
+            <a:pPr marL="378000" indent="-375120">
+              <a:lnSpc>
+                <a:spcPct val="100000"/>
+              </a:lnSpc>
+              <a:buClr>
+                <a:srgbClr val="000000"/>
+              </a:buClr>
+              <a:buFont typeface="Wingdings" charset="2"/>
+              <a:buChar char=""/>
+            </a:pPr>
+            <a:endParaRPr lang="en-GB" sz="2000" spc="-1" dirty="0">
+              <a:solidFill>
+                <a:srgbClr val="000000"/>
+              </a:solidFill>
+              <a:uFill>
+                <a:solidFill>
+                  <a:srgbClr val="FFFFFF"/>
+                </a:solidFill>
+              </a:uFill>
+              <a:latin typeface="Open Sans Semibold"/>
+              <a:ea typeface="Open Sans Semibold"/>
+            </a:endParaRPr>
+          </a:p>
+          <a:p>
+            <a:pPr marL="460080" lvl="1">
+              <a:buClr>
+                <a:srgbClr val="000000"/>
+              </a:buClr>
+            </a:pPr>
             <a:r>
-              <a:rPr b="0" lang="en-GB" sz="3200" spc="-1" strike="noStrike">
+              <a:rPr lang="en-GB" sz="2400" spc="-1" dirty="0">
                 <a:solidFill>
                   <a:srgbClr val="000000"/>
                 </a:solidFill>
                 <a:uFill>
                   <a:solidFill>
-                    <a:srgbClr val="ffffff"/>
+                    <a:srgbClr val="FFFFFF"/>
                   </a:solidFill>
                 </a:uFill>
                 <a:latin typeface="Open Sans Semibold"/>
                 <a:ea typeface="Open Sans Semibold"/>
               </a:rPr>
-              <a:t>Goals</a:t>
+              <a:t>All experiments are based on the three tanks model system, a common problem based on a non linear model.</a:t>
             </a:r>
-            <a:endParaRPr b="0" lang="en-GB" sz="1800" spc="-1" strike="noStrike">
+          </a:p>
+          <a:p>
+            <a:pPr marL="460080" lvl="1">
+              <a:buClr>
+                <a:srgbClr val="000000"/>
+              </a:buClr>
+            </a:pPr>
+            <a:endParaRPr lang="en-GB" sz="2400" spc="-1" dirty="0">
               <a:solidFill>
                 <a:srgbClr val="000000"/>
               </a:solidFill>
               <a:uFill>
                 <a:solidFill>
-                  <a:srgbClr val="ffffff"/>
+                  <a:srgbClr val="FFFFFF"/>
                 </a:solidFill>
               </a:uFill>
-              <a:latin typeface="Arial"/>
+              <a:latin typeface="Open Sans Semibold"/>
+              <a:ea typeface="Open Sans Semibold"/>
             </a:endParaRPr>
           </a:p>
           <a:p>
-            <a:pPr marL="378000" indent="-375120">
-              <a:lnSpc>
-                <a:spcPct val="100000"/>
-              </a:lnSpc>
+            <a:pPr marL="460080" lvl="1">
               <a:buClr>
                 <a:srgbClr val="000000"/>
               </a:buClr>
-              <a:buFont typeface="Wingdings" charset="2"/>
-              <a:buChar char=""/>
+            </a:pPr>
+            <a:endParaRPr lang="en-GB" sz="2400" spc="-1" dirty="0">
+              <a:solidFill>
+                <a:srgbClr val="000000"/>
+              </a:solidFill>
+              <a:uFill>
+                <a:solidFill>
+                  <a:srgbClr val="FFFFFF"/>
+                </a:solidFill>
+              </a:uFill>
+              <a:latin typeface="Open Sans Semibold"/>
+              <a:ea typeface="Open Sans Semibold"/>
+            </a:endParaRPr>
+          </a:p>
+          <a:p>
+            <a:pPr marL="460080" lvl="1">
+              <a:buClr>
+                <a:srgbClr val="000000"/>
+              </a:buClr>
+            </a:pPr>
+            <a:endParaRPr lang="en-GB" sz="2400" spc="-1" dirty="0">
+              <a:solidFill>
+                <a:srgbClr val="000000"/>
+              </a:solidFill>
+              <a:uFill>
+                <a:solidFill>
+                  <a:srgbClr val="FFFFFF"/>
+                </a:solidFill>
+              </a:uFill>
+              <a:latin typeface="Open Sans Semibold"/>
+              <a:ea typeface="Open Sans Semibold"/>
+            </a:endParaRPr>
+          </a:p>
+          <a:p>
+            <a:pPr marL="460080" lvl="1">
+              <a:buClr>
+                <a:srgbClr val="000000"/>
+              </a:buClr>
+            </a:pPr>
+            <a:endParaRPr lang="en-GB" sz="2400" spc="-1" dirty="0">
+              <a:solidFill>
+                <a:srgbClr val="000000"/>
+              </a:solidFill>
+              <a:uFill>
+                <a:solidFill>
+                  <a:srgbClr val="FFFFFF"/>
+                </a:solidFill>
+              </a:uFill>
+              <a:latin typeface="Open Sans Semibold"/>
+              <a:ea typeface="Open Sans Semibold"/>
+            </a:endParaRPr>
+          </a:p>
+          <a:p>
+            <a:pPr marL="460080" lvl="1">
+              <a:buClr>
+                <a:srgbClr val="000000"/>
+              </a:buClr>
+            </a:pPr>
+            <a:endParaRPr lang="en-GB" sz="2400" spc="-1" dirty="0">
+              <a:solidFill>
+                <a:srgbClr val="000000"/>
+              </a:solidFill>
+              <a:uFill>
+                <a:solidFill>
+                  <a:srgbClr val="FFFFFF"/>
+                </a:solidFill>
+              </a:uFill>
+              <a:latin typeface="Open Sans Semibold"/>
+              <a:ea typeface="Open Sans Semibold"/>
+            </a:endParaRPr>
+          </a:p>
+          <a:p>
+            <a:pPr marL="460080" indent="-457200">
+              <a:buClr>
+                <a:srgbClr val="000000"/>
+              </a:buClr>
+              <a:buFont typeface="+mj-lt"/>
+              <a:buAutoNum type="arabicPeriod"/>
             </a:pPr>
             <a:r>
-              <a:rPr b="0" lang="en-GB" sz="2400" spc="-1" strike="noStrike">
+              <a:rPr lang="en-GB" sz="2400" spc="-1" dirty="0">
                 <a:solidFill>
                   <a:srgbClr val="000000"/>
                 </a:solidFill>
                 <a:uFill>
                   <a:solidFill>
-                    <a:srgbClr val="ffffff"/>
+                    <a:srgbClr val="FFFFFF"/>
                   </a:solidFill>
                 </a:uFill>
                 <a:latin typeface="Open Sans Semibold"/>
                 <a:ea typeface="Open Sans Semibold"/>
               </a:rPr>
-              <a:t> </a:t>
+              <a:t>Non linear vs linear models:</a:t>
             </a:r>
-            <a:endParaRPr b="0" lang="en-GB" sz="1800" spc="-1" strike="noStrike">
-              <a:solidFill>
-                <a:srgbClr val="000000"/>
-              </a:solidFill>
-              <a:uFill>
-                <a:solidFill>
-                  <a:srgbClr val="ffffff"/>
-                </a:solidFill>
-              </a:uFill>
-              <a:latin typeface="Arial"/>
-            </a:endParaRPr>
-          </a:p>
-          <a:p>
-            <a:pPr marL="216000" indent="-214200">
-              <a:lnSpc>
-                <a:spcPct val="100000"/>
-              </a:lnSpc>
-              <a:buClr>
-                <a:srgbClr val="000000"/>
-              </a:buClr>
-              <a:buSzPct val="45000"/>
-              <a:buFont typeface="Wingdings" charset="2"/>
-              <a:buChar char=""/>
-            </a:pPr>
-            <a:r>
-              <a:rPr b="1" lang="en-GB" sz="2400" spc="-1" strike="noStrike">
+            <a:br>
+              <a:rPr lang="en-GB" sz="2400" spc="-1" dirty="0">
                 <a:solidFill>
                   <a:srgbClr val="000000"/>
                 </a:solidFill>
                 <a:uFill>
                   <a:solidFill>
-                    <a:srgbClr val="ffffff"/>
+                    <a:srgbClr val="FFFFFF"/>
                   </a:solidFill>
                 </a:uFill>
                 <a:latin typeface="Open Sans Semibold"/>
                 <a:ea typeface="Open Sans Semibold"/>
               </a:rPr>
-              <a:t>Multi active modes:</a:t>
-            </a:r>
-            <a:endParaRPr b="0" lang="en-GB" sz="1800" spc="-1" strike="noStrike">
-              <a:solidFill>
-                <a:srgbClr val="000000"/>
-              </a:solidFill>
-              <a:uFill>
-                <a:solidFill>
-                  <a:srgbClr val="ffffff"/>
-                </a:solidFill>
-              </a:uFill>
-              <a:latin typeface="Arial"/>
-            </a:endParaRPr>
-          </a:p>
-          <a:p>
-            <a:pPr marL="216000" indent="-214200">
-              <a:lnSpc>
-                <a:spcPct val="100000"/>
-              </a:lnSpc>
-              <a:buClr>
-                <a:srgbClr val="000000"/>
-              </a:buClr>
-              <a:buSzPct val="45000"/>
-              <a:buFont typeface="Wingdings" charset="2"/>
-              <a:buChar char=""/>
-            </a:pPr>
+            </a:br>
             <a:r>
-              <a:rPr b="0" lang="en-GB" sz="2400" spc="-1" strike="noStrike">
+              <a:rPr lang="en-GB" sz="2400" spc="-1" dirty="0">
                 <a:solidFill>
                   <a:srgbClr val="000000"/>
                 </a:solidFill>
                 <a:uFill>
                   <a:solidFill>
-                    <a:srgbClr val="ffffff"/>
+                    <a:srgbClr val="FFFFFF"/>
                   </a:solidFill>
                 </a:uFill>
                 <a:latin typeface="Open Sans Semibold"/>
                 <a:ea typeface="Open Sans Semibold"/>
               </a:rPr>
-              <a:t>Extending the forward simulation to include different modes at the same time.</a:t>
+              <a:t>Based only on data gathered from simulation, we simplified the non linear model to a linear one.</a:t>
             </a:r>
-            <a:endParaRPr b="0" lang="en-GB" sz="1800" spc="-1" strike="noStrike">
+          </a:p>
+          <a:p>
+            <a:pPr marL="460080" indent="-457200">
+              <a:buClr>
+                <a:srgbClr val="000000"/>
+              </a:buClr>
+              <a:buFont typeface="+mj-lt"/>
+              <a:buAutoNum type="arabicPeriod"/>
+            </a:pPr>
+            <a:endParaRPr lang="en-GB" spc="-1" dirty="0">
               <a:solidFill>
                 <a:srgbClr val="000000"/>
               </a:solidFill>
               <a:uFill>
                 <a:solidFill>
-                  <a:srgbClr val="ffffff"/>
+                  <a:srgbClr val="FFFFFF"/>
                 </a:solidFill>
               </a:uFill>
-              <a:latin typeface="Arial"/>
+              <a:latin typeface="Open Sans Semibold"/>
+              <a:ea typeface="Open Sans Semibold"/>
             </a:endParaRPr>
           </a:p>
           <a:p>
-            <a:pPr marL="216000" indent="-214200">
-              <a:lnSpc>
-                <a:spcPct val="100000"/>
-              </a:lnSpc>
+            <a:pPr marL="460080" indent="-457200">
               <a:buClr>
                 <a:srgbClr val="000000"/>
               </a:buClr>
-              <a:buSzPct val="45000"/>
-              <a:buFont typeface="Wingdings" charset="2"/>
-              <a:buChar char=""/>
+              <a:buFont typeface="+mj-lt"/>
+              <a:buAutoNum type="arabicPeriod"/>
             </a:pPr>
             <a:r>
-              <a:rPr b="0" lang="en-GB" sz="2400" spc="-1" strike="noStrike">
+              <a:rPr lang="en-GB" sz="2400" spc="-1" dirty="0">
                 <a:solidFill>
                   <a:srgbClr val="000000"/>
                 </a:solidFill>
                 <a:uFill>
                   <a:solidFill>
-                    <a:srgbClr val="ffffff"/>
+                    <a:srgbClr val="FFFFFF"/>
                   </a:solidFill>
                 </a:uFill>
                 <a:latin typeface="Open Sans Semibold"/>
                 <a:ea typeface="Open Sans Semibold"/>
               </a:rPr>
-              <a:t> </a:t>
+              <a:t>Attacks vs. Faults isolation:</a:t>
             </a:r>
-            <a:endParaRPr b="0" lang="en-GB" sz="1800" spc="-1" strike="noStrike">
-              <a:solidFill>
-                <a:srgbClr val="000000"/>
-              </a:solidFill>
-              <a:uFill>
-                <a:solidFill>
-                  <a:srgbClr val="ffffff"/>
-                </a:solidFill>
-              </a:uFill>
-              <a:latin typeface="Arial"/>
-            </a:endParaRPr>
-          </a:p>
-          <a:p>
-            <a:pPr marL="216000" indent="-214200">
-              <a:lnSpc>
-                <a:spcPct val="100000"/>
-              </a:lnSpc>
-              <a:buClr>
-                <a:srgbClr val="000000"/>
-              </a:buClr>
-              <a:buSzPct val="45000"/>
-              <a:buFont typeface="Wingdings" charset="2"/>
-              <a:buChar char=""/>
-            </a:pPr>
-            <a:r>
-              <a:rPr b="1" lang="en-GB" sz="2400" spc="-1" strike="noStrike">
+            <a:br>
+              <a:rPr lang="en-GB" sz="2400" spc="-1" dirty="0">
                 <a:solidFill>
                   <a:srgbClr val="000000"/>
                 </a:solidFill>
                 <a:uFill>
                   <a:solidFill>
-                    <a:srgbClr val="ffffff"/>
+                    <a:srgbClr val="FFFFFF"/>
                   </a:solidFill>
                 </a:uFill>
                 <a:latin typeface="Open Sans Semibold"/>
                 <a:ea typeface="Open Sans Semibold"/>
               </a:rPr>
-              <a:t>Inverse inference:</a:t>
-            </a:r>
-            <a:endParaRPr b="0" lang="en-GB" sz="1800" spc="-1" strike="noStrike">
-              <a:solidFill>
-                <a:srgbClr val="000000"/>
-              </a:solidFill>
-              <a:uFill>
-                <a:solidFill>
-                  <a:srgbClr val="ffffff"/>
-                </a:solidFill>
-              </a:uFill>
-              <a:latin typeface="Arial"/>
-            </a:endParaRPr>
-          </a:p>
-          <a:p>
-            <a:pPr marL="216000" indent="-214200">
-              <a:lnSpc>
-                <a:spcPct val="100000"/>
-              </a:lnSpc>
-              <a:buClr>
-                <a:srgbClr val="000000"/>
-              </a:buClr>
-              <a:buSzPct val="45000"/>
-              <a:buFont typeface="Wingdings" charset="2"/>
-              <a:buChar char=""/>
-            </a:pPr>
+            </a:br>
             <a:r>
-              <a:rPr b="0" lang="en-GB" sz="2400" spc="-1" strike="noStrike">
+              <a:rPr lang="en-GB" sz="2400" spc="-1" dirty="0">
                 <a:solidFill>
                   <a:srgbClr val="000000"/>
                 </a:solidFill>
                 <a:uFill>
                   <a:solidFill>
-                    <a:srgbClr val="ffffff"/>
+                    <a:srgbClr val="FFFFFF"/>
                   </a:solidFill>
                 </a:uFill>
                 <a:latin typeface="Open Sans Semibold"/>
                 <a:ea typeface="Open Sans Semibold"/>
               </a:rPr>
-              <a:t>As opposed to forward simulation, we have to identify which mode(s) led to the current state. Reverting the process is computationally more demanding due to overlaps and synergies that modes can have with each other.</a:t>
+              <a:t>Inverse inference application to identify if the system is having some internal faults or is under attack.</a:t>
             </a:r>
-            <a:endParaRPr b="0" lang="en-GB" sz="1800" spc="-1" strike="noStrike">
+          </a:p>
+          <a:p>
+            <a:pPr marL="460080" indent="-457200">
+              <a:buClr>
+                <a:srgbClr val="000000"/>
+              </a:buClr>
+              <a:buFont typeface="+mj-lt"/>
+              <a:buAutoNum type="arabicPeriod"/>
+            </a:pPr>
+            <a:endParaRPr lang="en-GB" sz="2400" spc="-1" dirty="0">
               <a:solidFill>
                 <a:srgbClr val="000000"/>
               </a:solidFill>
               <a:uFill>
                 <a:solidFill>
-                  <a:srgbClr val="ffffff"/>
+                  <a:srgbClr val="FFFFFF"/>
                 </a:solidFill>
               </a:uFill>
-              <a:latin typeface="Arial"/>
+              <a:latin typeface="Open Sans Semibold"/>
+              <a:ea typeface="Open Sans Semibold"/>
             </a:endParaRPr>
           </a:p>
           <a:p>
-            <a:pPr marL="216000" indent="-214200">
-              <a:lnSpc>
-                <a:spcPct val="100000"/>
-              </a:lnSpc>
+            <a:pPr marL="460080" indent="-457200">
               <a:buClr>
                 <a:srgbClr val="000000"/>
               </a:buClr>
-              <a:buSzPct val="45000"/>
-              <a:buFont typeface="Wingdings" charset="2"/>
-              <a:buChar char=""/>
+              <a:buFont typeface="+mj-lt"/>
+              <a:buAutoNum type="arabicPeriod"/>
+            </a:pPr>
+            <a:endParaRPr lang="en-GB" sz="2400" spc="-1" dirty="0">
+              <a:solidFill>
+                <a:srgbClr val="000000"/>
+              </a:solidFill>
+              <a:uFill>
+                <a:solidFill>
+                  <a:srgbClr val="FFFFFF"/>
+                </a:solidFill>
+              </a:uFill>
+              <a:latin typeface="Open Sans Semibold"/>
+              <a:ea typeface="Open Sans Semibold"/>
+            </a:endParaRPr>
+          </a:p>
+          <a:p>
+            <a:pPr marL="460080" indent="-457200">
+              <a:buClr>
+                <a:srgbClr val="000000"/>
+              </a:buClr>
+              <a:buFont typeface="+mj-lt"/>
+              <a:buAutoNum type="arabicPeriod"/>
+            </a:pPr>
+            <a:endParaRPr lang="en-GB" sz="2400" spc="-1" dirty="0">
+              <a:solidFill>
+                <a:srgbClr val="000000"/>
+              </a:solidFill>
+              <a:uFill>
+                <a:solidFill>
+                  <a:srgbClr val="FFFFFF"/>
+                </a:solidFill>
+              </a:uFill>
+              <a:latin typeface="Open Sans Semibold"/>
+              <a:ea typeface="Open Sans Semibold"/>
+            </a:endParaRPr>
+          </a:p>
+          <a:p>
+            <a:pPr marL="460080" indent="-457200">
+              <a:buClr>
+                <a:srgbClr val="000000"/>
+              </a:buClr>
+              <a:buFont typeface="+mj-lt"/>
+              <a:buAutoNum type="arabicPeriod"/>
+            </a:pPr>
+            <a:endParaRPr lang="en-GB" sz="2400" spc="-1" dirty="0">
+              <a:solidFill>
+                <a:srgbClr val="000000"/>
+              </a:solidFill>
+              <a:uFill>
+                <a:solidFill>
+                  <a:srgbClr val="FFFFFF"/>
+                </a:solidFill>
+              </a:uFill>
+              <a:latin typeface="Open Sans Semibold"/>
+              <a:ea typeface="Open Sans Semibold"/>
+            </a:endParaRPr>
+          </a:p>
+          <a:p>
+            <a:pPr marL="460080" indent="-457200">
+              <a:buClr>
+                <a:srgbClr val="000000"/>
+              </a:buClr>
+              <a:buFont typeface="+mj-lt"/>
+              <a:buAutoNum type="arabicPeriod"/>
+            </a:pPr>
+            <a:endParaRPr lang="en-GB" sz="2400" spc="-1" dirty="0">
+              <a:solidFill>
+                <a:srgbClr val="000000"/>
+              </a:solidFill>
+              <a:uFill>
+                <a:solidFill>
+                  <a:srgbClr val="FFFFFF"/>
+                </a:solidFill>
+              </a:uFill>
+              <a:latin typeface="Open Sans Semibold"/>
+              <a:ea typeface="Open Sans Semibold"/>
+            </a:endParaRPr>
+          </a:p>
+          <a:p>
+            <a:pPr marL="460080" indent="-457200">
+              <a:buClr>
+                <a:srgbClr val="000000"/>
+              </a:buClr>
+              <a:buFont typeface="+mj-lt"/>
+              <a:buAutoNum type="arabicPeriod"/>
+            </a:pPr>
+            <a:endParaRPr lang="en-GB" sz="2400" spc="-1" dirty="0">
+              <a:solidFill>
+                <a:srgbClr val="000000"/>
+              </a:solidFill>
+              <a:uFill>
+                <a:solidFill>
+                  <a:srgbClr val="FFFFFF"/>
+                </a:solidFill>
+              </a:uFill>
+              <a:latin typeface="Open Sans Semibold"/>
+              <a:ea typeface="Open Sans Semibold"/>
+            </a:endParaRPr>
+          </a:p>
+          <a:p>
+            <a:pPr marL="460080" indent="-457200">
+              <a:buClr>
+                <a:srgbClr val="000000"/>
+              </a:buClr>
+              <a:buFont typeface="+mj-lt"/>
+              <a:buAutoNum type="arabicPeriod"/>
+            </a:pPr>
+            <a:endParaRPr lang="en-GB" sz="2400" spc="-1" dirty="0">
+              <a:solidFill>
+                <a:srgbClr val="000000"/>
+              </a:solidFill>
+              <a:uFill>
+                <a:solidFill>
+                  <a:srgbClr val="FFFFFF"/>
+                </a:solidFill>
+              </a:uFill>
+              <a:latin typeface="Open Sans Semibold"/>
+              <a:ea typeface="Open Sans Semibold"/>
+            </a:endParaRPr>
+          </a:p>
+          <a:p>
+            <a:pPr marL="460080" indent="-457200">
+              <a:buClr>
+                <a:srgbClr val="000000"/>
+              </a:buClr>
+              <a:buFont typeface="+mj-lt"/>
+              <a:buAutoNum type="arabicPeriod"/>
+            </a:pPr>
+            <a:endParaRPr lang="en-GB" sz="1300" spc="-1" dirty="0">
+              <a:solidFill>
+                <a:srgbClr val="000000"/>
+              </a:solidFill>
+              <a:uFill>
+                <a:solidFill>
+                  <a:srgbClr val="FFFFFF"/>
+                </a:solidFill>
+              </a:uFill>
+              <a:latin typeface="Open Sans Semibold"/>
+              <a:ea typeface="Open Sans Semibold"/>
+            </a:endParaRPr>
+          </a:p>
+          <a:p>
+            <a:pPr marL="2880" lvl="0" algn="ctr">
+              <a:buClr>
+                <a:srgbClr val="000000"/>
+              </a:buClr>
             </a:pPr>
             <a:r>
-              <a:rPr b="1" lang="en-GB" sz="2400" spc="-1" strike="noStrike">
+              <a:rPr lang="en-GB" sz="1300" spc="-1" dirty="0">
                 <a:solidFill>
                   <a:srgbClr val="000000"/>
                 </a:solidFill>
                 <a:uFill>
                   <a:solidFill>
-                    <a:srgbClr val="ffffff"/>
+                    <a:srgbClr val="FFFFFF"/>
                   </a:solidFill>
                 </a:uFill>
                 <a:latin typeface="Open Sans Semibold"/>
                 <a:ea typeface="Open Sans Semibold"/>
               </a:rPr>
-              <a:t>Diagnosis</a:t>
+              <a:t>Examples: An easy to detect attack on a sensor (left image); synergies of different active modes on the system creates similar to normal behaviour of the system, making them harder to detect (right image).</a:t>
             </a:r>
+          </a:p>
+          <a:p>
+            <a:pPr marL="288630" lvl="0" indent="-285750">
+              <a:buClr>
+                <a:srgbClr val="000000"/>
+              </a:buClr>
+              <a:buFont typeface="Wingdings" panose="05000000000000000000" pitchFamily="2" charset="2"/>
+              <a:buChar char="q"/>
+            </a:pPr>
             <a:r>
-              <a:rPr b="0" lang="en-GB" sz="2400" spc="-1" strike="noStrike">
+              <a:rPr lang="en-GB" sz="3200" spc="-1" dirty="0">
                 <a:solidFill>
                   <a:srgbClr val="000000"/>
                 </a:solidFill>
                 <a:uFill>
                   <a:solidFill>
-                    <a:srgbClr val="ffffff"/>
+                    <a:srgbClr val="FFFFFF"/>
                   </a:solidFill>
                 </a:uFill>
                 <a:latin typeface="Open Sans Semibold"/>
-                <a:ea typeface="Open Sans Semibold"/>
               </a:rPr>
-              <a:t> can be achieved from here, using the inverse approach to identify the faults compared to the normal mode of the system.</a:t>
+              <a:t> Future work</a:t>
             </a:r>
-            <a:endParaRPr b="0" lang="en-GB" sz="1800" spc="-1" strike="noStrike">
-              <a:solidFill>
-                <a:srgbClr val="000000"/>
-              </a:solidFill>
-              <a:uFill>
-                <a:solidFill>
-                  <a:srgbClr val="ffffff"/>
-                </a:solidFill>
-              </a:uFill>
-              <a:latin typeface="Arial"/>
-            </a:endParaRPr>
-          </a:p>
-          <a:p>
-            <a:pPr marL="216000" indent="-214200">
-              <a:lnSpc>
-                <a:spcPct val="100000"/>
-              </a:lnSpc>
+          </a:p>
+          <a:p>
+            <a:pPr marL="2880" lvl="0">
               <a:buClr>
                 <a:srgbClr val="000000"/>
               </a:buClr>
-              <a:buSzPct val="45000"/>
-              <a:buFont typeface="Wingdings" charset="2"/>
-              <a:buChar char=""/>
             </a:pPr>
             <a:r>
-              <a:rPr b="0" lang="en-GB" sz="2600" spc="-1" strike="noStrike">
+              <a:rPr lang="en-GB" sz="2400" spc="-1" dirty="0">
                 <a:solidFill>
                   <a:srgbClr val="000000"/>
                 </a:solidFill>
                 <a:uFill>
                   <a:solidFill>
-                    <a:srgbClr val="ffffff"/>
+                    <a:srgbClr val="FFFFFF"/>
                   </a:solidFill>
                 </a:uFill>
                 <a:latin typeface="Open Sans Semibold"/>
-                <a:ea typeface="Open Sans Semibold"/>
               </a:rPr>
-              <a:t> </a:t>
+              <a:t>Use machine learning to improve the mode identification process.</a:t>
             </a:r>
-            <a:endParaRPr b="0" lang="en-GB" sz="1800" spc="-1" strike="noStrike">
+            <a:endParaRPr lang="en-GB" sz="2400" spc="-1" dirty="0">
               <a:solidFill>
                 <a:srgbClr val="000000"/>
               </a:solidFill>
               <a:uFill>
                 <a:solidFill>
-                  <a:srgbClr val="ffffff"/>
+                  <a:srgbClr val="FFFFFF"/>
                 </a:solidFill>
               </a:uFill>
-              <a:latin typeface="Arial"/>
             </a:endParaRPr>
           </a:p>
-        </p:txBody>
-      </p:sp>
-      <p:sp>
-        <p:nvSpPr>
-          <p:cNvPr id="41" name="CustomShape 3"/>
-          <p:cNvSpPr/>
-          <p:nvPr/>
-        </p:nvSpPr>
-        <p:spPr>
-          <a:xfrm>
-            <a:off x="11457720" y="6615360"/>
-            <a:ext cx="9071280" cy="9285480"/>
-          </a:xfrm>
-          <a:prstGeom prst="rect">
-            <a:avLst/>
-          </a:prstGeom>
-          <a:noFill/>
-          <a:ln>
-            <a:noFill/>
-          </a:ln>
-        </p:spPr>
-        <p:style>
-          <a:lnRef idx="0"/>
-          <a:fillRef idx="0"/>
-          <a:effectRef idx="0"/>
-          <a:fontRef idx="minor"/>
-        </p:style>
-        <p:txBody>
-          <a:bodyPr lIns="90000" rIns="90000" tIns="45000" bIns="45000"/>
-          <a:p>
-            <a:pPr marL="378000" indent="-375120">
-              <a:lnSpc>
-                <a:spcPct val="100000"/>
-              </a:lnSpc>
+          <a:p>
+            <a:pPr marL="460080" indent="-457200">
               <a:buClr>
                 <a:srgbClr val="000000"/>
               </a:buClr>
-              <a:buFont typeface="Wingdings" charset="2"/>
-              <a:buChar char=""/>
+              <a:buFont typeface="+mj-lt"/>
+              <a:buAutoNum type="arabicPeriod"/>
             </a:pPr>
-            <a:r>
-              <a:rPr b="0" lang="en-GB" sz="3200" spc="-1" strike="noStrike">
-                <a:solidFill>
-                  <a:srgbClr val="000000"/>
-                </a:solidFill>
-                <a:uFill>
-                  <a:solidFill>
-                    <a:srgbClr val="ffffff"/>
-                  </a:solidFill>
-                </a:uFill>
-                <a:latin typeface="Open Sans Semibold"/>
-                <a:ea typeface="Open Sans Semibold"/>
-              </a:rPr>
-              <a:t> </a:t>
-            </a:r>
-            <a:r>
-              <a:rPr b="0" lang="en-GB" sz="3200" spc="-1" strike="noStrike">
-                <a:solidFill>
-                  <a:srgbClr val="000000"/>
-                </a:solidFill>
-                <a:uFill>
-                  <a:solidFill>
-                    <a:srgbClr val="ffffff"/>
-                  </a:solidFill>
-                </a:uFill>
-                <a:latin typeface="Open Sans Semibold"/>
-                <a:ea typeface="Open Sans Semibold"/>
-              </a:rPr>
-              <a:t>State of art</a:t>
-            </a:r>
-            <a:endParaRPr b="0" lang="en-GB" sz="1800" spc="-1" strike="noStrike">
+            <a:endParaRPr lang="en-GB" sz="2400" spc="-1" dirty="0">
               <a:solidFill>
                 <a:srgbClr val="000000"/>
               </a:solidFill>
               <a:uFill>
                 <a:solidFill>
-                  <a:srgbClr val="ffffff"/>
+                  <a:srgbClr val="FFFFFF"/>
                 </a:solidFill>
               </a:uFill>
-              <a:latin typeface="Arial"/>
-            </a:endParaRPr>
-          </a:p>
-          <a:p>
-            <a:pPr marL="378000" indent="-375120">
-              <a:lnSpc>
-                <a:spcPct val="100000"/>
-              </a:lnSpc>
-              <a:buClr>
-                <a:srgbClr val="000000"/>
-              </a:buClr>
-              <a:buFont typeface="Wingdings" charset="2"/>
-              <a:buChar char=""/>
-            </a:pPr>
-            <a:r>
-              <a:rPr b="0" lang="en-GB" sz="3200" spc="-1" strike="noStrike">
-                <a:solidFill>
-                  <a:srgbClr val="000000"/>
-                </a:solidFill>
-                <a:uFill>
-                  <a:solidFill>
-                    <a:srgbClr val="ffffff"/>
-                  </a:solidFill>
-                </a:uFill>
-                <a:latin typeface="Open Sans Semibold"/>
-                <a:ea typeface="Open Sans Semibold"/>
-              </a:rPr>
-              <a:t> </a:t>
-            </a:r>
-            <a:endParaRPr b="0" lang="en-GB" sz="1800" spc="-1" strike="noStrike">
-              <a:solidFill>
-                <a:srgbClr val="000000"/>
-              </a:solidFill>
-              <a:uFill>
-                <a:solidFill>
-                  <a:srgbClr val="ffffff"/>
-                </a:solidFill>
-              </a:uFill>
-              <a:latin typeface="Arial"/>
-            </a:endParaRPr>
-          </a:p>
-          <a:p>
-            <a:pPr marL="216000" indent="-214200">
-              <a:lnSpc>
-                <a:spcPct val="100000"/>
-              </a:lnSpc>
-              <a:buClr>
-                <a:srgbClr val="000000"/>
-              </a:buClr>
-              <a:buSzPct val="45000"/>
-              <a:buFont typeface="Wingdings" charset="2"/>
-              <a:buChar char=""/>
-            </a:pPr>
-            <a:r>
-              <a:rPr b="1" lang="en-GB" sz="2400" spc="-1" strike="noStrike">
-                <a:solidFill>
-                  <a:srgbClr val="000000"/>
-                </a:solidFill>
-                <a:uFill>
-                  <a:solidFill>
-                    <a:srgbClr val="ffffff"/>
-                  </a:solidFill>
-                </a:uFill>
-                <a:latin typeface="Open Sans Semibold"/>
-                <a:ea typeface="Open Sans Semibold"/>
-              </a:rPr>
-              <a:t>Forward simulation:</a:t>
-            </a:r>
-            <a:endParaRPr b="0" lang="en-GB" sz="1800" spc="-1" strike="noStrike">
-              <a:solidFill>
-                <a:srgbClr val="000000"/>
-              </a:solidFill>
-              <a:uFill>
-                <a:solidFill>
-                  <a:srgbClr val="ffffff"/>
-                </a:solidFill>
-              </a:uFill>
-              <a:latin typeface="Arial"/>
-            </a:endParaRPr>
-          </a:p>
-          <a:p>
-            <a:pPr marL="216000" indent="-214200">
-              <a:lnSpc>
-                <a:spcPct val="100000"/>
-              </a:lnSpc>
-              <a:buClr>
-                <a:srgbClr val="000000"/>
-              </a:buClr>
-              <a:buSzPct val="45000"/>
-              <a:buFont typeface="Wingdings" charset="2"/>
-              <a:buChar char=""/>
-            </a:pPr>
-            <a:r>
-              <a:rPr b="0" lang="en-GB" sz="2400" spc="-1" strike="noStrike">
-                <a:solidFill>
-                  <a:srgbClr val="000000"/>
-                </a:solidFill>
-                <a:uFill>
-                  <a:solidFill>
-                    <a:srgbClr val="ffffff"/>
-                  </a:solidFill>
-                </a:uFill>
-                <a:latin typeface="Open Sans Semibold"/>
-                <a:ea typeface="Open Sans Semibold"/>
-              </a:rPr>
-              <a:t>Data prediction from a known model, based on the </a:t>
-            </a:r>
-            <a:r>
-              <a:rPr b="1" lang="en-GB" sz="2400" spc="-1" strike="noStrike">
-                <a:solidFill>
-                  <a:srgbClr val="000000"/>
-                </a:solidFill>
-                <a:uFill>
-                  <a:solidFill>
-                    <a:srgbClr val="ffffff"/>
-                  </a:solidFill>
-                </a:uFill>
-                <a:latin typeface="Open Sans Semibold"/>
-                <a:ea typeface="Open Sans Semibold"/>
-              </a:rPr>
-              <a:t>mode</a:t>
-            </a:r>
-            <a:r>
-              <a:rPr b="0" lang="en-GB" sz="2400" spc="-1" strike="noStrike">
-                <a:solidFill>
-                  <a:srgbClr val="000000"/>
-                </a:solidFill>
-                <a:uFill>
-                  <a:solidFill>
-                    <a:srgbClr val="ffffff"/>
-                  </a:solidFill>
-                </a:uFill>
-                <a:latin typeface="Open Sans Semibold"/>
-                <a:ea typeface="Open Sans Semibold"/>
-              </a:rPr>
-              <a:t> notion. A mode represent a real system behaviour.</a:t>
-            </a:r>
-            <a:endParaRPr b="0" lang="en-GB" sz="1800" spc="-1" strike="noStrike">
-              <a:solidFill>
-                <a:srgbClr val="000000"/>
-              </a:solidFill>
-              <a:uFill>
-                <a:solidFill>
-                  <a:srgbClr val="ffffff"/>
-                </a:solidFill>
-              </a:uFill>
-              <a:latin typeface="Arial"/>
-            </a:endParaRPr>
-          </a:p>
-          <a:p>
-            <a:pPr marL="216000" indent="-214200">
-              <a:lnSpc>
-                <a:spcPct val="100000"/>
-              </a:lnSpc>
-              <a:buClr>
-                <a:srgbClr val="000000"/>
-              </a:buClr>
-              <a:buSzPct val="45000"/>
-              <a:buFont typeface="Wingdings" charset="2"/>
-              <a:buChar char=""/>
-            </a:pPr>
-            <a:r>
-              <a:rPr b="0" lang="en-GB" sz="2400" spc="-1" strike="noStrike">
-                <a:solidFill>
-                  <a:srgbClr val="000000"/>
-                </a:solidFill>
-                <a:uFill>
-                  <a:solidFill>
-                    <a:srgbClr val="ffffff"/>
-                  </a:solidFill>
-                </a:uFill>
-                <a:latin typeface="Open Sans Semibold"/>
-                <a:ea typeface="Open Sans Semibold"/>
-              </a:rPr>
-              <a:t>It is focused on studying the effects of a single active mode per simulation.</a:t>
-            </a:r>
-            <a:endParaRPr b="0" lang="en-GB" sz="1800" spc="-1" strike="noStrike">
-              <a:solidFill>
-                <a:srgbClr val="000000"/>
-              </a:solidFill>
-              <a:uFill>
-                <a:solidFill>
-                  <a:srgbClr val="ffffff"/>
-                </a:solidFill>
-              </a:uFill>
-              <a:latin typeface="Arial"/>
-            </a:endParaRPr>
-          </a:p>
-          <a:p>
-            <a:pPr marL="216000" indent="-214200">
-              <a:lnSpc>
-                <a:spcPct val="100000"/>
-              </a:lnSpc>
-              <a:buClr>
-                <a:srgbClr val="000000"/>
-              </a:buClr>
-              <a:buSzPct val="45000"/>
-              <a:buFont typeface="Wingdings" charset="2"/>
-              <a:buChar char=""/>
-            </a:pPr>
-            <a:r>
-              <a:rPr b="0" lang="en-GB" sz="2400" spc="-1" strike="noStrike">
-                <a:solidFill>
-                  <a:srgbClr val="000000"/>
-                </a:solidFill>
-                <a:uFill>
-                  <a:solidFill>
-                    <a:srgbClr val="ffffff"/>
-                  </a:solidFill>
-                </a:uFill>
-                <a:latin typeface="Open Sans Semibold"/>
-                <a:ea typeface="Open Sans Semibold"/>
-              </a:rPr>
-              <a:t> </a:t>
-            </a:r>
-            <a:endParaRPr b="0" lang="en-GB" sz="1800" spc="-1" strike="noStrike">
-              <a:solidFill>
-                <a:srgbClr val="000000"/>
-              </a:solidFill>
-              <a:uFill>
-                <a:solidFill>
-                  <a:srgbClr val="ffffff"/>
-                </a:solidFill>
-              </a:uFill>
-              <a:latin typeface="Arial"/>
-            </a:endParaRPr>
-          </a:p>
-          <a:p>
-            <a:pPr marL="216000" indent="-214200">
-              <a:lnSpc>
-                <a:spcPct val="100000"/>
-              </a:lnSpc>
-              <a:buClr>
-                <a:srgbClr val="000000"/>
-              </a:buClr>
-              <a:buSzPct val="45000"/>
-              <a:buFont typeface="Wingdings" charset="2"/>
-              <a:buChar char=""/>
-            </a:pPr>
-            <a:r>
-              <a:rPr b="1" lang="en-GB" sz="2400" spc="-1" strike="noStrike">
-                <a:solidFill>
-                  <a:srgbClr val="000000"/>
-                </a:solidFill>
-                <a:uFill>
-                  <a:solidFill>
-                    <a:srgbClr val="ffffff"/>
-                  </a:solidFill>
-                </a:uFill>
-                <a:latin typeface="Open Sans Semibold"/>
-                <a:ea typeface="Open Sans Semibold"/>
-              </a:rPr>
-              <a:t>Ensemble of models:</a:t>
-            </a:r>
-            <a:endParaRPr b="0" lang="en-GB" sz="1800" spc="-1" strike="noStrike">
-              <a:solidFill>
-                <a:srgbClr val="000000"/>
-              </a:solidFill>
-              <a:uFill>
-                <a:solidFill>
-                  <a:srgbClr val="ffffff"/>
-                </a:solidFill>
-              </a:uFill>
-              <a:latin typeface="Arial"/>
-            </a:endParaRPr>
-          </a:p>
-          <a:p>
-            <a:pPr marL="216000" indent="-214200">
-              <a:lnSpc>
-                <a:spcPct val="100000"/>
-              </a:lnSpc>
-              <a:buClr>
-                <a:srgbClr val="000000"/>
-              </a:buClr>
-              <a:buSzPct val="45000"/>
-              <a:buFont typeface="Wingdings" charset="2"/>
-              <a:buChar char=""/>
-            </a:pPr>
-            <a:r>
-              <a:rPr b="0" lang="en-GB" sz="2400" spc="-1" strike="noStrike">
-                <a:solidFill>
-                  <a:srgbClr val="000000"/>
-                </a:solidFill>
-                <a:uFill>
-                  <a:solidFill>
-                    <a:srgbClr val="ffffff"/>
-                  </a:solidFill>
-                </a:uFill>
-                <a:latin typeface="Open Sans Semibold"/>
-                <a:ea typeface="Open Sans Semibold"/>
-              </a:rPr>
-              <a:t>Machine learning apporach to merge different simple models in a more accurate and effective one.</a:t>
-            </a:r>
-            <a:endParaRPr b="0" lang="en-GB" sz="1800" spc="-1" strike="noStrike">
-              <a:solidFill>
-                <a:srgbClr val="000000"/>
-              </a:solidFill>
-              <a:uFill>
-                <a:solidFill>
-                  <a:srgbClr val="ffffff"/>
-                </a:solidFill>
-              </a:uFill>
-              <a:latin typeface="Arial"/>
-            </a:endParaRPr>
-          </a:p>
-          <a:p>
-            <a:pPr marL="216000" indent="-214200">
-              <a:lnSpc>
-                <a:spcPct val="100000"/>
-              </a:lnSpc>
-              <a:buClr>
-                <a:srgbClr val="000000"/>
-              </a:buClr>
-              <a:buSzPct val="45000"/>
-              <a:buFont typeface="Wingdings" charset="2"/>
-              <a:buChar char=""/>
-            </a:pPr>
-            <a:r>
-              <a:rPr b="0" lang="en-GB" sz="2400" spc="-1" strike="noStrike">
-                <a:solidFill>
-                  <a:srgbClr val="000000"/>
-                </a:solidFill>
-                <a:uFill>
-                  <a:solidFill>
-                    <a:srgbClr val="ffffff"/>
-                  </a:solidFill>
-                </a:uFill>
-                <a:latin typeface="Open Sans Semibold"/>
-                <a:ea typeface="Open Sans Semibold"/>
-              </a:rPr>
-              <a:t>Design optimization is really important for selecting the key features in the model creation process.</a:t>
-            </a:r>
-            <a:endParaRPr b="0" lang="en-GB" sz="1800" spc="-1" strike="noStrike">
-              <a:solidFill>
-                <a:srgbClr val="000000"/>
-              </a:solidFill>
-              <a:uFill>
-                <a:solidFill>
-                  <a:srgbClr val="ffffff"/>
-                </a:solidFill>
-              </a:uFill>
-              <a:latin typeface="Arial"/>
-            </a:endParaRPr>
-          </a:p>
-          <a:p>
-            <a:pPr marL="216000" indent="-214200">
-              <a:lnSpc>
-                <a:spcPct val="100000"/>
-              </a:lnSpc>
-              <a:buClr>
-                <a:srgbClr val="000000"/>
-              </a:buClr>
-              <a:buSzPct val="45000"/>
-              <a:buFont typeface="Wingdings" charset="2"/>
-              <a:buChar char=""/>
-            </a:pPr>
-            <a:r>
-              <a:rPr b="0" lang="en-GB" sz="2400" spc="-1" strike="noStrike">
-                <a:solidFill>
-                  <a:srgbClr val="000000"/>
-                </a:solidFill>
-                <a:uFill>
-                  <a:solidFill>
-                    <a:srgbClr val="ffffff"/>
-                  </a:solidFill>
-                </a:uFill>
-                <a:latin typeface="Open Sans Semibold"/>
-                <a:ea typeface="Open Sans Semibold"/>
-              </a:rPr>
-              <a:t> </a:t>
-            </a:r>
-            <a:endParaRPr b="0" lang="en-GB" sz="1800" spc="-1" strike="noStrike">
-              <a:solidFill>
-                <a:srgbClr val="000000"/>
-              </a:solidFill>
-              <a:uFill>
-                <a:solidFill>
-                  <a:srgbClr val="ffffff"/>
-                </a:solidFill>
-              </a:uFill>
-              <a:latin typeface="Arial"/>
-            </a:endParaRPr>
-          </a:p>
-          <a:p>
-            <a:pPr marL="216000" indent="-214200">
-              <a:lnSpc>
-                <a:spcPct val="100000"/>
-              </a:lnSpc>
-              <a:buClr>
-                <a:srgbClr val="000000"/>
-              </a:buClr>
-              <a:buSzPct val="45000"/>
-              <a:buFont typeface="Wingdings" charset="2"/>
-              <a:buChar char=""/>
-            </a:pPr>
-            <a:r>
-              <a:rPr b="1" lang="en-GB" sz="2400" spc="-1" strike="noStrike">
-                <a:solidFill>
-                  <a:srgbClr val="000000"/>
-                </a:solidFill>
-                <a:uFill>
-                  <a:solidFill>
-                    <a:srgbClr val="ffffff"/>
-                  </a:solidFill>
-                </a:uFill>
-                <a:latin typeface="Open Sans Semibold"/>
-                <a:ea typeface="Open Sans Semibold"/>
-              </a:rPr>
-              <a:t>Surrogate models and Reduced-order models</a:t>
-            </a:r>
-            <a:endParaRPr b="0" lang="en-GB" sz="1800" spc="-1" strike="noStrike">
-              <a:solidFill>
-                <a:srgbClr val="000000"/>
-              </a:solidFill>
-              <a:uFill>
-                <a:solidFill>
-                  <a:srgbClr val="ffffff"/>
-                </a:solidFill>
-              </a:uFill>
-              <a:latin typeface="Arial"/>
-            </a:endParaRPr>
-          </a:p>
-          <a:p>
-            <a:pPr marL="216000" indent="-214200">
-              <a:lnSpc>
-                <a:spcPct val="100000"/>
-              </a:lnSpc>
-              <a:buClr>
-                <a:srgbClr val="000000"/>
-              </a:buClr>
-              <a:buSzPct val="45000"/>
-              <a:buFont typeface="Wingdings" charset="2"/>
-              <a:buChar char=""/>
-            </a:pPr>
-            <a:r>
-              <a:rPr b="0" lang="en-GB" sz="2400" spc="-1" strike="noStrike">
-                <a:solidFill>
-                  <a:srgbClr val="000000"/>
-                </a:solidFill>
-                <a:uFill>
-                  <a:solidFill>
-                    <a:srgbClr val="ffffff"/>
-                  </a:solidFill>
-                </a:uFill>
-                <a:latin typeface="Open Sans Semibold"/>
-                <a:ea typeface="Open Sans Semibold"/>
-              </a:rPr>
-              <a:t>Data-fit approach based on regression, interpolation, gaussian processes or SVM focused on extracting a simpler model of the real system.</a:t>
-            </a:r>
-            <a:endParaRPr b="0" lang="en-GB" sz="1800" spc="-1" strike="noStrike">
-              <a:solidFill>
-                <a:srgbClr val="000000"/>
-              </a:solidFill>
-              <a:uFill>
-                <a:solidFill>
-                  <a:srgbClr val="ffffff"/>
-                </a:solidFill>
-              </a:uFill>
-              <a:latin typeface="Arial"/>
-            </a:endParaRPr>
-          </a:p>
-          <a:p>
-            <a:pPr>
-              <a:lnSpc>
-                <a:spcPct val="100000"/>
-              </a:lnSpc>
-            </a:pPr>
-            <a:endParaRPr b="0" lang="en-GB" sz="1800" spc="-1" strike="noStrike">
-              <a:solidFill>
-                <a:srgbClr val="000000"/>
-              </a:solidFill>
-              <a:uFill>
-                <a:solidFill>
-                  <a:srgbClr val="ffffff"/>
-                </a:solidFill>
-              </a:uFill>
-              <a:latin typeface="Arial"/>
-            </a:endParaRPr>
-          </a:p>
-        </p:txBody>
-      </p:sp>
-      <p:sp>
-        <p:nvSpPr>
-          <p:cNvPr id="42" name="CustomShape 4"/>
-          <p:cNvSpPr/>
-          <p:nvPr/>
-        </p:nvSpPr>
-        <p:spPr>
-          <a:xfrm>
-            <a:off x="11557440" y="17660160"/>
-            <a:ext cx="9071280" cy="9285480"/>
-          </a:xfrm>
-          <a:prstGeom prst="rect">
-            <a:avLst/>
-          </a:prstGeom>
-          <a:noFill/>
-          <a:ln>
-            <a:noFill/>
-          </a:ln>
-        </p:spPr>
-        <p:style>
-          <a:lnRef idx="0"/>
-          <a:fillRef idx="0"/>
-          <a:effectRef idx="0"/>
-          <a:fontRef idx="minor"/>
-        </p:style>
-        <p:txBody>
-          <a:bodyPr lIns="90000" rIns="90000" tIns="45000" bIns="45000"/>
-          <a:p>
-            <a:pPr marL="378000" indent="-375120">
-              <a:lnSpc>
-                <a:spcPct val="100000"/>
-              </a:lnSpc>
-              <a:buClr>
-                <a:srgbClr val="000000"/>
-              </a:buClr>
-              <a:buFont typeface="Wingdings" charset="2"/>
-              <a:buChar char=""/>
-            </a:pPr>
-            <a:r>
-              <a:rPr b="0" lang="en-GB" sz="3200" spc="-1" strike="noStrike">
-                <a:solidFill>
-                  <a:srgbClr val="000000"/>
-                </a:solidFill>
-                <a:uFill>
-                  <a:solidFill>
-                    <a:srgbClr val="ffffff"/>
-                  </a:solidFill>
-                </a:uFill>
-                <a:latin typeface="Open Sans Semibold"/>
-                <a:ea typeface="Open Sans Semibold"/>
-              </a:rPr>
-              <a:t> </a:t>
-            </a:r>
-            <a:r>
-              <a:rPr b="0" lang="en-GB" sz="3200" spc="-1" strike="noStrike">
-                <a:solidFill>
-                  <a:srgbClr val="000000"/>
-                </a:solidFill>
-                <a:uFill>
-                  <a:solidFill>
-                    <a:srgbClr val="ffffff"/>
-                  </a:solidFill>
-                </a:uFill>
-                <a:latin typeface="Open Sans Semibold"/>
-                <a:ea typeface="Open Sans Semibold"/>
-              </a:rPr>
-              <a:t>Achievements</a:t>
-            </a:r>
-            <a:endParaRPr b="0" lang="en-GB" sz="1800" spc="-1" strike="noStrike">
-              <a:solidFill>
-                <a:srgbClr val="000000"/>
-              </a:solidFill>
-              <a:uFill>
-                <a:solidFill>
-                  <a:srgbClr val="ffffff"/>
-                </a:solidFill>
-              </a:uFill>
-              <a:latin typeface="Arial"/>
-            </a:endParaRPr>
-          </a:p>
-          <a:p>
-            <a:pPr marL="378000" indent="-375120">
-              <a:lnSpc>
-                <a:spcPct val="100000"/>
-              </a:lnSpc>
-              <a:buClr>
-                <a:srgbClr val="000000"/>
-              </a:buClr>
-              <a:buFont typeface="Wingdings" charset="2"/>
-              <a:buChar char=""/>
-            </a:pPr>
-            <a:r>
-              <a:rPr b="0" lang="en-GB" sz="2400" spc="-1" strike="noStrike">
-                <a:solidFill>
-                  <a:srgbClr val="000000"/>
-                </a:solidFill>
-                <a:uFill>
-                  <a:solidFill>
-                    <a:srgbClr val="ffffff"/>
-                  </a:solidFill>
-                </a:uFill>
-                <a:latin typeface="Open Sans Semibold"/>
-                <a:ea typeface="Open Sans Semibold"/>
-              </a:rPr>
-              <a:t> </a:t>
-            </a:r>
-            <a:endParaRPr b="0" lang="en-GB" sz="1800" spc="-1" strike="noStrike">
-              <a:solidFill>
-                <a:srgbClr val="000000"/>
-              </a:solidFill>
-              <a:uFill>
-                <a:solidFill>
-                  <a:srgbClr val="ffffff"/>
-                </a:solidFill>
-              </a:uFill>
-              <a:latin typeface="Arial"/>
-            </a:endParaRPr>
-          </a:p>
-          <a:p>
-            <a:pPr marL="378000" indent="-375120">
-              <a:lnSpc>
-                <a:spcPct val="100000"/>
-              </a:lnSpc>
-              <a:buClr>
-                <a:srgbClr val="000000"/>
-              </a:buClr>
-              <a:buFont typeface="Wingdings" charset="2"/>
-              <a:buChar char=""/>
-            </a:pPr>
-            <a:r>
-              <a:rPr b="0" lang="en-GB" sz="2400" spc="-1" strike="noStrike">
-                <a:solidFill>
-                  <a:srgbClr val="000000"/>
-                </a:solidFill>
-                <a:uFill>
-                  <a:solidFill>
-                    <a:srgbClr val="ffffff"/>
-                  </a:solidFill>
-                </a:uFill>
-                <a:latin typeface="Open Sans Semibold"/>
-                <a:ea typeface="Open Sans Semibold"/>
-              </a:rPr>
-              <a:t>We used the three tanks model to run some experiments on faulty behaviours.</a:t>
-            </a:r>
-            <a:endParaRPr b="0" lang="en-GB" sz="1800" spc="-1" strike="noStrike">
-              <a:solidFill>
-                <a:srgbClr val="000000"/>
-              </a:solidFill>
-              <a:uFill>
-                <a:solidFill>
-                  <a:srgbClr val="ffffff"/>
-                </a:solidFill>
-              </a:uFill>
-              <a:latin typeface="Arial"/>
-            </a:endParaRPr>
-          </a:p>
-          <a:p>
-            <a:pPr marL="378000" indent="-375120">
-              <a:lnSpc>
-                <a:spcPct val="100000"/>
-              </a:lnSpc>
-              <a:buClr>
-                <a:srgbClr val="000000"/>
-              </a:buClr>
-              <a:buFont typeface="Wingdings" charset="2"/>
-              <a:buChar char=""/>
-            </a:pPr>
-            <a:r>
-              <a:rPr b="0" lang="en-GB" sz="2400" spc="-1" strike="noStrike">
-                <a:solidFill>
-                  <a:srgbClr val="000000"/>
-                </a:solidFill>
-                <a:uFill>
-                  <a:solidFill>
-                    <a:srgbClr val="ffffff"/>
-                  </a:solidFill>
-                </a:uFill>
-                <a:latin typeface="Open Sans Semibold"/>
-                <a:ea typeface="Open Sans Semibold"/>
-              </a:rPr>
-              <a:t>Currently we are able to identify when a fault occurs and we can distinguish if the fault is genuine or induced by some attacker.</a:t>
-            </a:r>
-            <a:endParaRPr b="0" lang="en-GB" sz="1800" spc="-1" strike="noStrike">
-              <a:solidFill>
-                <a:srgbClr val="000000"/>
-              </a:solidFill>
-              <a:uFill>
-                <a:solidFill>
-                  <a:srgbClr val="ffffff"/>
-                </a:solidFill>
-              </a:uFill>
-              <a:latin typeface="Arial"/>
-            </a:endParaRPr>
-          </a:p>
-          <a:p>
-            <a:pPr marL="216000" indent="-214200">
-              <a:lnSpc>
-                <a:spcPct val="100000"/>
-              </a:lnSpc>
-              <a:buClr>
-                <a:srgbClr val="000000"/>
-              </a:buClr>
-              <a:buSzPct val="45000"/>
-              <a:buFont typeface="Wingdings" charset="2"/>
-              <a:buChar char=""/>
-            </a:pPr>
-            <a:r>
-              <a:rPr b="0" lang="en-GB" sz="2400" spc="-1" strike="noStrike">
-                <a:solidFill>
-                  <a:srgbClr val="000000"/>
-                </a:solidFill>
-                <a:uFill>
-                  <a:solidFill>
-                    <a:srgbClr val="ffffff"/>
-                  </a:solidFill>
-                </a:uFill>
-                <a:latin typeface="Open Sans Semibold"/>
-                <a:ea typeface="Open Sans Semibold"/>
-              </a:rPr>
-              <a:t> </a:t>
-            </a:r>
-            <a:endParaRPr b="0" lang="en-GB" sz="1800" spc="-1" strike="noStrike">
-              <a:solidFill>
-                <a:srgbClr val="000000"/>
-              </a:solidFill>
-              <a:uFill>
-                <a:solidFill>
-                  <a:srgbClr val="ffffff"/>
-                </a:solidFill>
-              </a:uFill>
-              <a:latin typeface="Arial"/>
-            </a:endParaRPr>
-          </a:p>
-          <a:p>
-            <a:pPr marL="216000" indent="-214200">
-              <a:lnSpc>
-                <a:spcPct val="100000"/>
-              </a:lnSpc>
-              <a:buClr>
-                <a:srgbClr val="000000"/>
-              </a:buClr>
-              <a:buSzPct val="45000"/>
-              <a:buFont typeface="Wingdings" charset="2"/>
-              <a:buChar char=""/>
-            </a:pPr>
-            <a:r>
-              <a:rPr b="0" lang="en-GB" sz="2800" spc="-1" strike="noStrike">
-                <a:solidFill>
-                  <a:srgbClr val="000000"/>
-                </a:solidFill>
-                <a:uFill>
-                  <a:solidFill>
-                    <a:srgbClr val="ffffff"/>
-                  </a:solidFill>
-                </a:uFill>
-                <a:latin typeface="Open Sans Semibold"/>
-                <a:ea typeface="Open Sans Semibold"/>
-              </a:rPr>
-              <a:t> </a:t>
-            </a:r>
-            <a:endParaRPr b="0" lang="en-GB" sz="1800" spc="-1" strike="noStrike">
-              <a:solidFill>
-                <a:srgbClr val="000000"/>
-              </a:solidFill>
-              <a:uFill>
-                <a:solidFill>
-                  <a:srgbClr val="ffffff"/>
-                </a:solidFill>
-              </a:uFill>
-              <a:latin typeface="Arial"/>
-            </a:endParaRPr>
-          </a:p>
-          <a:p>
-            <a:pPr marL="216000" indent="-214200">
-              <a:lnSpc>
-                <a:spcPct val="100000"/>
-              </a:lnSpc>
-              <a:buClr>
-                <a:srgbClr val="000000"/>
-              </a:buClr>
-              <a:buSzPct val="45000"/>
-              <a:buFont typeface="Wingdings" charset="2"/>
-              <a:buChar char=""/>
-            </a:pPr>
-            <a:r>
-              <a:rPr b="0" lang="en-GB" sz="2800" spc="-1" strike="noStrike">
-                <a:solidFill>
-                  <a:srgbClr val="000000"/>
-                </a:solidFill>
-                <a:uFill>
-                  <a:solidFill>
-                    <a:srgbClr val="ffffff"/>
-                  </a:solidFill>
-                </a:uFill>
-                <a:latin typeface="Open Sans Semibold"/>
-                <a:ea typeface="Open Sans Semibold"/>
-              </a:rPr>
-              <a:t> </a:t>
-            </a:r>
-            <a:endParaRPr b="0" lang="en-GB" sz="1800" spc="-1" strike="noStrike">
-              <a:solidFill>
-                <a:srgbClr val="000000"/>
-              </a:solidFill>
-              <a:uFill>
-                <a:solidFill>
-                  <a:srgbClr val="ffffff"/>
-                </a:solidFill>
-              </a:uFill>
-              <a:latin typeface="Arial"/>
-            </a:endParaRPr>
-          </a:p>
-          <a:p>
-            <a:pPr marL="216000" indent="-214200">
-              <a:lnSpc>
-                <a:spcPct val="100000"/>
-              </a:lnSpc>
-              <a:buClr>
-                <a:srgbClr val="000000"/>
-              </a:buClr>
-              <a:buSzPct val="45000"/>
-              <a:buFont typeface="Wingdings" charset="2"/>
-              <a:buChar char=""/>
-            </a:pPr>
-            <a:r>
-              <a:rPr b="0" lang="en-GB" sz="2800" spc="-1" strike="noStrike">
-                <a:solidFill>
-                  <a:srgbClr val="000000"/>
-                </a:solidFill>
-                <a:uFill>
-                  <a:solidFill>
-                    <a:srgbClr val="ffffff"/>
-                  </a:solidFill>
-                </a:uFill>
-                <a:latin typeface="Open Sans Semibold"/>
-                <a:ea typeface="Open Sans Semibold"/>
-              </a:rPr>
-              <a:t> </a:t>
-            </a:r>
-            <a:endParaRPr b="0" lang="en-GB" sz="1800" spc="-1" strike="noStrike">
-              <a:solidFill>
-                <a:srgbClr val="000000"/>
-              </a:solidFill>
-              <a:uFill>
-                <a:solidFill>
-                  <a:srgbClr val="ffffff"/>
-                </a:solidFill>
-              </a:uFill>
-              <a:latin typeface="Arial"/>
-            </a:endParaRPr>
-          </a:p>
-          <a:p>
-            <a:pPr marL="216000" indent="-214200">
-              <a:lnSpc>
-                <a:spcPct val="100000"/>
-              </a:lnSpc>
-              <a:buClr>
-                <a:srgbClr val="000000"/>
-              </a:buClr>
-              <a:buSzPct val="45000"/>
-              <a:buFont typeface="Wingdings" charset="2"/>
-              <a:buChar char=""/>
-            </a:pPr>
-            <a:r>
-              <a:rPr b="0" lang="en-GB" sz="2800" spc="-1" strike="noStrike">
-                <a:solidFill>
-                  <a:srgbClr val="000000"/>
-                </a:solidFill>
-                <a:uFill>
-                  <a:solidFill>
-                    <a:srgbClr val="ffffff"/>
-                  </a:solidFill>
-                </a:uFill>
-                <a:latin typeface="Open Sans Semibold"/>
-                <a:ea typeface="Open Sans Semibold"/>
-              </a:rPr>
-              <a:t> </a:t>
-            </a:r>
-            <a:endParaRPr b="0" lang="en-GB" sz="1800" spc="-1" strike="noStrike">
-              <a:solidFill>
-                <a:srgbClr val="000000"/>
-              </a:solidFill>
-              <a:uFill>
-                <a:solidFill>
-                  <a:srgbClr val="ffffff"/>
-                </a:solidFill>
-              </a:uFill>
-              <a:latin typeface="Arial"/>
-            </a:endParaRPr>
-          </a:p>
-          <a:p>
-            <a:pPr marL="216000" indent="-214200">
-              <a:lnSpc>
-                <a:spcPct val="100000"/>
-              </a:lnSpc>
-              <a:buClr>
-                <a:srgbClr val="000000"/>
-              </a:buClr>
-              <a:buSzPct val="45000"/>
-              <a:buFont typeface="Wingdings" charset="2"/>
-              <a:buChar char=""/>
-            </a:pPr>
-            <a:r>
-              <a:rPr b="0" lang="en-GB" sz="2800" spc="-1" strike="noStrike">
-                <a:solidFill>
-                  <a:srgbClr val="000000"/>
-                </a:solidFill>
-                <a:uFill>
-                  <a:solidFill>
-                    <a:srgbClr val="ffffff"/>
-                  </a:solidFill>
-                </a:uFill>
-                <a:latin typeface="Open Sans Semibold"/>
-                <a:ea typeface="Open Sans Semibold"/>
-              </a:rPr>
-              <a:t> </a:t>
-            </a:r>
-            <a:endParaRPr b="0" lang="en-GB" sz="1800" spc="-1" strike="noStrike">
-              <a:solidFill>
-                <a:srgbClr val="000000"/>
-              </a:solidFill>
-              <a:uFill>
-                <a:solidFill>
-                  <a:srgbClr val="ffffff"/>
-                </a:solidFill>
-              </a:uFill>
-              <a:latin typeface="Arial"/>
-            </a:endParaRPr>
-          </a:p>
-          <a:p>
-            <a:pPr marL="216000" indent="-214200">
-              <a:lnSpc>
-                <a:spcPct val="100000"/>
-              </a:lnSpc>
-              <a:buClr>
-                <a:srgbClr val="000000"/>
-              </a:buClr>
-              <a:buSzPct val="45000"/>
-              <a:buFont typeface="Wingdings" charset="2"/>
-              <a:buChar char=""/>
-            </a:pPr>
-            <a:r>
-              <a:rPr b="0" lang="en-GB" sz="2800" spc="-1" strike="noStrike">
-                <a:solidFill>
-                  <a:srgbClr val="000000"/>
-                </a:solidFill>
-                <a:uFill>
-                  <a:solidFill>
-                    <a:srgbClr val="ffffff"/>
-                  </a:solidFill>
-                </a:uFill>
-                <a:latin typeface="Open Sans Semibold"/>
-                <a:ea typeface="Open Sans Semibold"/>
-              </a:rPr>
-              <a:t> </a:t>
-            </a:r>
-            <a:endParaRPr b="0" lang="en-GB" sz="1800" spc="-1" strike="noStrike">
-              <a:solidFill>
-                <a:srgbClr val="000000"/>
-              </a:solidFill>
-              <a:uFill>
-                <a:solidFill>
-                  <a:srgbClr val="ffffff"/>
-                </a:solidFill>
-              </a:uFill>
-              <a:latin typeface="Arial"/>
-            </a:endParaRPr>
-          </a:p>
-          <a:p>
-            <a:pPr marL="378000" indent="-375120">
-              <a:lnSpc>
-                <a:spcPct val="100000"/>
-              </a:lnSpc>
-              <a:buClr>
-                <a:srgbClr val="000000"/>
-              </a:buClr>
-              <a:buFont typeface="Wingdings" charset="2"/>
-              <a:buChar char=""/>
-            </a:pPr>
-            <a:r>
-              <a:rPr b="0" lang="en-GB" sz="2800" spc="-1" strike="noStrike">
-                <a:solidFill>
-                  <a:srgbClr val="000000"/>
-                </a:solidFill>
-                <a:uFill>
-                  <a:solidFill>
-                    <a:srgbClr val="ffffff"/>
-                  </a:solidFill>
-                </a:uFill>
-                <a:latin typeface="Open Sans Semibold"/>
-                <a:ea typeface="Open Sans Semibold"/>
-              </a:rPr>
-              <a:t> </a:t>
-            </a:r>
-            <a:endParaRPr b="0" lang="en-GB" sz="1800" spc="-1" strike="noStrike">
-              <a:solidFill>
-                <a:srgbClr val="000000"/>
-              </a:solidFill>
-              <a:uFill>
-                <a:solidFill>
-                  <a:srgbClr val="ffffff"/>
-                </a:solidFill>
-              </a:uFill>
-              <a:latin typeface="Arial"/>
-            </a:endParaRPr>
-          </a:p>
-          <a:p>
-            <a:pPr marL="378000" indent="-375120" algn="ctr">
-              <a:lnSpc>
-                <a:spcPct val="100000"/>
-              </a:lnSpc>
-              <a:buClr>
-                <a:srgbClr val="000000"/>
-              </a:buClr>
-              <a:buFont typeface="Wingdings" charset="2"/>
-              <a:buChar char=""/>
-            </a:pPr>
-            <a:r>
-              <a:rPr b="0" lang="en-GB" sz="1600" spc="-1" strike="noStrike">
-                <a:solidFill>
-                  <a:srgbClr val="000000"/>
-                </a:solidFill>
-                <a:uFill>
-                  <a:solidFill>
-                    <a:srgbClr val="ffffff"/>
-                  </a:solidFill>
-                </a:uFill>
-                <a:latin typeface="Open Sans Semibold"/>
-                <a:ea typeface="Open Sans Semibold"/>
-              </a:rPr>
-              <a:t> </a:t>
-            </a:r>
-            <a:endParaRPr b="0" lang="en-GB" sz="1800" spc="-1" strike="noStrike">
-              <a:solidFill>
-                <a:srgbClr val="000000"/>
-              </a:solidFill>
-              <a:uFill>
-                <a:solidFill>
-                  <a:srgbClr val="ffffff"/>
-                </a:solidFill>
-              </a:uFill>
-              <a:latin typeface="Arial"/>
-            </a:endParaRPr>
-          </a:p>
-          <a:p>
-            <a:pPr marL="378000" indent="-375120" algn="ctr">
-              <a:lnSpc>
-                <a:spcPct val="100000"/>
-              </a:lnSpc>
-              <a:buClr>
-                <a:srgbClr val="000000"/>
-              </a:buClr>
-              <a:buFont typeface="Wingdings" charset="2"/>
-              <a:buChar char=""/>
-            </a:pPr>
-            <a:r>
-              <a:rPr b="0" lang="en-GB" sz="1300" spc="-1" strike="noStrike">
-                <a:solidFill>
-                  <a:srgbClr val="000000"/>
-                </a:solidFill>
-                <a:uFill>
-                  <a:solidFill>
-                    <a:srgbClr val="ffffff"/>
-                  </a:solidFill>
-                </a:uFill>
-                <a:latin typeface="Open Sans Semibold"/>
-                <a:ea typeface="Open Sans Semibold"/>
-              </a:rPr>
-              <a:t>Examples: An easy to detect attack on a sensor (left image); synergies of different modes on the system creates similar to normal behaviour of the system, making them harder to detect (right image).</a:t>
-            </a:r>
-            <a:endParaRPr b="0" lang="en-GB" sz="1800" spc="-1" strike="noStrike">
-              <a:solidFill>
-                <a:srgbClr val="000000"/>
-              </a:solidFill>
-              <a:uFill>
-                <a:solidFill>
-                  <a:srgbClr val="ffffff"/>
-                </a:solidFill>
-              </a:uFill>
-              <a:latin typeface="Arial"/>
-            </a:endParaRPr>
-          </a:p>
-          <a:p>
-            <a:pPr marL="378000" indent="-375120">
-              <a:lnSpc>
-                <a:spcPct val="100000"/>
-              </a:lnSpc>
-              <a:buClr>
-                <a:srgbClr val="000000"/>
-              </a:buClr>
-              <a:buFont typeface="Wingdings" charset="2"/>
-              <a:buChar char=""/>
-            </a:pPr>
-            <a:r>
-              <a:rPr b="0" lang="en-GB" sz="2800" spc="-1" strike="noStrike">
-                <a:solidFill>
-                  <a:srgbClr val="000000"/>
-                </a:solidFill>
-                <a:uFill>
-                  <a:solidFill>
-                    <a:srgbClr val="ffffff"/>
-                  </a:solidFill>
-                </a:uFill>
-                <a:latin typeface="Open Sans Semibold"/>
-                <a:ea typeface="Open Sans Semibold"/>
-              </a:rPr>
-              <a:t> </a:t>
-            </a:r>
-            <a:endParaRPr b="0" lang="en-GB" sz="1800" spc="-1" strike="noStrike">
-              <a:solidFill>
-                <a:srgbClr val="000000"/>
-              </a:solidFill>
-              <a:uFill>
-                <a:solidFill>
-                  <a:srgbClr val="ffffff"/>
-                </a:solidFill>
-              </a:uFill>
-              <a:latin typeface="Arial"/>
-            </a:endParaRPr>
-          </a:p>
-          <a:p>
-            <a:pPr marL="378000" indent="-375120">
-              <a:lnSpc>
-                <a:spcPct val="100000"/>
-              </a:lnSpc>
-              <a:buClr>
-                <a:srgbClr val="000000"/>
-              </a:buClr>
-              <a:buFont typeface="Wingdings" charset="2"/>
-              <a:buChar char=""/>
-            </a:pPr>
-            <a:r>
-              <a:rPr b="0" lang="en-GB" sz="2800" spc="-1" strike="noStrike">
-                <a:solidFill>
-                  <a:srgbClr val="000000"/>
-                </a:solidFill>
-                <a:uFill>
-                  <a:solidFill>
-                    <a:srgbClr val="ffffff"/>
-                  </a:solidFill>
-                </a:uFill>
-                <a:latin typeface="Open Sans Semibold"/>
-                <a:ea typeface="Open Sans Semibold"/>
-              </a:rPr>
-              <a:t> </a:t>
-            </a:r>
-            <a:r>
-              <a:rPr b="0" lang="en-GB" sz="3200" spc="-1" strike="noStrike">
-                <a:solidFill>
-                  <a:srgbClr val="000000"/>
-                </a:solidFill>
-                <a:uFill>
-                  <a:solidFill>
-                    <a:srgbClr val="ffffff"/>
-                  </a:solidFill>
-                </a:uFill>
-                <a:latin typeface="Open Sans Semibold"/>
-                <a:ea typeface="Open Sans Semibold"/>
-              </a:rPr>
-              <a:t>Future work</a:t>
-            </a:r>
-            <a:endParaRPr b="0" lang="en-GB" sz="1800" spc="-1" strike="noStrike">
-              <a:solidFill>
-                <a:srgbClr val="000000"/>
-              </a:solidFill>
-              <a:uFill>
-                <a:solidFill>
-                  <a:srgbClr val="ffffff"/>
-                </a:solidFill>
-              </a:uFill>
-              <a:latin typeface="Arial"/>
-            </a:endParaRPr>
-          </a:p>
-          <a:p>
-            <a:pPr marL="216000" indent="-214200">
-              <a:lnSpc>
-                <a:spcPct val="100000"/>
-              </a:lnSpc>
-              <a:buClr>
-                <a:srgbClr val="000000"/>
-              </a:buClr>
-              <a:buSzPct val="45000"/>
-              <a:buFont typeface="Wingdings" charset="2"/>
-              <a:buChar char=""/>
-            </a:pPr>
-            <a:r>
-              <a:rPr b="0" lang="en-GB" sz="2400" spc="-1" strike="noStrike">
-                <a:solidFill>
-                  <a:srgbClr val="000000"/>
-                </a:solidFill>
-                <a:uFill>
-                  <a:solidFill>
-                    <a:srgbClr val="ffffff"/>
-                  </a:solidFill>
-                </a:uFill>
-                <a:latin typeface="Open Sans Semibold"/>
-                <a:ea typeface="Open Sans Semibold"/>
-              </a:rPr>
-              <a:t> </a:t>
-            </a:r>
-            <a:endParaRPr b="0" lang="en-GB" sz="1800" spc="-1" strike="noStrike">
-              <a:solidFill>
-                <a:srgbClr val="000000"/>
-              </a:solidFill>
-              <a:uFill>
-                <a:solidFill>
-                  <a:srgbClr val="ffffff"/>
-                </a:solidFill>
-              </a:uFill>
-              <a:latin typeface="Arial"/>
-            </a:endParaRPr>
-          </a:p>
-          <a:p>
-            <a:pPr marL="216000" indent="-214200">
-              <a:lnSpc>
-                <a:spcPct val="100000"/>
-              </a:lnSpc>
-              <a:buClr>
-                <a:srgbClr val="000000"/>
-              </a:buClr>
-              <a:buSzPct val="45000"/>
-              <a:buFont typeface="Wingdings" charset="2"/>
-              <a:buChar char=""/>
-            </a:pPr>
-            <a:r>
-              <a:rPr b="0" lang="en-GB" sz="2400" spc="-1" strike="noStrike">
-                <a:solidFill>
-                  <a:srgbClr val="000000"/>
-                </a:solidFill>
-                <a:uFill>
-                  <a:solidFill>
-                    <a:srgbClr val="ffffff"/>
-                  </a:solidFill>
-                </a:uFill>
-                <a:latin typeface="Open Sans Semibold"/>
-                <a:ea typeface="Open Sans Semibold"/>
-              </a:rPr>
-              <a:t>Add machine learning and/or statistical methods to improve the modes detection process.</a:t>
-            </a:r>
-            <a:endParaRPr b="0" lang="en-GB" sz="1800" spc="-1" strike="noStrike">
-              <a:solidFill>
-                <a:srgbClr val="000000"/>
-              </a:solidFill>
-              <a:uFill>
-                <a:solidFill>
-                  <a:srgbClr val="ffffff"/>
-                </a:solidFill>
-              </a:uFill>
-              <a:latin typeface="Arial"/>
-            </a:endParaRPr>
-          </a:p>
-          <a:p>
-            <a:pPr marL="216000" indent="-214200">
-              <a:lnSpc>
-                <a:spcPct val="100000"/>
-              </a:lnSpc>
-              <a:buClr>
-                <a:srgbClr val="000000"/>
-              </a:buClr>
-              <a:buSzPct val="45000"/>
-              <a:buFont typeface="Wingdings" charset="2"/>
-              <a:buChar char=""/>
-            </a:pPr>
-            <a:r>
-              <a:rPr b="0" lang="en-GB" sz="2400" spc="-1" strike="noStrike">
-                <a:solidFill>
-                  <a:srgbClr val="000000"/>
-                </a:solidFill>
-                <a:uFill>
-                  <a:solidFill>
-                    <a:srgbClr val="ffffff"/>
-                  </a:solidFill>
-                </a:uFill>
-                <a:latin typeface="Open Sans Semibold"/>
-                <a:ea typeface="Open Sans Semibold"/>
-              </a:rPr>
-              <a:t> </a:t>
-            </a:r>
-            <a:endParaRPr b="0" lang="en-GB" sz="1800" spc="-1" strike="noStrike">
-              <a:solidFill>
-                <a:srgbClr val="000000"/>
-              </a:solidFill>
-              <a:uFill>
-                <a:solidFill>
-                  <a:srgbClr val="ffffff"/>
-                </a:solidFill>
-              </a:uFill>
-              <a:latin typeface="Arial"/>
-            </a:endParaRPr>
-          </a:p>
-          <a:p>
-            <a:pPr marL="216000" indent="-214200">
-              <a:lnSpc>
-                <a:spcPct val="100000"/>
-              </a:lnSpc>
-              <a:buClr>
-                <a:srgbClr val="000000"/>
-              </a:buClr>
-              <a:buSzPct val="45000"/>
-              <a:buFont typeface="Wingdings" charset="2"/>
-              <a:buChar char=""/>
-            </a:pPr>
-            <a:r>
-              <a:rPr b="0" lang="en-GB" sz="2400" spc="-1" strike="noStrike">
-                <a:solidFill>
-                  <a:srgbClr val="000000"/>
-                </a:solidFill>
-                <a:uFill>
-                  <a:solidFill>
-                    <a:srgbClr val="ffffff"/>
-                  </a:solidFill>
-                </a:uFill>
-                <a:latin typeface="Open Sans Semibold"/>
-                <a:ea typeface="Open Sans Semibold"/>
-              </a:rPr>
-              <a:t>Build a complete task-based diagnosis framework.</a:t>
-            </a:r>
-            <a:endParaRPr b="0" lang="en-GB" sz="1800" spc="-1" strike="noStrike">
-              <a:solidFill>
-                <a:srgbClr val="000000"/>
-              </a:solidFill>
-              <a:uFill>
-                <a:solidFill>
-                  <a:srgbClr val="ffffff"/>
-                </a:solidFill>
-              </a:uFill>
-              <a:latin typeface="Arial"/>
+              <a:latin typeface="Open Sans Semibold"/>
+              <a:ea typeface="Open Sans Semibold"/>
             </a:endParaRPr>
           </a:p>
         </p:txBody>
@@ -4025,46 +6393,96 @@
           </a:ln>
         </p:spPr>
         <p:style>
-          <a:lnRef idx="0"/>
-          <a:fillRef idx="0"/>
-          <a:effectRef idx="0"/>
+          <a:lnRef idx="0">
+            <a:scrgbClr r="0" g="0" b="0"/>
+          </a:lnRef>
+          <a:fillRef idx="0">
+            <a:scrgbClr r="0" g="0" b="0"/>
+          </a:fillRef>
+          <a:effectRef idx="0">
+            <a:scrgbClr r="0" g="0" b="0"/>
+          </a:effectRef>
           <a:fontRef idx="minor"/>
         </p:style>
         <p:txBody>
-          <a:bodyPr lIns="90000" rIns="90000" tIns="45000" bIns="45000"/>
-          <a:p>
-            <a:pPr marL="378000" indent="-375120">
+          <a:bodyPr lIns="90000" tIns="45000" rIns="90000" bIns="45000"/>
+          <a:lstStyle/>
+          <a:p>
+            <a:pPr marL="2880">
               <a:lnSpc>
                 <a:spcPct val="100000"/>
               </a:lnSpc>
               <a:buClr>
-                <a:srgbClr val="ffffff"/>
+                <a:srgbClr val="FFFFFF"/>
               </a:buClr>
-              <a:buFont typeface="Wingdings" charset="2"/>
-              <a:buChar char=""/>
             </a:pPr>
             <a:r>
-              <a:rPr b="0" lang="en-GB" sz="3200" spc="-1" strike="noStrike">
-                <a:solidFill>
-                  <a:srgbClr val="ffffff"/>
+              <a:rPr lang="en-GB" sz="3200" b="0" strike="noStrike" spc="-1" dirty="0">
+                <a:solidFill>
+                  <a:srgbClr val="FFFFFF"/>
                 </a:solidFill>
                 <a:uFill>
                   <a:solidFill>
-                    <a:srgbClr val="ffffff"/>
+                    <a:srgbClr val="FFFFFF"/>
                   </a:solidFill>
                 </a:uFill>
                 <a:latin typeface="Open Sans Semibold"/>
                 <a:ea typeface="Open Sans Semibold"/>
               </a:rPr>
-              <a:t>Riccardo Orizio, Prof. Gregory Provan</a:t>
+              <a:t>Riccardo Orizio, </a:t>
             </a:r>
-            <a:endParaRPr b="0" lang="en-GB" sz="1800" spc="-1" strike="noStrike">
+            <a:r>
+              <a:rPr lang="en-GB" sz="3200" b="0" strike="noStrike" spc="-1" dirty="0" err="1">
+                <a:solidFill>
+                  <a:srgbClr val="FFFFFF"/>
+                </a:solidFill>
+                <a:uFill>
+                  <a:solidFill>
+                    <a:srgbClr val="FFFFFF"/>
+                  </a:solidFill>
+                </a:uFill>
+                <a:latin typeface="Open Sans Semibold"/>
+                <a:ea typeface="Open Sans Semibold"/>
+              </a:rPr>
+              <a:t>Prof.</a:t>
+            </a:r>
+            <a:r>
+              <a:rPr lang="en-GB" sz="3200" b="0" strike="noStrike" spc="-1" dirty="0">
+                <a:solidFill>
+                  <a:srgbClr val="FFFFFF"/>
+                </a:solidFill>
+                <a:uFill>
+                  <a:solidFill>
+                    <a:srgbClr val="FFFFFF"/>
+                  </a:solidFill>
+                </a:uFill>
+                <a:latin typeface="Open Sans Semibold"/>
+                <a:ea typeface="Open Sans Semibold"/>
+              </a:rPr>
+              <a:t> Gregory </a:t>
+            </a:r>
+            <a:r>
+              <a:rPr lang="en-GB" sz="3200" b="0" strike="noStrike" spc="-1" dirty="0" err="1">
+                <a:solidFill>
+                  <a:srgbClr val="FFFFFF"/>
+                </a:solidFill>
+                <a:uFill>
+                  <a:solidFill>
+                    <a:srgbClr val="FFFFFF"/>
+                  </a:solidFill>
+                </a:uFill>
+                <a:latin typeface="Open Sans Semibold"/>
+                <a:ea typeface="Open Sans Semibold"/>
+              </a:rPr>
+              <a:t>Provan</a:t>
+            </a:r>
+            <a:endParaRPr lang="en-GB" sz="1800" b="0" strike="noStrike" spc="-1" dirty="0">
               <a:solidFill>
                 <a:srgbClr val="000000"/>
               </a:solidFill>
               <a:uFill>
                 <a:solidFill>
-                  <a:srgbClr val="ffffff"/>
+                  <a:srgbClr val="FFFFFF"/>
                 </a:solidFill>
               </a:uFill>
               <a:latin typeface="Arial"/>
@@ -4092,32 +6510,37 @@
           </a:ln>
         </p:spPr>
         <p:style>
-          <a:lnRef idx="0"/>
-          <a:fillRef idx="0"/>
-          <a:effectRef idx="0"/>
+          <a:lnRef idx="0">
+            <a:scrgbClr r="0" g="0" b="0"/>
+          </a:lnRef>
+          <a:fillRef idx="0">
+            <a:scrgbClr r="0" g="0" b="0"/>
+          </a:fillRef>
+          <a:effectRef idx="0">
+            <a:scrgbClr r="0" g="0" b="0"/>
+          </a:effectRef>
           <a:fontRef idx="minor"/>
         </p:style>
         <p:txBody>
-          <a:bodyPr lIns="90000" rIns="90000" tIns="45000" bIns="45000"/>
-          <a:p>
-            <a:pPr marL="378000" indent="-375120" algn="ctr">
+          <a:bodyPr lIns="90000" tIns="45000" rIns="90000" bIns="45000"/>
+          <a:lstStyle/>
+          <a:p>
+            <a:pPr marL="2880" algn="ctr">
               <a:lnSpc>
                 <a:spcPct val="100000"/>
               </a:lnSpc>
               <a:buClr>
-                <a:srgbClr val="f2f2f2"/>
+                <a:srgbClr val="F2F2F2"/>
               </a:buClr>
-              <a:buFont typeface="Wingdings" charset="2"/>
-              <a:buChar char=""/>
             </a:pPr>
             <a:r>
-              <a:rPr b="1" lang="en-GB" sz="4800" spc="-1" strike="noStrike">
-                <a:solidFill>
-                  <a:srgbClr val="f2f2f2"/>
+              <a:rPr lang="en-GB" sz="4800" b="1" strike="noStrike" spc="-1" dirty="0">
+                <a:solidFill>
+                  <a:srgbClr val="F2F2F2"/>
                 </a:solidFill>
                 <a:uFill>
                   <a:solidFill>
-                    <a:srgbClr val="ffffff"/>
+                    <a:srgbClr val="FFFFFF"/>
                   </a:solidFill>
                 </a:uFill>
                 <a:latin typeface="Open Sans Extrabold"/>
@@ -4125,13 +6548,13 @@
               </a:rPr>
               <a:t>Task-based Model Selection/Optimisation</a:t>
             </a:r>
-            <a:endParaRPr b="0" lang="en-GB" sz="1800" spc="-1" strike="noStrike">
+            <a:endParaRPr lang="en-GB" sz="1800" b="0" strike="noStrike" spc="-1" dirty="0">
               <a:solidFill>
                 <a:srgbClr val="000000"/>
               </a:solidFill>
               <a:uFill>
                 <a:solidFill>
-                  <a:srgbClr val="ffffff"/>
+                  <a:srgbClr val="FFFFFF"/>
                 </a:solidFill>
               </a:uFill>
               <a:latin typeface="Arial"/>
@@ -4141,12 +6564,12 @@
       </p:sp>
       <p:pic>
         <p:nvPicPr>
-          <p:cNvPr id="45" name="" descr=""/>
+          <p:cNvPr id="45" name="Picture 44"/>
           <p:cNvPicPr/>
           <p:nvPr/>
         </p:nvPicPr>
         <p:blipFill>
-          <a:blip r:embed="rId1"/>
+          <a:blip r:embed="rId4"/>
           <a:stretch/>
         </p:blipFill>
         <p:spPr>
@@ -4164,18 +6587,18 @@
       </p:pic>
       <p:pic>
         <p:nvPicPr>
-          <p:cNvPr id="46" name="" descr=""/>
+          <p:cNvPr id="46" name="Picture 45"/>
           <p:cNvPicPr/>
           <p:nvPr/>
         </p:nvPicPr>
         <p:blipFill>
-          <a:blip r:embed="rId2"/>
+          <a:blip r:embed="rId5"/>
           <a:stretch/>
         </p:blipFill>
         <p:spPr>
           <a:xfrm>
-            <a:off x="2082240" y="10756800"/>
-            <a:ext cx="6627960" cy="5513400"/>
+            <a:off x="3235569" y="13068886"/>
+            <a:ext cx="4743111" cy="3201314"/>
           </a:xfrm>
           <a:prstGeom prst="rect">
             <a:avLst/>
@@ -4187,18 +6610,18 @@
       </p:pic>
       <p:pic>
         <p:nvPicPr>
-          <p:cNvPr id="47" name="" descr=""/>
+          <p:cNvPr id="48" name="Picture 47"/>
           <p:cNvPicPr/>
           <p:nvPr/>
         </p:nvPicPr>
         <p:blipFill>
-          <a:blip r:embed="rId3"/>
+          <a:blip r:embed="rId6"/>
           <a:stretch/>
         </p:blipFill>
         <p:spPr>
           <a:xfrm>
-            <a:off x="1188000" y="23403240"/>
-            <a:ext cx="8638560" cy="3775320"/>
+            <a:off x="16942375" y="23075150"/>
+            <a:ext cx="2639852" cy="2741255"/>
           </a:xfrm>
           <a:prstGeom prst="rect">
             <a:avLst/>
@@ -4210,18 +6633,18 @@
       </p:pic>
       <p:pic>
         <p:nvPicPr>
-          <p:cNvPr id="48" name="" descr=""/>
+          <p:cNvPr id="49" name="Picture 48"/>
           <p:cNvPicPr/>
           <p:nvPr/>
         </p:nvPicPr>
         <p:blipFill>
-          <a:blip r:embed="rId4"/>
+          <a:blip r:embed="rId7"/>
           <a:stretch/>
         </p:blipFill>
         <p:spPr>
           <a:xfrm>
-            <a:off x="16425360" y="20520000"/>
-            <a:ext cx="3459960" cy="3455640"/>
+            <a:off x="12524815" y="23132266"/>
+            <a:ext cx="2593982" cy="2684140"/>
           </a:xfrm>
           <a:prstGeom prst="rect">
             <a:avLst/>
@@ -4233,41 +6656,18 @@
       </p:pic>
       <p:pic>
         <p:nvPicPr>
-          <p:cNvPr id="49" name="" descr=""/>
+          <p:cNvPr id="50" name="Picture 49"/>
           <p:cNvPicPr/>
           <p:nvPr/>
         </p:nvPicPr>
         <p:blipFill>
-          <a:blip r:embed="rId5"/>
+          <a:blip r:embed="rId8"/>
           <a:stretch/>
         </p:blipFill>
         <p:spPr>
           <a:xfrm>
-            <a:off x="12007800" y="20592000"/>
-            <a:ext cx="3399840" cy="3383640"/>
-          </a:xfrm>
-          <a:prstGeom prst="rect">
-            <a:avLst/>
-          </a:prstGeom>
-          <a:ln>
-            <a:noFill/>
-          </a:ln>
-        </p:spPr>
-      </p:pic>
-      <p:pic>
-        <p:nvPicPr>
-          <p:cNvPr id="50" name="" descr=""/>
-          <p:cNvPicPr/>
-          <p:nvPr/>
-        </p:nvPicPr>
-        <p:blipFill>
-          <a:blip r:embed="rId6"/>
-          <a:stretch/>
-        </p:blipFill>
-        <p:spPr>
-          <a:xfrm>
-            <a:off x="16394040" y="16776000"/>
-            <a:ext cx="4202640" cy="1727640"/>
+            <a:off x="13646749" y="18838894"/>
+            <a:ext cx="4873480" cy="1727850"/>
           </a:xfrm>
           <a:prstGeom prst="rect">
             <a:avLst/>
@@ -4279,6 +6679,9 @@
       </p:pic>
     </p:spTree>
   </p:cSld>
+  <p:clrMapOvr>
+    <a:masterClrMapping/>
+  </p:clrMapOvr>
   <p:timing>
     <p:tnLst>
       <p:par>
@@ -4287,14 +6690,14 @@
             <p:seq>
               <p:cTn id="2" nodeType="mainSeq"/>
               <p:prevCondLst>
-                <p:cond delay="0" evt="onPrev">
+                <p:cond evt="onPrev" delay="0">
                   <p:tgtEl>
                     <p:sldTgt/>
                   </p:tgtEl>
                 </p:cond>
               </p:prevCondLst>
               <p:nextCondLst>
-                <p:cond delay="0" evt="onNext">
+                <p:cond evt="onNext" delay="0">
                   <p:tgtEl>
                     <p:sldTgt/>
                   </p:tgtEl>
@@ -4529,5 +6932,7 @@
       </a:bgFillStyleLst>
     </a:fmtScheme>
   </a:themeElements>
+  <a:objectDefaults/>
+  <a:extraClrSchemeLst/>
 </a:theme>
 </file>